--- a/CombinedAddressability.pptx
+++ b/CombinedAddressability.pptx
@@ -5,10 +5,10 @@
     <p:sldMasterId id="2147483648" r:id="rId1"/>
   </p:sldMasterIdLst>
   <p:notesMasterIdLst>
-    <p:notesMasterId r:id="rId11"/>
+    <p:notesMasterId r:id="rId14"/>
   </p:notesMasterIdLst>
   <p:handoutMasterIdLst>
-    <p:handoutMasterId r:id="rId12"/>
+    <p:handoutMasterId r:id="rId15"/>
   </p:handoutMasterIdLst>
   <p:sldIdLst>
     <p:sldId id="309" r:id="rId2"/>
@@ -19,7 +19,10 @@
     <p:sldId id="313" r:id="rId7"/>
     <p:sldId id="314" r:id="rId8"/>
     <p:sldId id="315" r:id="rId9"/>
-    <p:sldId id="307" r:id="rId10"/>
+    <p:sldId id="317" r:id="rId10"/>
+    <p:sldId id="316" r:id="rId11"/>
+    <p:sldId id="318" r:id="rId12"/>
+    <p:sldId id="319" r:id="rId13"/>
   </p:sldIdLst>
   <p:sldSz cx="12192000" cy="6858000"/>
   <p:notesSz cx="6858000" cy="9144000"/>
@@ -275,7 +278,7 @@
             <a:fld id="{0E143355-DBAB-A149-92FF-7A0A2302F2EE}" type="datetimeFigureOut">
               <a:rPr lang="en-US" altLang="en-US"/>
               <a:pPr/>
-              <a:t>10/11/17</a:t>
+              <a:t>10/17/17</a:t>
             </a:fld>
             <a:endParaRPr lang="en-US" altLang="en-US"/>
           </a:p>
@@ -456,7 +459,7 @@
             <a:fld id="{1E2B973D-A907-6347-9B89-FE2620A4B941}" type="datetimeFigureOut">
               <a:rPr lang="en-US" altLang="en-US"/>
               <a:pPr/>
-              <a:t>10/11/17</a:t>
+              <a:t>10/17/17</a:t>
             </a:fld>
             <a:endParaRPr lang="en-US" altLang="en-US"/>
           </a:p>
@@ -756,278 +759,6 @@
     </a:lvl9pPr>
   </p:notesStyle>
 </p:notesMaster>
-</file>
-
-<file path=ppt/notesSlides/notesSlide1.xml><?xml version="1.0" encoding="utf-8"?>
-<p:notes xmlns:a="http://schemas.openxmlformats.org/drawingml/2006/main" xmlns:r="http://schemas.openxmlformats.org/officeDocument/2006/relationships" xmlns:p="http://schemas.openxmlformats.org/presentationml/2006/main">
-  <p:cSld>
-    <p:spTree>
-      <p:nvGrpSpPr>
-        <p:cNvPr id="1" name=""/>
-        <p:cNvGrpSpPr/>
-        <p:nvPr/>
-      </p:nvGrpSpPr>
-      <p:grpSpPr>
-        <a:xfrm>
-          <a:off x="0" y="0"/>
-          <a:ext cx="0" cy="0"/>
-          <a:chOff x="0" y="0"/>
-          <a:chExt cx="0" cy="0"/>
-        </a:xfrm>
-      </p:grpSpPr>
-      <p:sp>
-        <p:nvSpPr>
-          <p:cNvPr id="13313" name="Slide Image Placeholder 1"/>
-          <p:cNvSpPr>
-            <a:spLocks noGrp="1" noRot="1" noChangeAspect="1" noTextEdit="1"/>
-          </p:cNvSpPr>
-          <p:nvPr>
-            <p:ph type="sldImg"/>
-          </p:nvPr>
-        </p:nvSpPr>
-        <p:spPr bwMode="auto">
-          <a:noFill/>
-          <a:ln>
-            <a:solidFill>
-              <a:srgbClr val="000000"/>
-            </a:solidFill>
-            <a:miter lim="800000"/>
-            <a:headEnd/>
-            <a:tailEnd/>
-          </a:ln>
-          <a:extLst>
-            <a:ext uri="{909E8E84-426E-40DD-AFC4-6F175D3DCCD1}">
-              <a14:hiddenFill xmlns:a14="http://schemas.microsoft.com/office/drawing/2010/main">
-                <a:solidFill>
-                  <a:srgbClr val="FFFFFF"/>
-                </a:solidFill>
-              </a14:hiddenFill>
-            </a:ext>
-            <a:ext uri="{FAA26D3D-D897-4be2-8F04-BA451C77F1D7}">
-              <ma14:placeholderFlag xmlns:ma14="http://schemas.microsoft.com/office/mac/drawingml/2011/main" val="1"/>
-            </a:ext>
-          </a:extLst>
-        </p:spPr>
-      </p:sp>
-      <p:sp>
-        <p:nvSpPr>
-          <p:cNvPr id="13314" name="Notes Placeholder 2"/>
-          <p:cNvSpPr>
-            <a:spLocks noGrp="1"/>
-          </p:cNvSpPr>
-          <p:nvPr>
-            <p:ph type="body" idx="1"/>
-          </p:nvPr>
-        </p:nvSpPr>
-        <p:spPr bwMode="auto">
-          <a:noFill/>
-          <a:extLst>
-            <a:ext uri="{909E8E84-426E-40DD-AFC4-6F175D3DCCD1}">
-              <a14:hiddenFill xmlns:a14="http://schemas.microsoft.com/office/drawing/2010/main">
-                <a:solidFill>
-                  <a:srgbClr val="FFFFFF"/>
-                </a:solidFill>
-              </a14:hiddenFill>
-            </a:ext>
-            <a:ext uri="{91240B29-F687-4F45-9708-019B960494DF}">
-              <a14:hiddenLine xmlns:a14="http://schemas.microsoft.com/office/drawing/2010/main" w="9525">
-                <a:solidFill>
-                  <a:srgbClr val="000000"/>
-                </a:solidFill>
-                <a:miter lim="800000"/>
-                <a:headEnd/>
-                <a:tailEnd/>
-              </a14:hiddenLine>
-            </a:ext>
-            <a:ext uri="{FAA26D3D-D897-4be2-8F04-BA451C77F1D7}">
-              <ma14:placeholderFlag xmlns:ma14="http://schemas.microsoft.com/office/mac/drawingml/2011/main" val="1"/>
-            </a:ext>
-          </a:extLst>
-        </p:spPr>
-        <p:txBody>
-          <a:bodyPr wrap="square" numCol="1" anchor="t" anchorCtr="0" compatLnSpc="1">
-            <a:prstTxWarp prst="textNoShape">
-              <a:avLst/>
-            </a:prstTxWarp>
-          </a:bodyPr>
-          <a:lstStyle/>
-          <a:p>
-            <a:endParaRPr lang="en-US" altLang="en-US"/>
-          </a:p>
-        </p:txBody>
-      </p:sp>
-      <p:sp>
-        <p:nvSpPr>
-          <p:cNvPr id="13315" name="Slide Number Placeholder 3"/>
-          <p:cNvSpPr>
-            <a:spLocks noGrp="1"/>
-          </p:cNvSpPr>
-          <p:nvPr>
-            <p:ph type="sldNum" sz="quarter" idx="5"/>
-          </p:nvPr>
-        </p:nvSpPr>
-        <p:spPr bwMode="auto">
-          <a:noFill/>
-          <a:extLst>
-            <a:ext uri="{909E8E84-426E-40DD-AFC4-6F175D3DCCD1}">
-              <a14:hiddenFill xmlns:a14="http://schemas.microsoft.com/office/drawing/2010/main">
-                <a:solidFill>
-                  <a:srgbClr val="FFFFFF"/>
-                </a:solidFill>
-              </a14:hiddenFill>
-            </a:ext>
-            <a:ext uri="{91240B29-F687-4F45-9708-019B960494DF}">
-              <a14:hiddenLine xmlns:a14="http://schemas.microsoft.com/office/drawing/2010/main" w="9525">
-                <a:solidFill>
-                  <a:srgbClr val="000000"/>
-                </a:solidFill>
-                <a:miter lim="800000"/>
-                <a:headEnd/>
-                <a:tailEnd/>
-              </a14:hiddenLine>
-            </a:ext>
-          </a:extLst>
-        </p:spPr>
-        <p:txBody>
-          <a:bodyPr/>
-          <a:lstStyle>
-            <a:lvl1pPr>
-              <a:spcBef>
-                <a:spcPct val="30000"/>
-              </a:spcBef>
-              <a:defRPr sz="1200">
-                <a:solidFill>
-                  <a:schemeClr val="tx1"/>
-                </a:solidFill>
-                <a:latin typeface="Calibri" charset="0"/>
-              </a:defRPr>
-            </a:lvl1pPr>
-            <a:lvl2pPr marL="742950" indent="-285750">
-              <a:spcBef>
-                <a:spcPct val="30000"/>
-              </a:spcBef>
-              <a:defRPr sz="1200">
-                <a:solidFill>
-                  <a:schemeClr val="tx1"/>
-                </a:solidFill>
-                <a:latin typeface="Calibri" charset="0"/>
-              </a:defRPr>
-            </a:lvl2pPr>
-            <a:lvl3pPr marL="1143000" indent="-228600">
-              <a:spcBef>
-                <a:spcPct val="30000"/>
-              </a:spcBef>
-              <a:defRPr sz="1200">
-                <a:solidFill>
-                  <a:schemeClr val="tx1"/>
-                </a:solidFill>
-                <a:latin typeface="Calibri" charset="0"/>
-              </a:defRPr>
-            </a:lvl3pPr>
-            <a:lvl4pPr marL="1600200" indent="-228600">
-              <a:spcBef>
-                <a:spcPct val="30000"/>
-              </a:spcBef>
-              <a:defRPr sz="1200">
-                <a:solidFill>
-                  <a:schemeClr val="tx1"/>
-                </a:solidFill>
-                <a:latin typeface="Calibri" charset="0"/>
-              </a:defRPr>
-            </a:lvl4pPr>
-            <a:lvl5pPr marL="2057400" indent="-228600">
-              <a:spcBef>
-                <a:spcPct val="30000"/>
-              </a:spcBef>
-              <a:defRPr sz="1200">
-                <a:solidFill>
-                  <a:schemeClr val="tx1"/>
-                </a:solidFill>
-                <a:latin typeface="Calibri" charset="0"/>
-              </a:defRPr>
-            </a:lvl5pPr>
-            <a:lvl6pPr marL="2514600" indent="-228600" eaLnBrk="0" fontAlgn="base" hangingPunct="0">
-              <a:spcBef>
-                <a:spcPct val="30000"/>
-              </a:spcBef>
-              <a:spcAft>
-                <a:spcPct val="0"/>
-              </a:spcAft>
-              <a:defRPr sz="1200">
-                <a:solidFill>
-                  <a:schemeClr val="tx1"/>
-                </a:solidFill>
-                <a:latin typeface="Calibri" charset="0"/>
-              </a:defRPr>
-            </a:lvl6pPr>
-            <a:lvl7pPr marL="2971800" indent="-228600" eaLnBrk="0" fontAlgn="base" hangingPunct="0">
-              <a:spcBef>
-                <a:spcPct val="30000"/>
-              </a:spcBef>
-              <a:spcAft>
-                <a:spcPct val="0"/>
-              </a:spcAft>
-              <a:defRPr sz="1200">
-                <a:solidFill>
-                  <a:schemeClr val="tx1"/>
-                </a:solidFill>
-                <a:latin typeface="Calibri" charset="0"/>
-              </a:defRPr>
-            </a:lvl7pPr>
-            <a:lvl8pPr marL="3429000" indent="-228600" eaLnBrk="0" fontAlgn="base" hangingPunct="0">
-              <a:spcBef>
-                <a:spcPct val="30000"/>
-              </a:spcBef>
-              <a:spcAft>
-                <a:spcPct val="0"/>
-              </a:spcAft>
-              <a:defRPr sz="1200">
-                <a:solidFill>
-                  <a:schemeClr val="tx1"/>
-                </a:solidFill>
-                <a:latin typeface="Calibri" charset="0"/>
-              </a:defRPr>
-            </a:lvl8pPr>
-            <a:lvl9pPr marL="3886200" indent="-228600" eaLnBrk="0" fontAlgn="base" hangingPunct="0">
-              <a:spcBef>
-                <a:spcPct val="30000"/>
-              </a:spcBef>
-              <a:spcAft>
-                <a:spcPct val="0"/>
-              </a:spcAft>
-              <a:defRPr sz="1200">
-                <a:solidFill>
-                  <a:schemeClr val="tx1"/>
-                </a:solidFill>
-                <a:latin typeface="Calibri" charset="0"/>
-              </a:defRPr>
-            </a:lvl9pPr>
-          </a:lstStyle>
-          <a:p>
-            <a:pPr>
-              <a:spcBef>
-                <a:spcPct val="0"/>
-              </a:spcBef>
-            </a:pPr>
-            <a:fld id="{35C478F0-F5DB-D041-A8BE-845845749E78}" type="slidenum">
-              <a:rPr lang="en-US" altLang="en-US"/>
-              <a:pPr>
-                <a:spcBef>
-                  <a:spcPct val="0"/>
-                </a:spcBef>
-              </a:pPr>
-              <a:t>9</a:t>
-            </a:fld>
-            <a:endParaRPr lang="en-US" altLang="en-US"/>
-          </a:p>
-        </p:txBody>
-      </p:sp>
-    </p:spTree>
-  </p:cSld>
-  <p:clrMapOvr>
-    <a:masterClrMapping/>
-  </p:clrMapOvr>
-</p:notes>
 </file>
 
 <file path=ppt/slideLayouts/slideLayout1.xml><?xml version="1.0" encoding="utf-8"?>
@@ -4050,6 +3781,407 @@
 </p:sld>
 </file>
 
+<file path=ppt/slides/slide10.xml><?xml version="1.0" encoding="utf-8"?>
+<p:sld xmlns:a="http://schemas.openxmlformats.org/drawingml/2006/main" xmlns:r="http://schemas.openxmlformats.org/officeDocument/2006/relationships" xmlns:p="http://schemas.openxmlformats.org/presentationml/2006/main">
+  <p:cSld>
+    <p:spTree>
+      <p:nvGrpSpPr>
+        <p:cNvPr id="1" name=""/>
+        <p:cNvGrpSpPr/>
+        <p:nvPr/>
+      </p:nvGrpSpPr>
+      <p:grpSpPr>
+        <a:xfrm>
+          <a:off x="0" y="0"/>
+          <a:ext cx="0" cy="0"/>
+          <a:chOff x="0" y="0"/>
+          <a:chExt cx="0" cy="0"/>
+        </a:xfrm>
+      </p:grpSpPr>
+      <p:sp>
+        <p:nvSpPr>
+          <p:cNvPr id="2" name="Title 1"/>
+          <p:cNvSpPr>
+            <a:spLocks noGrp="1"/>
+          </p:cNvSpPr>
+          <p:nvPr>
+            <p:ph type="title"/>
+          </p:nvPr>
+        </p:nvSpPr>
+        <p:spPr/>
+        <p:txBody>
+          <a:bodyPr/>
+          <a:lstStyle/>
+          <a:p>
+            <a:r>
+              <a:rPr lang="en-US" dirty="0" smtClean="0"/>
+              <a:t>BIC Addressability Comparison</a:t>
+            </a:r>
+            <a:endParaRPr lang="en-US" dirty="0"/>
+          </a:p>
+        </p:txBody>
+      </p:sp>
+      <p:pic>
+        <p:nvPicPr>
+          <p:cNvPr id="6" name="Picture 5"/>
+          <p:cNvPicPr>
+            <a:picLocks noChangeAspect="1"/>
+          </p:cNvPicPr>
+          <p:nvPr/>
+        </p:nvPicPr>
+        <p:blipFill>
+          <a:blip r:embed="rId2">
+            <a:extLst>
+              <a:ext uri="{28A0092B-C50C-407E-A947-70E740481C1C}">
+                <a14:useLocalDpi xmlns:a14="http://schemas.microsoft.com/office/drawing/2010/main" val="0"/>
+              </a:ext>
+            </a:extLst>
+          </a:blip>
+          <a:stretch>
+            <a:fillRect/>
+          </a:stretch>
+        </p:blipFill>
+        <p:spPr>
+          <a:xfrm>
+            <a:off x="4325669" y="1231693"/>
+            <a:ext cx="7554521" cy="4647740"/>
+          </a:xfrm>
+          <a:prstGeom prst="rect">
+            <a:avLst/>
+          </a:prstGeom>
+        </p:spPr>
+      </p:pic>
+      <p:sp>
+        <p:nvSpPr>
+          <p:cNvPr id="7" name="TextBox 6"/>
+          <p:cNvSpPr txBox="1"/>
+          <p:nvPr/>
+        </p:nvSpPr>
+        <p:spPr>
+          <a:xfrm>
+            <a:off x="154380" y="1733797"/>
+            <a:ext cx="4122924" cy="2862322"/>
+          </a:xfrm>
+          <a:prstGeom prst="rect">
+            <a:avLst/>
+          </a:prstGeom>
+          <a:noFill/>
+        </p:spPr>
+        <p:txBody>
+          <a:bodyPr wrap="square" rtlCol="0">
+            <a:spAutoFit/>
+          </a:bodyPr>
+          <a:lstStyle/>
+          <a:p>
+            <a:r>
+              <a:rPr lang="en-US" dirty="0" smtClean="0"/>
+              <a:t>Observations:</a:t>
+            </a:r>
+          </a:p>
+          <a:p>
+            <a:pPr marL="285750" indent="-285750">
+              <a:buFont typeface="Arial" charset="0"/>
+              <a:buChar char="•"/>
+            </a:pPr>
+            <a:r>
+              <a:rPr lang="en-US" dirty="0" smtClean="0"/>
+              <a:t>IT contracts impacted by prior addressability flaw.</a:t>
+            </a:r>
+          </a:p>
+          <a:p>
+            <a:pPr marL="742950" lvl="1" indent="-285750">
+              <a:buFont typeface="Arial" charset="0"/>
+              <a:buChar char="•"/>
+            </a:pPr>
+            <a:r>
+              <a:rPr lang="en-US" dirty="0" smtClean="0"/>
+              <a:t>New method corrects</a:t>
+            </a:r>
+          </a:p>
+          <a:p>
+            <a:pPr marL="285750" indent="-285750">
+              <a:buFont typeface="Arial" charset="0"/>
+              <a:buChar char="•"/>
+            </a:pPr>
+            <a:r>
+              <a:rPr lang="en-US" dirty="0" smtClean="0"/>
+              <a:t>DLA Fuels anomalous. More investigation required.</a:t>
+            </a:r>
+          </a:p>
+          <a:p>
+            <a:pPr marL="285750" indent="-285750">
+              <a:buFont typeface="Arial" charset="0"/>
+              <a:buChar char="•"/>
+            </a:pPr>
+            <a:r>
+              <a:rPr lang="en-US" dirty="0" smtClean="0"/>
+              <a:t>Conjecture that FSSI Wireless requires further constraint based on </a:t>
+            </a:r>
+            <a:r>
+              <a:rPr lang="en-US" dirty="0" err="1" smtClean="0"/>
+              <a:t>reference_piid</a:t>
+            </a:r>
+            <a:r>
+              <a:rPr lang="en-US" dirty="0" smtClean="0"/>
+              <a:t>. </a:t>
+            </a:r>
+          </a:p>
+          <a:p>
+            <a:endParaRPr lang="en-US" dirty="0"/>
+          </a:p>
+        </p:txBody>
+      </p:sp>
+    </p:spTree>
+    <p:extLst>
+      <p:ext uri="{BB962C8B-B14F-4D97-AF65-F5344CB8AC3E}">
+        <p14:creationId xmlns:p14="http://schemas.microsoft.com/office/powerpoint/2010/main" val="870229507"/>
+      </p:ext>
+    </p:extLst>
+  </p:cSld>
+  <p:clrMapOvr>
+    <a:masterClrMapping/>
+  </p:clrMapOvr>
+</p:sld>
+</file>
+
+<file path=ppt/slides/slide11.xml><?xml version="1.0" encoding="utf-8"?>
+<p:sld xmlns:a="http://schemas.openxmlformats.org/drawingml/2006/main" xmlns:r="http://schemas.openxmlformats.org/officeDocument/2006/relationships" xmlns:p="http://schemas.openxmlformats.org/presentationml/2006/main">
+  <p:cSld>
+    <p:spTree>
+      <p:nvGrpSpPr>
+        <p:cNvPr id="1" name=""/>
+        <p:cNvGrpSpPr/>
+        <p:nvPr/>
+      </p:nvGrpSpPr>
+      <p:grpSpPr>
+        <a:xfrm>
+          <a:off x="0" y="0"/>
+          <a:ext cx="0" cy="0"/>
+          <a:chOff x="0" y="0"/>
+          <a:chExt cx="0" cy="0"/>
+        </a:xfrm>
+      </p:grpSpPr>
+      <p:sp>
+        <p:nvSpPr>
+          <p:cNvPr id="2" name="Title 1"/>
+          <p:cNvSpPr>
+            <a:spLocks noGrp="1"/>
+          </p:cNvSpPr>
+          <p:nvPr>
+            <p:ph type="title"/>
+          </p:nvPr>
+        </p:nvSpPr>
+        <p:spPr/>
+        <p:txBody>
+          <a:bodyPr/>
+          <a:lstStyle/>
+          <a:p>
+            <a:r>
+              <a:rPr lang="en-US" dirty="0" smtClean="0"/>
+              <a:t>GSA Addressability vs Obligations	</a:t>
+            </a:r>
+            <a:endParaRPr lang="en-US" dirty="0"/>
+          </a:p>
+        </p:txBody>
+      </p:sp>
+      <p:pic>
+        <p:nvPicPr>
+          <p:cNvPr id="4" name="Picture 3"/>
+          <p:cNvPicPr>
+            <a:picLocks noChangeAspect="1"/>
+          </p:cNvPicPr>
+          <p:nvPr/>
+        </p:nvPicPr>
+        <p:blipFill>
+          <a:blip r:embed="rId2">
+            <a:extLst>
+              <a:ext uri="{28A0092B-C50C-407E-A947-70E740481C1C}">
+                <a14:useLocalDpi xmlns:a14="http://schemas.microsoft.com/office/drawing/2010/main" val="0"/>
+              </a:ext>
+            </a:extLst>
+          </a:blip>
+          <a:stretch>
+            <a:fillRect/>
+          </a:stretch>
+        </p:blipFill>
+        <p:spPr>
+          <a:xfrm>
+            <a:off x="0" y="1574800"/>
+            <a:ext cx="11934702" cy="4160982"/>
+          </a:xfrm>
+          <a:prstGeom prst="rect">
+            <a:avLst/>
+          </a:prstGeom>
+        </p:spPr>
+      </p:pic>
+    </p:spTree>
+    <p:extLst>
+      <p:ext uri="{BB962C8B-B14F-4D97-AF65-F5344CB8AC3E}">
+        <p14:creationId xmlns:p14="http://schemas.microsoft.com/office/powerpoint/2010/main" val="1272098265"/>
+      </p:ext>
+    </p:extLst>
+  </p:cSld>
+  <p:clrMapOvr>
+    <a:masterClrMapping/>
+  </p:clrMapOvr>
+</p:sld>
+</file>
+
+<file path=ppt/slides/slide12.xml><?xml version="1.0" encoding="utf-8"?>
+<p:sld xmlns:a="http://schemas.openxmlformats.org/drawingml/2006/main" xmlns:r="http://schemas.openxmlformats.org/officeDocument/2006/relationships" xmlns:p="http://schemas.openxmlformats.org/presentationml/2006/main">
+  <p:cSld>
+    <p:spTree>
+      <p:nvGrpSpPr>
+        <p:cNvPr id="1" name=""/>
+        <p:cNvGrpSpPr/>
+        <p:nvPr/>
+      </p:nvGrpSpPr>
+      <p:grpSpPr>
+        <a:xfrm>
+          <a:off x="0" y="0"/>
+          <a:ext cx="0" cy="0"/>
+          <a:chOff x="0" y="0"/>
+          <a:chExt cx="0" cy="0"/>
+        </a:xfrm>
+      </p:grpSpPr>
+      <p:sp>
+        <p:nvSpPr>
+          <p:cNvPr id="20481" name="Title 1"/>
+          <p:cNvSpPr>
+            <a:spLocks noGrp="1"/>
+          </p:cNvSpPr>
+          <p:nvPr>
+            <p:ph type="title"/>
+          </p:nvPr>
+        </p:nvSpPr>
+        <p:spPr/>
+        <p:txBody>
+          <a:bodyPr/>
+          <a:lstStyle/>
+          <a:p>
+            <a:r>
+              <a:rPr lang="en-US" altLang="en-US" dirty="0" smtClean="0">
+                <a:latin typeface="Arial" charset="0"/>
+                <a:cs typeface="Arial" charset="0"/>
+              </a:rPr>
+              <a:t>Agency/Bureau Level Addressability</a:t>
+            </a:r>
+            <a:endParaRPr lang="en-US" altLang="en-US" dirty="0">
+              <a:latin typeface="Arial" charset="0"/>
+              <a:cs typeface="Arial" charset="0"/>
+            </a:endParaRPr>
+          </a:p>
+        </p:txBody>
+      </p:sp>
+      <p:pic>
+        <p:nvPicPr>
+          <p:cNvPr id="2" name="Picture 1"/>
+          <p:cNvPicPr>
+            <a:picLocks noChangeAspect="1"/>
+          </p:cNvPicPr>
+          <p:nvPr/>
+        </p:nvPicPr>
+        <p:blipFill>
+          <a:blip r:embed="rId2">
+            <a:extLst>
+              <a:ext uri="{28A0092B-C50C-407E-A947-70E740481C1C}">
+                <a14:useLocalDpi xmlns:a14="http://schemas.microsoft.com/office/drawing/2010/main" val="0"/>
+              </a:ext>
+            </a:extLst>
+          </a:blip>
+          <a:stretch>
+            <a:fillRect/>
+          </a:stretch>
+        </p:blipFill>
+        <p:spPr>
+          <a:xfrm>
+            <a:off x="1151536" y="1239128"/>
+            <a:ext cx="9431520" cy="4562065"/>
+          </a:xfrm>
+          <a:prstGeom prst="rect">
+            <a:avLst/>
+          </a:prstGeom>
+        </p:spPr>
+      </p:pic>
+      <p:sp>
+        <p:nvSpPr>
+          <p:cNvPr id="3" name="Rectangle 2"/>
+          <p:cNvSpPr/>
+          <p:nvPr/>
+        </p:nvSpPr>
+        <p:spPr>
+          <a:xfrm>
+            <a:off x="3847606" y="3075710"/>
+            <a:ext cx="1284575" cy="1107996"/>
+          </a:xfrm>
+          <a:prstGeom prst="rect">
+            <a:avLst/>
+          </a:prstGeom>
+          <a:noFill/>
+        </p:spPr>
+        <p:txBody>
+          <a:bodyPr wrap="square" lIns="91440" tIns="45720" rIns="91440" bIns="45720">
+            <a:spAutoFit/>
+          </a:bodyPr>
+          <a:lstStyle/>
+          <a:p>
+            <a:pPr algn="ctr"/>
+            <a:r>
+              <a:rPr lang="en-US" sz="6600" b="1" cap="none" spc="0" dirty="0" smtClean="0">
+                <a:ln w="22225">
+                  <a:solidFill>
+                    <a:schemeClr val="accent2"/>
+                  </a:solidFill>
+                  <a:prstDash val="solid"/>
+                </a:ln>
+                <a:solidFill>
+                  <a:schemeClr val="accent2">
+                    <a:lumMod val="40000"/>
+                    <a:lumOff val="60000"/>
+                  </a:schemeClr>
+                </a:solidFill>
+                <a:effectLst/>
+              </a:rPr>
+              <a:t>X</a:t>
+            </a:r>
+            <a:endParaRPr lang="en-US" sz="6600" b="1" cap="none" spc="0" dirty="0">
+              <a:ln w="22225">
+                <a:solidFill>
+                  <a:schemeClr val="accent2"/>
+                </a:solidFill>
+                <a:prstDash val="solid"/>
+              </a:ln>
+              <a:solidFill>
+                <a:schemeClr val="accent2">
+                  <a:lumMod val="40000"/>
+                  <a:lumOff val="60000"/>
+                </a:schemeClr>
+              </a:solidFill>
+              <a:effectLst/>
+            </a:endParaRPr>
+          </a:p>
+        </p:txBody>
+      </p:sp>
+    </p:spTree>
+    <p:extLst>
+      <p:ext uri="{BB962C8B-B14F-4D97-AF65-F5344CB8AC3E}">
+        <p14:creationId xmlns:p14="http://schemas.microsoft.com/office/powerpoint/2010/main" val="815903818"/>
+      </p:ext>
+    </p:extLst>
+  </p:cSld>
+  <p:clrMapOvr>
+    <a:masterClrMapping/>
+  </p:clrMapOvr>
+  <p:timing>
+    <p:tnLst>
+      <p:par>
+        <p:cTn id="1" dur="indefinite" restart="never" nodeType="tmRoot"/>
+      </p:par>
+    </p:tnLst>
+  </p:timing>
+</p:sld>
+</file>
+
 <file path=ppt/slides/slide2.xml><?xml version="1.0" encoding="utf-8"?>
 <p:sld xmlns:a="http://schemas.openxmlformats.org/drawingml/2006/main" xmlns:r="http://schemas.openxmlformats.org/officeDocument/2006/relationships" xmlns:p="http://schemas.openxmlformats.org/presentationml/2006/main">
   <p:cSld>
@@ -5105,13 +5237,18 @@
             <p:ph idx="1"/>
           </p:nvPr>
         </p:nvSpPr>
-        <p:spPr/>
+        <p:spPr>
+          <a:xfrm>
+            <a:off x="838200" y="1203694"/>
+            <a:ext cx="10515600" cy="4414838"/>
+          </a:xfrm>
+        </p:spPr>
         <p:txBody>
           <a:bodyPr/>
           <a:lstStyle/>
           <a:p>
             <a:r>
-              <a:rPr lang="en-US" sz="2400" dirty="0" smtClean="0"/>
+              <a:rPr lang="en-US" sz="2000" dirty="0" smtClean="0"/>
               <a:t>Use-Case: When using PSC/NAICS as the only FPDS coding attributes, erroneous addressability signatures can be introduced.</a:t>
             </a:r>
           </a:p>
@@ -5131,7 +5268,7 @@
           </a:p>
           <a:p>
             <a:r>
-              <a:rPr lang="en-US" sz="2400" dirty="0" smtClean="0"/>
+              <a:rPr lang="en-US" sz="2000" dirty="0" smtClean="0"/>
               <a:t>Alternatives:</a:t>
             </a:r>
           </a:p>
@@ -5184,7 +5321,7 @@
             </a:r>
             <a:r>
               <a:rPr lang="en-US" sz="2400" dirty="0" smtClean="0"/>
-              <a:t>time </a:t>
+              <a:t>times </a:t>
             </a:r>
             <a:r>
               <a:rPr lang="en-US" sz="1800" dirty="0" smtClean="0"/>
@@ -5203,12 +5340,8 @@
               <a:t>naics</a:t>
             </a:r>
             <a:r>
-              <a:rPr lang="en-US" sz="1800" smtClean="0"/>
-              <a:t>, </a:t>
-            </a:r>
-            <a:r>
               <a:rPr lang="en-US" sz="1800" dirty="0" smtClean="0"/>
-              <a:t>a high volume of signatures have low test data set frequencies.</a:t>
+              <a:t>, a high volume of signatures have low test data set frequencies.</a:t>
             </a:r>
           </a:p>
           <a:p>
@@ -5253,7 +5386,7 @@
       </p:grpSpPr>
       <p:sp>
         <p:nvSpPr>
-          <p:cNvPr id="12289" name="Title 1"/>
+          <p:cNvPr id="2" name="Title 1"/>
           <p:cNvSpPr>
             <a:spLocks noGrp="1"/>
           </p:cNvSpPr>
@@ -5261,93 +5394,59 @@
             <p:ph type="title"/>
           </p:nvPr>
         </p:nvSpPr>
-        <p:spPr>
-          <a:xfrm>
-            <a:off x="1477963" y="0"/>
-            <a:ext cx="9921875" cy="474663"/>
-          </a:xfrm>
-        </p:spPr>
+        <p:spPr/>
         <p:txBody>
           <a:bodyPr/>
           <a:lstStyle/>
           <a:p>
-            <a:pPr algn="ctr"/>
-            <a:r>
-              <a:rPr lang="en-US" altLang="en-US" sz="2400">
-                <a:latin typeface="Arial" charset="0"/>
-                <a:cs typeface="Arial" charset="0"/>
-              </a:rPr>
-              <a:t>Shared Analytic Pipeline Logical Architecture</a:t>
-            </a:r>
+            <a:r>
+              <a:rPr lang="en-US" dirty="0" smtClean="0"/>
+              <a:t>BIC Addressability vs Obligations</a:t>
+            </a:r>
+            <a:endParaRPr lang="en-US" dirty="0"/>
           </a:p>
         </p:txBody>
       </p:sp>
       <p:pic>
         <p:nvPicPr>
-          <p:cNvPr id="12290" name="Picture 8"/>
+          <p:cNvPr id="4" name="Picture 3"/>
           <p:cNvPicPr>
             <a:picLocks noChangeAspect="1"/>
           </p:cNvPicPr>
           <p:nvPr/>
         </p:nvPicPr>
         <p:blipFill>
-          <a:blip r:embed="rId3">
+          <a:blip r:embed="rId2">
             <a:extLst>
               <a:ext uri="{28A0092B-C50C-407E-A947-70E740481C1C}">
                 <a14:useLocalDpi xmlns:a14="http://schemas.microsoft.com/office/drawing/2010/main" val="0"/>
               </a:ext>
             </a:extLst>
           </a:blip>
-          <a:srcRect/>
           <a:stretch>
             <a:fillRect/>
           </a:stretch>
         </p:blipFill>
-        <p:spPr bwMode="auto">
+        <p:spPr>
           <a:xfrm>
-            <a:off x="0" y="382588"/>
-            <a:ext cx="12192000" cy="5802312"/>
+            <a:off x="1436543" y="1282968"/>
+            <a:ext cx="9318914" cy="4405313"/>
           </a:xfrm>
           <a:prstGeom prst="rect">
             <a:avLst/>
           </a:prstGeom>
-          <a:noFill/>
-          <a:ln>
-            <a:noFill/>
-          </a:ln>
-          <a:extLst>
-            <a:ext uri="{909E8E84-426E-40DD-AFC4-6F175D3DCCD1}">
-              <a14:hiddenFill xmlns:a14="http://schemas.microsoft.com/office/drawing/2010/main">
-                <a:solidFill>
-                  <a:srgbClr val="FFFFFF"/>
-                </a:solidFill>
-              </a14:hiddenFill>
-            </a:ext>
-            <a:ext uri="{91240B29-F687-4F45-9708-019B960494DF}">
-              <a14:hiddenLine xmlns:a14="http://schemas.microsoft.com/office/drawing/2010/main" w="9525">
-                <a:solidFill>
-                  <a:srgbClr val="000000"/>
-                </a:solidFill>
-                <a:miter lim="800000"/>
-                <a:headEnd/>
-                <a:tailEnd/>
-              </a14:hiddenLine>
-            </a:ext>
-          </a:extLst>
         </p:spPr>
       </p:pic>
     </p:spTree>
+    <p:extLst>
+      <p:ext uri="{BB962C8B-B14F-4D97-AF65-F5344CB8AC3E}">
+        <p14:creationId xmlns:p14="http://schemas.microsoft.com/office/powerpoint/2010/main" val="781273429"/>
+      </p:ext>
+    </p:extLst>
   </p:cSld>
   <p:clrMapOvr>
     <a:masterClrMapping/>
   </p:clrMapOvr>
-  <p:timing>
-    <p:tnLst>
-      <p:par>
-        <p:cTn id="1" dur="indefinite" restart="never" nodeType="tmRoot"/>
-      </p:par>
-    </p:tnLst>
-  </p:timing>
 </p:sld>
 </file>
 

--- a/CombinedAddressability.pptx
+++ b/CombinedAddressability.pptx
@@ -5,24 +5,30 @@
     <p:sldMasterId id="2147483648" r:id="rId1"/>
   </p:sldMasterIdLst>
   <p:notesMasterIdLst>
-    <p:notesMasterId r:id="rId14"/>
+    <p:notesMasterId r:id="rId20"/>
   </p:notesMasterIdLst>
   <p:handoutMasterIdLst>
-    <p:handoutMasterId r:id="rId15"/>
+    <p:handoutMasterId r:id="rId21"/>
   </p:handoutMasterIdLst>
   <p:sldIdLst>
-    <p:sldId id="309" r:id="rId2"/>
-    <p:sldId id="308" r:id="rId3"/>
-    <p:sldId id="312" r:id="rId4"/>
-    <p:sldId id="310" r:id="rId5"/>
-    <p:sldId id="311" r:id="rId6"/>
-    <p:sldId id="313" r:id="rId7"/>
-    <p:sldId id="314" r:id="rId8"/>
-    <p:sldId id="315" r:id="rId9"/>
-    <p:sldId id="317" r:id="rId10"/>
-    <p:sldId id="316" r:id="rId11"/>
-    <p:sldId id="318" r:id="rId12"/>
-    <p:sldId id="319" r:id="rId13"/>
+    <p:sldId id="326" r:id="rId2"/>
+    <p:sldId id="309" r:id="rId3"/>
+    <p:sldId id="308" r:id="rId4"/>
+    <p:sldId id="312" r:id="rId5"/>
+    <p:sldId id="310" r:id="rId6"/>
+    <p:sldId id="311" r:id="rId7"/>
+    <p:sldId id="313" r:id="rId8"/>
+    <p:sldId id="314" r:id="rId9"/>
+    <p:sldId id="315" r:id="rId10"/>
+    <p:sldId id="320" r:id="rId11"/>
+    <p:sldId id="317" r:id="rId12"/>
+    <p:sldId id="316" r:id="rId13"/>
+    <p:sldId id="318" r:id="rId14"/>
+    <p:sldId id="319" r:id="rId15"/>
+    <p:sldId id="321" r:id="rId16"/>
+    <p:sldId id="322" r:id="rId17"/>
+    <p:sldId id="324" r:id="rId18"/>
+    <p:sldId id="325" r:id="rId19"/>
   </p:sldIdLst>
   <p:sldSz cx="12192000" cy="6858000"/>
   <p:notesSz cx="6858000" cy="9144000"/>
@@ -278,7 +284,7 @@
             <a:fld id="{0E143355-DBAB-A149-92FF-7A0A2302F2EE}" type="datetimeFigureOut">
               <a:rPr lang="en-US" altLang="en-US"/>
               <a:pPr/>
-              <a:t>10/17/17</a:t>
+              <a:t>10/20/17</a:t>
             </a:fld>
             <a:endParaRPr lang="en-US" altLang="en-US"/>
           </a:p>
@@ -459,7 +465,7 @@
             <a:fld id="{1E2B973D-A907-6347-9B89-FE2620A4B941}" type="datetimeFigureOut">
               <a:rPr lang="en-US" altLang="en-US"/>
               <a:pPr/>
-              <a:t>10/17/17</a:t>
+              <a:t>10/20/17</a:t>
             </a:fld>
             <a:endParaRPr lang="en-US" altLang="en-US"/>
           </a:p>
@@ -759,6 +765,1081 @@
     </a:lvl9pPr>
   </p:notesStyle>
 </p:notesMaster>
+</file>
+
+<file path=ppt/notesSlides/notesSlide1.xml><?xml version="1.0" encoding="utf-8"?>
+<p:notes xmlns:a="http://schemas.openxmlformats.org/drawingml/2006/main" xmlns:r="http://schemas.openxmlformats.org/officeDocument/2006/relationships" xmlns:p="http://schemas.openxmlformats.org/presentationml/2006/main">
+  <p:cSld>
+    <p:spTree>
+      <p:nvGrpSpPr>
+        <p:cNvPr id="1" name=""/>
+        <p:cNvGrpSpPr/>
+        <p:nvPr/>
+      </p:nvGrpSpPr>
+      <p:grpSpPr>
+        <a:xfrm>
+          <a:off x="0" y="0"/>
+          <a:ext cx="0" cy="0"/>
+          <a:chOff x="0" y="0"/>
+          <a:chExt cx="0" cy="0"/>
+        </a:xfrm>
+      </p:grpSpPr>
+      <p:sp>
+        <p:nvSpPr>
+          <p:cNvPr id="2" name="Slide Image Placeholder 1"/>
+          <p:cNvSpPr>
+            <a:spLocks noGrp="1" noRot="1" noChangeAspect="1"/>
+          </p:cNvSpPr>
+          <p:nvPr>
+            <p:ph type="sldImg"/>
+          </p:nvPr>
+        </p:nvSpPr>
+        <p:spPr/>
+      </p:sp>
+      <p:sp>
+        <p:nvSpPr>
+          <p:cNvPr id="3" name="Notes Placeholder 2"/>
+          <p:cNvSpPr>
+            <a:spLocks noGrp="1"/>
+          </p:cNvSpPr>
+          <p:nvPr>
+            <p:ph type="body" idx="1"/>
+          </p:nvPr>
+        </p:nvSpPr>
+        <p:spPr/>
+        <p:txBody>
+          <a:bodyPr/>
+          <a:lstStyle/>
+          <a:p>
+            <a:r>
+              <a:rPr lang="en-US" dirty="0" smtClean="0"/>
+              <a:t>Recommendation:</a:t>
+            </a:r>
+            <a:r>
+              <a:rPr lang="en-US" baseline="0" dirty="0" smtClean="0"/>
+              <a:t> CASE verify socio-economic factors </a:t>
+            </a:r>
+            <a:endParaRPr lang="en-US" dirty="0"/>
+          </a:p>
+        </p:txBody>
+      </p:sp>
+      <p:sp>
+        <p:nvSpPr>
+          <p:cNvPr id="4" name="Slide Number Placeholder 3"/>
+          <p:cNvSpPr>
+            <a:spLocks noGrp="1"/>
+          </p:cNvSpPr>
+          <p:nvPr>
+            <p:ph type="sldNum" sz="quarter" idx="10"/>
+          </p:nvPr>
+        </p:nvSpPr>
+        <p:spPr/>
+        <p:txBody>
+          <a:bodyPr/>
+          <a:lstStyle/>
+          <a:p>
+            <a:fld id="{31AB6265-7EB1-5142-B31F-9E16A79506F2}" type="slidenum">
+              <a:rPr lang="en-US" altLang="en-US" smtClean="0"/>
+              <a:pPr/>
+              <a:t>6</a:t>
+            </a:fld>
+            <a:endParaRPr lang="en-US" altLang="en-US"/>
+          </a:p>
+        </p:txBody>
+      </p:sp>
+    </p:spTree>
+    <p:extLst>
+      <p:ext uri="{BB962C8B-B14F-4D97-AF65-F5344CB8AC3E}">
+        <p14:creationId xmlns:p14="http://schemas.microsoft.com/office/powerpoint/2010/main" val="1270273900"/>
+      </p:ext>
+    </p:extLst>
+  </p:cSld>
+  <p:clrMapOvr>
+    <a:masterClrMapping/>
+  </p:clrMapOvr>
+</p:notes>
+</file>
+
+<file path=ppt/notesSlides/notesSlide2.xml><?xml version="1.0" encoding="utf-8"?>
+<p:notes xmlns:a="http://schemas.openxmlformats.org/drawingml/2006/main" xmlns:r="http://schemas.openxmlformats.org/officeDocument/2006/relationships" xmlns:p="http://schemas.openxmlformats.org/presentationml/2006/main">
+  <p:cSld>
+    <p:spTree>
+      <p:nvGrpSpPr>
+        <p:cNvPr id="1" name=""/>
+        <p:cNvGrpSpPr/>
+        <p:nvPr/>
+      </p:nvGrpSpPr>
+      <p:grpSpPr>
+        <a:xfrm>
+          <a:off x="0" y="0"/>
+          <a:ext cx="0" cy="0"/>
+          <a:chOff x="0" y="0"/>
+          <a:chExt cx="0" cy="0"/>
+        </a:xfrm>
+      </p:grpSpPr>
+      <p:sp>
+        <p:nvSpPr>
+          <p:cNvPr id="2" name="Slide Image Placeholder 1"/>
+          <p:cNvSpPr>
+            <a:spLocks noGrp="1" noRot="1" noChangeAspect="1"/>
+          </p:cNvSpPr>
+          <p:nvPr>
+            <p:ph type="sldImg"/>
+          </p:nvPr>
+        </p:nvSpPr>
+        <p:spPr/>
+      </p:sp>
+      <p:sp>
+        <p:nvSpPr>
+          <p:cNvPr id="3" name="Notes Placeholder 2"/>
+          <p:cNvSpPr>
+            <a:spLocks noGrp="1"/>
+          </p:cNvSpPr>
+          <p:nvPr>
+            <p:ph type="body" idx="1"/>
+          </p:nvPr>
+        </p:nvSpPr>
+        <p:spPr/>
+        <p:txBody>
+          <a:bodyPr/>
+          <a:lstStyle/>
+          <a:p>
+            <a:r>
+              <a:rPr lang="en-US" dirty="0" smtClean="0"/>
+              <a:t>Recommendation: For those addressability values</a:t>
+            </a:r>
+            <a:r>
+              <a:rPr lang="en-US" baseline="0" dirty="0" smtClean="0"/>
+              <a:t> that require adjustment of the matrix, request CASE provide list of </a:t>
+            </a:r>
+            <a:r>
+              <a:rPr lang="en-US" baseline="0" dirty="0" err="1" smtClean="0"/>
+              <a:t>psc’s</a:t>
+            </a:r>
+            <a:r>
+              <a:rPr lang="en-US" baseline="0" dirty="0" smtClean="0"/>
+              <a:t> </a:t>
+            </a:r>
+            <a:r>
+              <a:rPr lang="en-US" baseline="0" dirty="0" err="1" smtClean="0"/>
+              <a:t>naics</a:t>
+            </a:r>
+            <a:r>
+              <a:rPr lang="en-US" baseline="0" dirty="0" smtClean="0"/>
+              <a:t> that should be added</a:t>
+            </a:r>
+          </a:p>
+          <a:p>
+            <a:r>
+              <a:rPr lang="en-US" baseline="0" dirty="0" smtClean="0"/>
+              <a:t>As a baseline we intend to use: </a:t>
+            </a:r>
+            <a:r>
+              <a:rPr lang="en-US" sz="1200" b="0" i="0" u="sng" kern="1200" dirty="0" smtClean="0">
+                <a:solidFill>
+                  <a:schemeClr val="tx1"/>
+                </a:solidFill>
+                <a:effectLst/>
+                <a:latin typeface="+mn-lt"/>
+                <a:ea typeface="+mn-ea"/>
+                <a:cs typeface="+mn-cs"/>
+              </a:rPr>
+              <a:t>https://</a:t>
+            </a:r>
+            <a:r>
+              <a:rPr lang="en-US" sz="1200" b="0" i="0" u="sng" kern="1200" dirty="0" err="1" smtClean="0">
+                <a:solidFill>
+                  <a:schemeClr val="tx1"/>
+                </a:solidFill>
+                <a:effectLst/>
+                <a:latin typeface="+mn-lt"/>
+                <a:ea typeface="+mn-ea"/>
+                <a:cs typeface="+mn-cs"/>
+              </a:rPr>
+              <a:t>hallways.cap.gsa.gov</a:t>
+            </a:r>
+            <a:r>
+              <a:rPr lang="en-US" sz="1200" b="0" i="0" u="sng" kern="1200" dirty="0" smtClean="0">
+                <a:solidFill>
+                  <a:schemeClr val="tx1"/>
+                </a:solidFill>
+                <a:effectLst/>
+                <a:latin typeface="+mn-lt"/>
+                <a:ea typeface="+mn-ea"/>
+                <a:cs typeface="+mn-cs"/>
+              </a:rPr>
+              <a:t>/app/#/</a:t>
+            </a:r>
+            <a:r>
+              <a:rPr lang="en-US" sz="1200" b="0" i="0" u="sng" kern="1200" dirty="0" err="1" smtClean="0">
+                <a:solidFill>
+                  <a:schemeClr val="tx1"/>
+                </a:solidFill>
+                <a:effectLst/>
+                <a:latin typeface="+mn-lt"/>
+                <a:ea typeface="+mn-ea"/>
+                <a:cs typeface="+mn-cs"/>
+              </a:rPr>
+              <a:t>solutionsfinder</a:t>
+            </a:r>
+            <a:r>
+              <a:rPr lang="en-US" sz="1200" b="0" i="0" u="sng" kern="1200" dirty="0" smtClean="0">
+                <a:solidFill>
+                  <a:schemeClr val="tx1"/>
+                </a:solidFill>
+                <a:effectLst/>
+                <a:latin typeface="+mn-lt"/>
+                <a:ea typeface="+mn-ea"/>
+                <a:cs typeface="+mn-cs"/>
+              </a:rPr>
+              <a:t>/21</a:t>
+            </a:r>
+            <a:endParaRPr lang="en-US" dirty="0" smtClean="0"/>
+          </a:p>
+          <a:p>
+            <a:endParaRPr lang="en-US" dirty="0"/>
+          </a:p>
+        </p:txBody>
+      </p:sp>
+      <p:sp>
+        <p:nvSpPr>
+          <p:cNvPr id="4" name="Slide Number Placeholder 3"/>
+          <p:cNvSpPr>
+            <a:spLocks noGrp="1"/>
+          </p:cNvSpPr>
+          <p:nvPr>
+            <p:ph type="sldNum" sz="quarter" idx="10"/>
+          </p:nvPr>
+        </p:nvSpPr>
+        <p:spPr/>
+        <p:txBody>
+          <a:bodyPr/>
+          <a:lstStyle/>
+          <a:p>
+            <a:fld id="{31AB6265-7EB1-5142-B31F-9E16A79506F2}" type="slidenum">
+              <a:rPr lang="en-US" altLang="en-US" smtClean="0"/>
+              <a:pPr/>
+              <a:t>8</a:t>
+            </a:fld>
+            <a:endParaRPr lang="en-US" altLang="en-US"/>
+          </a:p>
+        </p:txBody>
+      </p:sp>
+    </p:spTree>
+    <p:extLst>
+      <p:ext uri="{BB962C8B-B14F-4D97-AF65-F5344CB8AC3E}">
+        <p14:creationId xmlns:p14="http://schemas.microsoft.com/office/powerpoint/2010/main" val="170131824"/>
+      </p:ext>
+    </p:extLst>
+  </p:cSld>
+  <p:clrMapOvr>
+    <a:masterClrMapping/>
+  </p:clrMapOvr>
+</p:notes>
+</file>
+
+<file path=ppt/notesSlides/notesSlide3.xml><?xml version="1.0" encoding="utf-8"?>
+<p:notes xmlns:a="http://schemas.openxmlformats.org/drawingml/2006/main" xmlns:r="http://schemas.openxmlformats.org/officeDocument/2006/relationships" xmlns:p="http://schemas.openxmlformats.org/presentationml/2006/main">
+  <p:cSld>
+    <p:spTree>
+      <p:nvGrpSpPr>
+        <p:cNvPr id="1" name=""/>
+        <p:cNvGrpSpPr/>
+        <p:nvPr/>
+      </p:nvGrpSpPr>
+      <p:grpSpPr>
+        <a:xfrm>
+          <a:off x="0" y="0"/>
+          <a:ext cx="0" cy="0"/>
+          <a:chOff x="0" y="0"/>
+          <a:chExt cx="0" cy="0"/>
+        </a:xfrm>
+      </p:grpSpPr>
+      <p:sp>
+        <p:nvSpPr>
+          <p:cNvPr id="2" name="Slide Image Placeholder 1"/>
+          <p:cNvSpPr>
+            <a:spLocks noGrp="1" noRot="1" noChangeAspect="1"/>
+          </p:cNvSpPr>
+          <p:nvPr>
+            <p:ph type="sldImg"/>
+          </p:nvPr>
+        </p:nvSpPr>
+        <p:spPr/>
+      </p:sp>
+      <p:sp>
+        <p:nvSpPr>
+          <p:cNvPr id="3" name="Notes Placeholder 2"/>
+          <p:cNvSpPr>
+            <a:spLocks noGrp="1"/>
+          </p:cNvSpPr>
+          <p:nvPr>
+            <p:ph type="body" idx="1"/>
+          </p:nvPr>
+        </p:nvSpPr>
+        <p:spPr/>
+        <p:txBody>
+          <a:bodyPr/>
+          <a:lstStyle/>
+          <a:p>
+            <a:r>
+              <a:rPr lang="en-US" sz="1200" b="0" i="0" kern="1200" dirty="0" smtClean="0">
+                <a:solidFill>
+                  <a:schemeClr val="tx1"/>
+                </a:solidFill>
+                <a:effectLst/>
+                <a:latin typeface="+mn-lt"/>
+                <a:ea typeface="+mn-ea"/>
+                <a:cs typeface="+mn-cs"/>
+              </a:rPr>
+              <a:t>If we want to incorporate factors into definition of a market, it makes little sense to address contract frequency by a different definition of market</a:t>
+            </a:r>
+            <a:br>
+              <a:rPr lang="en-US" sz="1200" b="0" i="0" kern="1200" dirty="0" smtClean="0">
+                <a:solidFill>
+                  <a:schemeClr val="tx1"/>
+                </a:solidFill>
+                <a:effectLst/>
+                <a:latin typeface="+mn-lt"/>
+                <a:ea typeface="+mn-ea"/>
+                <a:cs typeface="+mn-cs"/>
+              </a:rPr>
+            </a:br>
+            <a:endParaRPr lang="en-US" sz="1200" b="0" i="0" kern="1200" dirty="0" smtClean="0">
+              <a:solidFill>
+                <a:schemeClr val="tx1"/>
+              </a:solidFill>
+              <a:effectLst/>
+              <a:latin typeface="+mn-lt"/>
+              <a:ea typeface="+mn-ea"/>
+              <a:cs typeface="+mn-cs"/>
+            </a:endParaRPr>
+          </a:p>
+          <a:p>
+            <a:pPr lvl="1"/>
+            <a:r>
+              <a:rPr lang="en-US" sz="1200" b="0" i="0" kern="1200" dirty="0" smtClean="0">
+                <a:solidFill>
+                  <a:schemeClr val="tx1"/>
+                </a:solidFill>
+                <a:effectLst/>
+                <a:latin typeface="+mn-lt"/>
+                <a:ea typeface="+mn-ea"/>
+                <a:cs typeface="+mn-cs"/>
+              </a:rPr>
+              <a:t>Consistency in definition is important</a:t>
+            </a:r>
+          </a:p>
+          <a:p>
+            <a:r>
+              <a:rPr lang="en-US" sz="1200" b="0" i="0" kern="1200" dirty="0" smtClean="0">
+                <a:solidFill>
+                  <a:schemeClr val="tx1"/>
+                </a:solidFill>
+                <a:effectLst/>
+                <a:latin typeface="+mn-lt"/>
+                <a:ea typeface="+mn-ea"/>
+                <a:cs typeface="+mn-cs"/>
+              </a:rPr>
+              <a:t>Including factors increases number of unique combinations and transactions are distributed across larger number of </a:t>
+            </a:r>
+            <a:r>
+              <a:rPr lang="en-US" sz="1200" b="0" i="0" kern="1200" dirty="0" err="1" smtClean="0">
+                <a:solidFill>
+                  <a:schemeClr val="tx1"/>
+                </a:solidFill>
+                <a:effectLst/>
+                <a:latin typeface="+mn-lt"/>
+                <a:ea typeface="+mn-ea"/>
+                <a:cs typeface="+mn-cs"/>
+              </a:rPr>
+              <a:t>add_keys</a:t>
+            </a:r>
+            <a:r>
+              <a:rPr lang="en-US" sz="1200" b="0" i="0" kern="1200" dirty="0" smtClean="0">
+                <a:solidFill>
+                  <a:schemeClr val="tx1"/>
+                </a:solidFill>
+                <a:effectLst/>
+                <a:latin typeface="+mn-lt"/>
+                <a:ea typeface="+mn-ea"/>
+                <a:cs typeface="+mn-cs"/>
+              </a:rPr>
+              <a:t/>
+            </a:r>
+            <a:br>
+              <a:rPr lang="en-US" sz="1200" b="0" i="0" kern="1200" dirty="0" smtClean="0">
+                <a:solidFill>
+                  <a:schemeClr val="tx1"/>
+                </a:solidFill>
+                <a:effectLst/>
+                <a:latin typeface="+mn-lt"/>
+                <a:ea typeface="+mn-ea"/>
+                <a:cs typeface="+mn-cs"/>
+              </a:rPr>
+            </a:br>
+            <a:endParaRPr lang="en-US" sz="1200" b="0" i="0" kern="1200" dirty="0" smtClean="0">
+              <a:solidFill>
+                <a:schemeClr val="tx1"/>
+              </a:solidFill>
+              <a:effectLst/>
+              <a:latin typeface="+mn-lt"/>
+              <a:ea typeface="+mn-ea"/>
+              <a:cs typeface="+mn-cs"/>
+            </a:endParaRPr>
+          </a:p>
+          <a:p>
+            <a:pPr lvl="1"/>
+            <a:r>
+              <a:rPr lang="en-US" sz="1200" b="0" i="0" kern="1200" dirty="0" smtClean="0">
+                <a:solidFill>
+                  <a:schemeClr val="tx1"/>
+                </a:solidFill>
+                <a:effectLst/>
+                <a:latin typeface="+mn-lt"/>
+                <a:ea typeface="+mn-ea"/>
+                <a:cs typeface="+mn-cs"/>
+              </a:rPr>
+              <a:t>Allows for more precise elimination of 5% quantile.</a:t>
+            </a:r>
+          </a:p>
+          <a:p>
+            <a:pPr lvl="1"/>
+            <a:r>
+              <a:rPr lang="en-US" sz="1200" b="0" i="0" kern="1200" dirty="0" smtClean="0">
+                <a:solidFill>
+                  <a:schemeClr val="tx1"/>
+                </a:solidFill>
+                <a:effectLst/>
+                <a:latin typeface="+mn-lt"/>
+                <a:ea typeface="+mn-ea"/>
+                <a:cs typeface="+mn-cs"/>
+              </a:rPr>
+              <a:t>Allows us to determine which combination of factors and </a:t>
+            </a:r>
+            <a:r>
+              <a:rPr lang="en-US" sz="1200" b="0" i="0" kern="1200" dirty="0" err="1" smtClean="0">
+                <a:solidFill>
+                  <a:schemeClr val="tx1"/>
+                </a:solidFill>
+                <a:effectLst/>
+                <a:latin typeface="+mn-lt"/>
+                <a:ea typeface="+mn-ea"/>
+                <a:cs typeface="+mn-cs"/>
+              </a:rPr>
+              <a:t>psc_naics</a:t>
+            </a:r>
+            <a:r>
+              <a:rPr lang="en-US" sz="1200" b="0" i="0" kern="1200" dirty="0" smtClean="0">
+                <a:solidFill>
+                  <a:schemeClr val="tx1"/>
+                </a:solidFill>
+                <a:effectLst/>
+                <a:latin typeface="+mn-lt"/>
+                <a:ea typeface="+mn-ea"/>
+                <a:cs typeface="+mn-cs"/>
+              </a:rPr>
+              <a:t> are not being appropriately covered by contract </a:t>
+            </a:r>
+            <a:r>
+              <a:rPr lang="en-US" sz="1200" b="0" i="0" kern="1200" dirty="0" err="1" smtClean="0">
+                <a:solidFill>
+                  <a:schemeClr val="tx1"/>
+                </a:solidFill>
+                <a:effectLst/>
+                <a:latin typeface="+mn-lt"/>
+                <a:ea typeface="+mn-ea"/>
+                <a:cs typeface="+mn-cs"/>
+              </a:rPr>
+              <a:t>soln</a:t>
+            </a:r>
+            <a:r>
+              <a:rPr lang="en-US" sz="1200" b="0" i="0" kern="1200" dirty="0" smtClean="0">
+                <a:solidFill>
+                  <a:schemeClr val="tx1"/>
+                </a:solidFill>
+                <a:effectLst/>
+                <a:latin typeface="+mn-lt"/>
+                <a:ea typeface="+mn-ea"/>
+                <a:cs typeface="+mn-cs"/>
+              </a:rPr>
+              <a:t> currently.</a:t>
+            </a:r>
+          </a:p>
+          <a:p>
+            <a:r>
+              <a:rPr lang="en-US" sz="1200" b="0" i="0" kern="1200" dirty="0" smtClean="0">
+                <a:solidFill>
+                  <a:schemeClr val="tx1"/>
+                </a:solidFill>
+                <a:effectLst/>
+                <a:latin typeface="+mn-lt"/>
+                <a:ea typeface="+mn-ea"/>
+                <a:cs typeface="+mn-cs"/>
+              </a:rPr>
+              <a:t>Rather than eliminating entire </a:t>
+            </a:r>
+            <a:r>
+              <a:rPr lang="en-US" sz="1200" b="0" i="0" kern="1200" dirty="0" err="1" smtClean="0">
+                <a:solidFill>
+                  <a:schemeClr val="tx1"/>
+                </a:solidFill>
+                <a:effectLst/>
+                <a:latin typeface="+mn-lt"/>
+                <a:ea typeface="+mn-ea"/>
+                <a:cs typeface="+mn-cs"/>
+              </a:rPr>
+              <a:t>psc_naics</a:t>
+            </a:r>
+            <a:r>
+              <a:rPr lang="en-US" sz="1200" b="0" i="0" kern="1200" dirty="0" smtClean="0">
+                <a:solidFill>
+                  <a:schemeClr val="tx1"/>
+                </a:solidFill>
+                <a:effectLst/>
+                <a:latin typeface="+mn-lt"/>
+                <a:ea typeface="+mn-ea"/>
+                <a:cs typeface="+mn-cs"/>
+              </a:rPr>
+              <a:t> grouping, only eliminate portions based on contract </a:t>
+            </a:r>
+            <a:r>
+              <a:rPr lang="en-US" sz="1200" b="0" i="0" kern="1200" dirty="0" err="1" smtClean="0">
+                <a:solidFill>
+                  <a:schemeClr val="tx1"/>
+                </a:solidFill>
+                <a:effectLst/>
+                <a:latin typeface="+mn-lt"/>
+                <a:ea typeface="+mn-ea"/>
+                <a:cs typeface="+mn-cs"/>
+              </a:rPr>
+              <a:t>soln</a:t>
+            </a:r>
+            <a:r>
+              <a:rPr lang="en-US" sz="1200" b="0" i="0" kern="1200" dirty="0" smtClean="0">
+                <a:solidFill>
+                  <a:schemeClr val="tx1"/>
+                </a:solidFill>
+                <a:effectLst/>
+                <a:latin typeface="+mn-lt"/>
+                <a:ea typeface="+mn-ea"/>
+                <a:cs typeface="+mn-cs"/>
+              </a:rPr>
+              <a:t> coverage of factors within grouping.</a:t>
+            </a:r>
+          </a:p>
+          <a:p>
+            <a:endParaRPr lang="en-US" dirty="0"/>
+          </a:p>
+        </p:txBody>
+      </p:sp>
+      <p:sp>
+        <p:nvSpPr>
+          <p:cNvPr id="4" name="Slide Number Placeholder 3"/>
+          <p:cNvSpPr>
+            <a:spLocks noGrp="1"/>
+          </p:cNvSpPr>
+          <p:nvPr>
+            <p:ph type="sldNum" sz="quarter" idx="10"/>
+          </p:nvPr>
+        </p:nvSpPr>
+        <p:spPr/>
+        <p:txBody>
+          <a:bodyPr/>
+          <a:lstStyle/>
+          <a:p>
+            <a:fld id="{31AB6265-7EB1-5142-B31F-9E16A79506F2}" type="slidenum">
+              <a:rPr lang="en-US" altLang="en-US" smtClean="0"/>
+              <a:pPr/>
+              <a:t>9</a:t>
+            </a:fld>
+            <a:endParaRPr lang="en-US" altLang="en-US"/>
+          </a:p>
+        </p:txBody>
+      </p:sp>
+    </p:spTree>
+    <p:extLst>
+      <p:ext uri="{BB962C8B-B14F-4D97-AF65-F5344CB8AC3E}">
+        <p14:creationId xmlns:p14="http://schemas.microsoft.com/office/powerpoint/2010/main" val="370408520"/>
+      </p:ext>
+    </p:extLst>
+  </p:cSld>
+  <p:clrMapOvr>
+    <a:masterClrMapping/>
+  </p:clrMapOvr>
+</p:notes>
+</file>
+
+<file path=ppt/notesSlides/notesSlide4.xml><?xml version="1.0" encoding="utf-8"?>
+<p:notes xmlns:a="http://schemas.openxmlformats.org/drawingml/2006/main" xmlns:r="http://schemas.openxmlformats.org/officeDocument/2006/relationships" xmlns:p="http://schemas.openxmlformats.org/presentationml/2006/main">
+  <p:cSld>
+    <p:spTree>
+      <p:nvGrpSpPr>
+        <p:cNvPr id="1" name=""/>
+        <p:cNvGrpSpPr/>
+        <p:nvPr/>
+      </p:nvGrpSpPr>
+      <p:grpSpPr>
+        <a:xfrm>
+          <a:off x="0" y="0"/>
+          <a:ext cx="0" cy="0"/>
+          <a:chOff x="0" y="0"/>
+          <a:chExt cx="0" cy="0"/>
+        </a:xfrm>
+      </p:grpSpPr>
+      <p:sp>
+        <p:nvSpPr>
+          <p:cNvPr id="2" name="Slide Image Placeholder 1"/>
+          <p:cNvSpPr>
+            <a:spLocks noGrp="1" noRot="1" noChangeAspect="1"/>
+          </p:cNvSpPr>
+          <p:nvPr>
+            <p:ph type="sldImg"/>
+          </p:nvPr>
+        </p:nvSpPr>
+        <p:spPr/>
+      </p:sp>
+      <p:sp>
+        <p:nvSpPr>
+          <p:cNvPr id="3" name="Notes Placeholder 2"/>
+          <p:cNvSpPr>
+            <a:spLocks noGrp="1"/>
+          </p:cNvSpPr>
+          <p:nvPr>
+            <p:ph type="body" idx="1"/>
+          </p:nvPr>
+        </p:nvSpPr>
+        <p:spPr/>
+        <p:txBody>
+          <a:bodyPr/>
+          <a:lstStyle/>
+          <a:p>
+            <a:r>
+              <a:rPr lang="en-US" dirty="0" smtClean="0"/>
+              <a:t>GS + 5</a:t>
+            </a:r>
+            <a:r>
+              <a:rPr lang="en-US" baseline="30000" dirty="0" smtClean="0"/>
+              <a:t>th</a:t>
+            </a:r>
+            <a:r>
+              <a:rPr lang="en-US" dirty="0" smtClean="0"/>
+              <a:t> char is an</a:t>
+            </a:r>
+            <a:r>
+              <a:rPr lang="en-US" baseline="0" dirty="0" smtClean="0"/>
+              <a:t> F or P</a:t>
+            </a:r>
+          </a:p>
+          <a:p>
+            <a:endParaRPr lang="en-US" baseline="0" dirty="0" smtClean="0"/>
+          </a:p>
+          <a:p>
+            <a:endParaRPr lang="en-US" baseline="0" dirty="0" smtClean="0"/>
+          </a:p>
+          <a:p>
+            <a:endParaRPr lang="en-US" dirty="0"/>
+          </a:p>
+        </p:txBody>
+      </p:sp>
+      <p:sp>
+        <p:nvSpPr>
+          <p:cNvPr id="4" name="Slide Number Placeholder 3"/>
+          <p:cNvSpPr>
+            <a:spLocks noGrp="1"/>
+          </p:cNvSpPr>
+          <p:nvPr>
+            <p:ph type="sldNum" sz="quarter" idx="10"/>
+          </p:nvPr>
+        </p:nvSpPr>
+        <p:spPr/>
+        <p:txBody>
+          <a:bodyPr/>
+          <a:lstStyle/>
+          <a:p>
+            <a:fld id="{31AB6265-7EB1-5142-B31F-9E16A79506F2}" type="slidenum">
+              <a:rPr lang="en-US" altLang="en-US" smtClean="0"/>
+              <a:pPr/>
+              <a:t>13</a:t>
+            </a:fld>
+            <a:endParaRPr lang="en-US" altLang="en-US"/>
+          </a:p>
+        </p:txBody>
+      </p:sp>
+    </p:spTree>
+    <p:extLst>
+      <p:ext uri="{BB962C8B-B14F-4D97-AF65-F5344CB8AC3E}">
+        <p14:creationId xmlns:p14="http://schemas.microsoft.com/office/powerpoint/2010/main" val="521385822"/>
+      </p:ext>
+    </p:extLst>
+  </p:cSld>
+  <p:clrMapOvr>
+    <a:masterClrMapping/>
+  </p:clrMapOvr>
+</p:notes>
+</file>
+
+<file path=ppt/notesSlides/notesSlide5.xml><?xml version="1.0" encoding="utf-8"?>
+<p:notes xmlns:a="http://schemas.openxmlformats.org/drawingml/2006/main" xmlns:r="http://schemas.openxmlformats.org/officeDocument/2006/relationships" xmlns:p="http://schemas.openxmlformats.org/presentationml/2006/main">
+  <p:cSld>
+    <p:spTree>
+      <p:nvGrpSpPr>
+        <p:cNvPr id="1" name=""/>
+        <p:cNvGrpSpPr/>
+        <p:nvPr/>
+      </p:nvGrpSpPr>
+      <p:grpSpPr>
+        <a:xfrm>
+          <a:off x="0" y="0"/>
+          <a:ext cx="0" cy="0"/>
+          <a:chOff x="0" y="0"/>
+          <a:chExt cx="0" cy="0"/>
+        </a:xfrm>
+      </p:grpSpPr>
+      <p:sp>
+        <p:nvSpPr>
+          <p:cNvPr id="2" name="Slide Image Placeholder 1"/>
+          <p:cNvSpPr>
+            <a:spLocks noGrp="1" noRot="1" noChangeAspect="1"/>
+          </p:cNvSpPr>
+          <p:nvPr>
+            <p:ph type="sldImg"/>
+          </p:nvPr>
+        </p:nvSpPr>
+        <p:spPr/>
+      </p:sp>
+      <p:sp>
+        <p:nvSpPr>
+          <p:cNvPr id="3" name="Notes Placeholder 2"/>
+          <p:cNvSpPr>
+            <a:spLocks noGrp="1"/>
+          </p:cNvSpPr>
+          <p:nvPr>
+            <p:ph type="body" idx="1"/>
+          </p:nvPr>
+        </p:nvSpPr>
+        <p:spPr/>
+        <p:txBody>
+          <a:bodyPr/>
+          <a:lstStyle/>
+          <a:p>
+            <a:pPr marL="0" marR="0" indent="0" algn="l" defTabSz="914400" rtl="0" eaLnBrk="0" fontAlgn="base" latinLnBrk="0" hangingPunct="0">
+              <a:lnSpc>
+                <a:spcPct val="100000"/>
+              </a:lnSpc>
+              <a:spcBef>
+                <a:spcPct val="30000"/>
+              </a:spcBef>
+              <a:spcAft>
+                <a:spcPct val="0"/>
+              </a:spcAft>
+              <a:buClrTx/>
+              <a:buSzTx/>
+              <a:buFontTx/>
+              <a:buNone/>
+              <a:tabLst/>
+              <a:defRPr/>
+            </a:pPr>
+            <a:r>
+              <a:rPr lang="en-US" dirty="0" smtClean="0"/>
+              <a:t>Avoids the pitfalls of erroneous values that come from summing individual solution addressability</a:t>
+            </a:r>
+          </a:p>
+          <a:p>
+            <a:endParaRPr lang="en-US" dirty="0"/>
+          </a:p>
+        </p:txBody>
+      </p:sp>
+      <p:sp>
+        <p:nvSpPr>
+          <p:cNvPr id="4" name="Slide Number Placeholder 3"/>
+          <p:cNvSpPr>
+            <a:spLocks noGrp="1"/>
+          </p:cNvSpPr>
+          <p:nvPr>
+            <p:ph type="sldNum" sz="quarter" idx="10"/>
+          </p:nvPr>
+        </p:nvSpPr>
+        <p:spPr/>
+        <p:txBody>
+          <a:bodyPr/>
+          <a:lstStyle/>
+          <a:p>
+            <a:fld id="{31AB6265-7EB1-5142-B31F-9E16A79506F2}" type="slidenum">
+              <a:rPr lang="en-US" altLang="en-US" smtClean="0"/>
+              <a:pPr/>
+              <a:t>14</a:t>
+            </a:fld>
+            <a:endParaRPr lang="en-US" altLang="en-US"/>
+          </a:p>
+        </p:txBody>
+      </p:sp>
+    </p:spTree>
+    <p:extLst>
+      <p:ext uri="{BB962C8B-B14F-4D97-AF65-F5344CB8AC3E}">
+        <p14:creationId xmlns:p14="http://schemas.microsoft.com/office/powerpoint/2010/main" val="741084944"/>
+      </p:ext>
+    </p:extLst>
+  </p:cSld>
+  <p:clrMapOvr>
+    <a:masterClrMapping/>
+  </p:clrMapOvr>
+</p:notes>
+</file>
+
+<file path=ppt/notesSlides/notesSlide6.xml><?xml version="1.0" encoding="utf-8"?>
+<p:notes xmlns:a="http://schemas.openxmlformats.org/drawingml/2006/main" xmlns:r="http://schemas.openxmlformats.org/officeDocument/2006/relationships" xmlns:p="http://schemas.openxmlformats.org/presentationml/2006/main">
+  <p:cSld>
+    <p:spTree>
+      <p:nvGrpSpPr>
+        <p:cNvPr id="1" name=""/>
+        <p:cNvGrpSpPr/>
+        <p:nvPr/>
+      </p:nvGrpSpPr>
+      <p:grpSpPr>
+        <a:xfrm>
+          <a:off x="0" y="0"/>
+          <a:ext cx="0" cy="0"/>
+          <a:chOff x="0" y="0"/>
+          <a:chExt cx="0" cy="0"/>
+        </a:xfrm>
+      </p:grpSpPr>
+      <p:sp>
+        <p:nvSpPr>
+          <p:cNvPr id="2" name="Slide Image Placeholder 1"/>
+          <p:cNvSpPr>
+            <a:spLocks noGrp="1" noRot="1" noChangeAspect="1"/>
+          </p:cNvSpPr>
+          <p:nvPr>
+            <p:ph type="sldImg"/>
+          </p:nvPr>
+        </p:nvSpPr>
+        <p:spPr/>
+      </p:sp>
+      <p:sp>
+        <p:nvSpPr>
+          <p:cNvPr id="3" name="Notes Placeholder 2"/>
+          <p:cNvSpPr>
+            <a:spLocks noGrp="1"/>
+          </p:cNvSpPr>
+          <p:nvPr>
+            <p:ph type="body" idx="1"/>
+          </p:nvPr>
+        </p:nvSpPr>
+        <p:spPr/>
+        <p:txBody>
+          <a:bodyPr/>
+          <a:lstStyle/>
+          <a:p>
+            <a:endParaRPr lang="en-US" dirty="0"/>
+          </a:p>
+        </p:txBody>
+      </p:sp>
+      <p:sp>
+        <p:nvSpPr>
+          <p:cNvPr id="4" name="Slide Number Placeholder 3"/>
+          <p:cNvSpPr>
+            <a:spLocks noGrp="1"/>
+          </p:cNvSpPr>
+          <p:nvPr>
+            <p:ph type="sldNum" sz="quarter" idx="10"/>
+          </p:nvPr>
+        </p:nvSpPr>
+        <p:spPr/>
+        <p:txBody>
+          <a:bodyPr/>
+          <a:lstStyle/>
+          <a:p>
+            <a:fld id="{31AB6265-7EB1-5142-B31F-9E16A79506F2}" type="slidenum">
+              <a:rPr lang="en-US" altLang="en-US" smtClean="0"/>
+              <a:pPr/>
+              <a:t>15</a:t>
+            </a:fld>
+            <a:endParaRPr lang="en-US" altLang="en-US"/>
+          </a:p>
+        </p:txBody>
+      </p:sp>
+    </p:spTree>
+    <p:extLst>
+      <p:ext uri="{BB962C8B-B14F-4D97-AF65-F5344CB8AC3E}">
+        <p14:creationId xmlns:p14="http://schemas.microsoft.com/office/powerpoint/2010/main" val="2058785542"/>
+      </p:ext>
+    </p:extLst>
+  </p:cSld>
+  <p:clrMapOvr>
+    <a:masterClrMapping/>
+  </p:clrMapOvr>
+</p:notes>
+</file>
+
+<file path=ppt/notesSlides/notesSlide7.xml><?xml version="1.0" encoding="utf-8"?>
+<p:notes xmlns:a="http://schemas.openxmlformats.org/drawingml/2006/main" xmlns:r="http://schemas.openxmlformats.org/officeDocument/2006/relationships" xmlns:p="http://schemas.openxmlformats.org/presentationml/2006/main">
+  <p:cSld>
+    <p:spTree>
+      <p:nvGrpSpPr>
+        <p:cNvPr id="1" name=""/>
+        <p:cNvGrpSpPr/>
+        <p:nvPr/>
+      </p:nvGrpSpPr>
+      <p:grpSpPr>
+        <a:xfrm>
+          <a:off x="0" y="0"/>
+          <a:ext cx="0" cy="0"/>
+          <a:chOff x="0" y="0"/>
+          <a:chExt cx="0" cy="0"/>
+        </a:xfrm>
+      </p:grpSpPr>
+      <p:sp>
+        <p:nvSpPr>
+          <p:cNvPr id="2" name="Slide Image Placeholder 1"/>
+          <p:cNvSpPr>
+            <a:spLocks noGrp="1" noRot="1" noChangeAspect="1"/>
+          </p:cNvSpPr>
+          <p:nvPr>
+            <p:ph type="sldImg"/>
+          </p:nvPr>
+        </p:nvSpPr>
+        <p:spPr/>
+      </p:sp>
+      <p:sp>
+        <p:nvSpPr>
+          <p:cNvPr id="3" name="Notes Placeholder 2"/>
+          <p:cNvSpPr>
+            <a:spLocks noGrp="1"/>
+          </p:cNvSpPr>
+          <p:nvPr>
+            <p:ph type="body" idx="1"/>
+          </p:nvPr>
+        </p:nvSpPr>
+        <p:spPr/>
+        <p:txBody>
+          <a:bodyPr/>
+          <a:lstStyle/>
+          <a:p>
+            <a:endParaRPr lang="en-US" dirty="0"/>
+          </a:p>
+        </p:txBody>
+      </p:sp>
+      <p:sp>
+        <p:nvSpPr>
+          <p:cNvPr id="4" name="Slide Number Placeholder 3"/>
+          <p:cNvSpPr>
+            <a:spLocks noGrp="1"/>
+          </p:cNvSpPr>
+          <p:nvPr>
+            <p:ph type="sldNum" sz="quarter" idx="10"/>
+          </p:nvPr>
+        </p:nvSpPr>
+        <p:spPr/>
+        <p:txBody>
+          <a:bodyPr/>
+          <a:lstStyle/>
+          <a:p>
+            <a:fld id="{31AB6265-7EB1-5142-B31F-9E16A79506F2}" type="slidenum">
+              <a:rPr lang="en-US" altLang="en-US" smtClean="0"/>
+              <a:pPr/>
+              <a:t>17</a:t>
+            </a:fld>
+            <a:endParaRPr lang="en-US" altLang="en-US"/>
+          </a:p>
+        </p:txBody>
+      </p:sp>
+    </p:spTree>
+    <p:extLst>
+      <p:ext uri="{BB962C8B-B14F-4D97-AF65-F5344CB8AC3E}">
+        <p14:creationId xmlns:p14="http://schemas.microsoft.com/office/powerpoint/2010/main" val="1376308655"/>
+      </p:ext>
+    </p:extLst>
+  </p:cSld>
+  <p:clrMapOvr>
+    <a:masterClrMapping/>
+  </p:clrMapOvr>
+</p:notes>
+</file>
+
+<file path=ppt/notesSlides/notesSlide8.xml><?xml version="1.0" encoding="utf-8"?>
+<p:notes xmlns:a="http://schemas.openxmlformats.org/drawingml/2006/main" xmlns:r="http://schemas.openxmlformats.org/officeDocument/2006/relationships" xmlns:p="http://schemas.openxmlformats.org/presentationml/2006/main">
+  <p:cSld>
+    <p:spTree>
+      <p:nvGrpSpPr>
+        <p:cNvPr id="1" name=""/>
+        <p:cNvGrpSpPr/>
+        <p:nvPr/>
+      </p:nvGrpSpPr>
+      <p:grpSpPr>
+        <a:xfrm>
+          <a:off x="0" y="0"/>
+          <a:ext cx="0" cy="0"/>
+          <a:chOff x="0" y="0"/>
+          <a:chExt cx="0" cy="0"/>
+        </a:xfrm>
+      </p:grpSpPr>
+      <p:sp>
+        <p:nvSpPr>
+          <p:cNvPr id="2" name="Slide Image Placeholder 1"/>
+          <p:cNvSpPr>
+            <a:spLocks noGrp="1" noRot="1" noChangeAspect="1"/>
+          </p:cNvSpPr>
+          <p:nvPr>
+            <p:ph type="sldImg"/>
+          </p:nvPr>
+        </p:nvSpPr>
+        <p:spPr/>
+      </p:sp>
+      <p:sp>
+        <p:nvSpPr>
+          <p:cNvPr id="3" name="Notes Placeholder 2"/>
+          <p:cNvSpPr>
+            <a:spLocks noGrp="1"/>
+          </p:cNvSpPr>
+          <p:nvPr>
+            <p:ph type="body" idx="1"/>
+          </p:nvPr>
+        </p:nvSpPr>
+        <p:spPr/>
+        <p:txBody>
+          <a:bodyPr/>
+          <a:lstStyle/>
+          <a:p>
+            <a:endParaRPr lang="en-US" dirty="0"/>
+          </a:p>
+        </p:txBody>
+      </p:sp>
+      <p:sp>
+        <p:nvSpPr>
+          <p:cNvPr id="4" name="Slide Number Placeholder 3"/>
+          <p:cNvSpPr>
+            <a:spLocks noGrp="1"/>
+          </p:cNvSpPr>
+          <p:nvPr>
+            <p:ph type="sldNum" sz="quarter" idx="10"/>
+          </p:nvPr>
+        </p:nvSpPr>
+        <p:spPr/>
+        <p:txBody>
+          <a:bodyPr/>
+          <a:lstStyle/>
+          <a:p>
+            <a:fld id="{31AB6265-7EB1-5142-B31F-9E16A79506F2}" type="slidenum">
+              <a:rPr lang="en-US" altLang="en-US" smtClean="0"/>
+              <a:pPr/>
+              <a:t>18</a:t>
+            </a:fld>
+            <a:endParaRPr lang="en-US" altLang="en-US"/>
+          </a:p>
+        </p:txBody>
+      </p:sp>
+    </p:spTree>
+    <p:extLst>
+      <p:ext uri="{BB962C8B-B14F-4D97-AF65-F5344CB8AC3E}">
+        <p14:creationId xmlns:p14="http://schemas.microsoft.com/office/powerpoint/2010/main" val="1232823223"/>
+      </p:ext>
+    </p:extLst>
+  </p:cSld>
+  <p:clrMapOvr>
+    <a:masterClrMapping/>
+  </p:clrMapOvr>
+</p:notes>
 </file>
 
 <file path=ppt/slideLayouts/slideLayout1.xml><?xml version="1.0" encoding="utf-8"?>
@@ -3373,12 +4454,12 @@
       </p:grpSpPr>
       <p:sp>
         <p:nvSpPr>
-          <p:cNvPr id="10241" name="Title 1"/>
+          <p:cNvPr id="2" name="Title 1"/>
           <p:cNvSpPr>
             <a:spLocks noGrp="1"/>
           </p:cNvSpPr>
           <p:nvPr>
-            <p:ph type="title"/>
+            <p:ph type="ctrTitle"/>
           </p:nvPr>
         </p:nvSpPr>
         <p:spPr/>
@@ -3387,386 +4468,99 @@
           <a:lstStyle/>
           <a:p>
             <a:r>
-              <a:rPr lang="en-US" altLang="en-US">
-                <a:latin typeface="Arial" charset="0"/>
-                <a:cs typeface="Arial" charset="0"/>
-              </a:rPr>
-              <a:t>Agenda</a:t>
-            </a:r>
-          </a:p>
-        </p:txBody>
-      </p:sp>
-      <p:sp>
-        <p:nvSpPr>
-          <p:cNvPr id="18434" name="Content Placeholder 2"/>
+              <a:rPr lang="en-US" dirty="0" smtClean="0"/>
+              <a:t>Contract Addressability Methodology</a:t>
+            </a:r>
+            <a:endParaRPr lang="en-US" dirty="0"/>
+          </a:p>
+        </p:txBody>
+      </p:sp>
+      <p:sp>
+        <p:nvSpPr>
+          <p:cNvPr id="3" name="Subtitle 2"/>
           <p:cNvSpPr>
             <a:spLocks noGrp="1"/>
           </p:cNvSpPr>
           <p:nvPr>
-            <p:ph idx="1"/>
+            <p:ph type="subTitle" idx="1"/>
           </p:nvPr>
         </p:nvSpPr>
-        <p:spPr/>
-        <p:txBody>
-          <a:bodyPr>
-            <a:normAutofit fontScale="92500" lnSpcReduction="20000"/>
+        <p:spPr>
+          <a:xfrm>
+            <a:off x="7450220" y="4263447"/>
+            <a:ext cx="3700463" cy="1065241"/>
+          </a:xfrm>
+        </p:spPr>
+        <p:txBody>
+          <a:bodyPr/>
+          <a:lstStyle/>
+          <a:p>
+            <a:r>
+              <a:rPr lang="en-US" dirty="0" smtClean="0"/>
+              <a:t>Clifton Best</a:t>
+            </a:r>
+          </a:p>
+          <a:p>
+            <a:r>
+              <a:rPr lang="en-US" dirty="0" smtClean="0"/>
+              <a:t>Beck </a:t>
+            </a:r>
+            <a:r>
+              <a:rPr lang="en-US" dirty="0" err="1" smtClean="0"/>
+              <a:t>Giesy</a:t>
+            </a:r>
+            <a:r>
+              <a:rPr lang="en-US" dirty="0" smtClean="0"/>
+              <a:t> </a:t>
+            </a:r>
+            <a:endParaRPr lang="en-US" dirty="0"/>
+          </a:p>
+        </p:txBody>
+      </p:sp>
+      <p:sp>
+        <p:nvSpPr>
+          <p:cNvPr id="4" name="TextBox 3"/>
+          <p:cNvSpPr txBox="1"/>
+          <p:nvPr/>
+        </p:nvSpPr>
+        <p:spPr>
+          <a:xfrm>
+            <a:off x="10629899" y="4834396"/>
+            <a:ext cx="1041567" cy="369332"/>
+          </a:xfrm>
+          <a:prstGeom prst="rect">
+            <a:avLst/>
+          </a:prstGeom>
+          <a:noFill/>
+        </p:spPr>
+        <p:txBody>
+          <a:bodyPr wrap="none" rtlCol="0">
+            <a:spAutoFit/>
           </a:bodyPr>
           <a:lstStyle/>
           <a:p>
-            <a:pPr marL="514350" indent="-514350" eaLnBrk="1" fontAlgn="auto" hangingPunct="1">
-              <a:lnSpc>
-                <a:spcPct val="100000"/>
-              </a:lnSpc>
-              <a:spcBef>
-                <a:spcPts val="0"/>
-              </a:spcBef>
-              <a:spcAft>
-                <a:spcPts val="0"/>
-              </a:spcAft>
-              <a:buFont typeface="+mj-lt"/>
-              <a:buAutoNum type="arabicPeriod"/>
-              <a:defRPr/>
-            </a:pPr>
-            <a:r>
-              <a:rPr lang="en-US" altLang="en-US" dirty="0" smtClean="0">
-                <a:latin typeface="Arial" charset="0"/>
-                <a:cs typeface="Arial" charset="0"/>
+            <a:r>
+              <a:rPr lang="en-US" dirty="0" smtClean="0">
+                <a:solidFill>
+                  <a:schemeClr val="bg1"/>
+                </a:solidFill>
               </a:rPr>
-              <a:t>Background</a:t>
-            </a:r>
-          </a:p>
-          <a:p>
-            <a:pPr marL="514350" indent="-514350" eaLnBrk="1" fontAlgn="auto" hangingPunct="1">
-              <a:lnSpc>
-                <a:spcPct val="100000"/>
-              </a:lnSpc>
-              <a:spcBef>
-                <a:spcPts val="0"/>
-              </a:spcBef>
-              <a:spcAft>
-                <a:spcPts val="0"/>
-              </a:spcAft>
-              <a:buFont typeface="+mj-lt"/>
-              <a:buAutoNum type="arabicPeriod"/>
-              <a:defRPr/>
-            </a:pPr>
-            <a:r>
-              <a:rPr lang="en-US" altLang="en-US" dirty="0" smtClean="0">
-                <a:latin typeface="Arial" charset="0"/>
-                <a:cs typeface="Arial" charset="0"/>
-              </a:rPr>
-              <a:t>Conceptual Approach</a:t>
-            </a:r>
-          </a:p>
-          <a:p>
-            <a:pPr marL="514350" indent="-514350" eaLnBrk="1" fontAlgn="auto" hangingPunct="1">
-              <a:lnSpc>
-                <a:spcPct val="100000"/>
-              </a:lnSpc>
-              <a:spcBef>
-                <a:spcPts val="0"/>
-              </a:spcBef>
-              <a:spcAft>
-                <a:spcPts val="0"/>
-              </a:spcAft>
-              <a:buFont typeface="+mj-lt"/>
-              <a:buAutoNum type="arabicPeriod"/>
-              <a:defRPr/>
-            </a:pPr>
-            <a:r>
-              <a:rPr lang="en-US" altLang="en-US" dirty="0" smtClean="0">
-                <a:latin typeface="Arial" charset="0"/>
-                <a:cs typeface="Arial" charset="0"/>
-              </a:rPr>
-              <a:t>Implementation</a:t>
-            </a:r>
-          </a:p>
-          <a:p>
-            <a:pPr marL="971550" lvl="1" indent="-514350" eaLnBrk="1" fontAlgn="auto" hangingPunct="1">
-              <a:lnSpc>
-                <a:spcPct val="100000"/>
-              </a:lnSpc>
-              <a:spcBef>
-                <a:spcPts val="0"/>
-              </a:spcBef>
-              <a:spcAft>
-                <a:spcPts val="0"/>
-              </a:spcAft>
-              <a:buFont typeface="+mj-lt"/>
-              <a:buAutoNum type="alphaLcParenR"/>
-              <a:defRPr/>
-            </a:pPr>
-            <a:r>
-              <a:rPr lang="en-US" altLang="en-US" dirty="0">
-                <a:latin typeface="Arial" charset="0"/>
-                <a:cs typeface="Arial" charset="0"/>
-              </a:rPr>
-              <a:t>Product or Service Code </a:t>
-            </a:r>
-            <a:r>
-              <a:rPr lang="en-US" altLang="en-US" dirty="0" smtClean="0">
-                <a:latin typeface="Arial" charset="0"/>
-                <a:cs typeface="Arial" charset="0"/>
-              </a:rPr>
-              <a:t>and </a:t>
-            </a:r>
-            <a:r>
-              <a:rPr lang="en-US" altLang="en-US" dirty="0">
-                <a:latin typeface="Arial" charset="0"/>
-                <a:cs typeface="Arial" charset="0"/>
-              </a:rPr>
-              <a:t>North American Industry Classification </a:t>
-            </a:r>
-            <a:r>
-              <a:rPr lang="en-US" altLang="en-US" dirty="0" smtClean="0">
-                <a:latin typeface="Arial" charset="0"/>
-                <a:cs typeface="Arial" charset="0"/>
-              </a:rPr>
-              <a:t>System bucketing</a:t>
-            </a:r>
-          </a:p>
-          <a:p>
-            <a:pPr marL="971550" lvl="1" indent="-514350" eaLnBrk="1" fontAlgn="auto" hangingPunct="1">
-              <a:lnSpc>
-                <a:spcPct val="100000"/>
-              </a:lnSpc>
-              <a:spcBef>
-                <a:spcPts val="0"/>
-              </a:spcBef>
-              <a:spcAft>
-                <a:spcPts val="0"/>
-              </a:spcAft>
-              <a:buFont typeface="+mj-lt"/>
-              <a:buAutoNum type="alphaLcParenR"/>
-              <a:defRPr/>
-            </a:pPr>
-            <a:r>
-              <a:rPr lang="en-US" altLang="en-US" dirty="0" smtClean="0">
-                <a:latin typeface="Arial" charset="0"/>
-                <a:cs typeface="Arial" charset="0"/>
-              </a:rPr>
-              <a:t>Socio-economic factor screening</a:t>
-            </a:r>
-          </a:p>
-          <a:p>
-            <a:pPr marL="971550" lvl="1" indent="-514350" eaLnBrk="1" fontAlgn="auto" hangingPunct="1">
-              <a:lnSpc>
-                <a:spcPct val="100000"/>
-              </a:lnSpc>
-              <a:spcBef>
-                <a:spcPts val="0"/>
-              </a:spcBef>
-              <a:spcAft>
-                <a:spcPts val="0"/>
-              </a:spcAft>
-              <a:buFont typeface="+mj-lt"/>
-              <a:buAutoNum type="alphaLcParenR"/>
-              <a:defRPr/>
-            </a:pPr>
-            <a:r>
-              <a:rPr lang="en-US" altLang="en-US" dirty="0" smtClean="0">
-                <a:latin typeface="Arial" charset="0"/>
-                <a:cs typeface="Arial" charset="0"/>
-              </a:rPr>
-              <a:t>Low frequency signature screening</a:t>
-            </a:r>
-          </a:p>
-          <a:p>
-            <a:pPr marL="971550" lvl="1" indent="-514350" eaLnBrk="1" fontAlgn="auto" hangingPunct="1">
-              <a:lnSpc>
-                <a:spcPct val="100000"/>
-              </a:lnSpc>
-              <a:spcBef>
-                <a:spcPts val="0"/>
-              </a:spcBef>
-              <a:spcAft>
-                <a:spcPts val="0"/>
-              </a:spcAft>
-              <a:buFont typeface="+mj-lt"/>
-              <a:buAutoNum type="alphaLcParenR"/>
-              <a:defRPr/>
-            </a:pPr>
-            <a:r>
-              <a:rPr lang="en-US" altLang="en-US" dirty="0" smtClean="0">
-                <a:latin typeface="Arial" charset="0"/>
-                <a:cs typeface="Arial" charset="0"/>
-              </a:rPr>
-              <a:t>Addressability signature augmentation.</a:t>
-            </a:r>
-          </a:p>
-          <a:p>
-            <a:pPr marL="514350" indent="-514350" eaLnBrk="1" fontAlgn="auto" hangingPunct="1">
-              <a:lnSpc>
-                <a:spcPct val="100000"/>
-              </a:lnSpc>
-              <a:spcBef>
-                <a:spcPts val="0"/>
-              </a:spcBef>
-              <a:spcAft>
-                <a:spcPts val="0"/>
-              </a:spcAft>
-              <a:buFont typeface="+mj-lt"/>
-              <a:buAutoNum type="arabicPeriod"/>
-              <a:defRPr/>
-            </a:pPr>
-            <a:r>
-              <a:rPr lang="en-US" altLang="en-US" dirty="0" smtClean="0">
-                <a:latin typeface="Arial" charset="0"/>
-                <a:cs typeface="Arial" charset="0"/>
-              </a:rPr>
-              <a:t>Comparative analysis of proposed method against:</a:t>
-            </a:r>
-          </a:p>
-          <a:p>
-            <a:pPr marL="971550" lvl="1" indent="-514350" eaLnBrk="1" fontAlgn="auto" hangingPunct="1">
-              <a:lnSpc>
-                <a:spcPct val="100000"/>
-              </a:lnSpc>
-              <a:spcBef>
-                <a:spcPts val="0"/>
-              </a:spcBef>
-              <a:spcAft>
-                <a:spcPts val="0"/>
-              </a:spcAft>
-              <a:buFont typeface="+mj-lt"/>
-              <a:buAutoNum type="alphaLcParenR"/>
-              <a:defRPr/>
-            </a:pPr>
-            <a:r>
-              <a:rPr lang="en-US" altLang="en-US" dirty="0">
-                <a:latin typeface="Arial" charset="0"/>
-                <a:cs typeface="Arial" charset="0"/>
-              </a:rPr>
-              <a:t>Product or Service </a:t>
-            </a:r>
-            <a:r>
-              <a:rPr lang="en-US" altLang="en-US" dirty="0" smtClean="0">
-                <a:latin typeface="Arial" charset="0"/>
-                <a:cs typeface="Arial" charset="0"/>
-              </a:rPr>
-              <a:t>Code addressability</a:t>
-            </a:r>
-          </a:p>
-          <a:p>
-            <a:pPr marL="971550" lvl="1" indent="-514350" eaLnBrk="1" fontAlgn="auto" hangingPunct="1">
-              <a:lnSpc>
-                <a:spcPct val="100000"/>
-              </a:lnSpc>
-              <a:spcBef>
-                <a:spcPts val="0"/>
-              </a:spcBef>
-              <a:spcAft>
-                <a:spcPts val="0"/>
-              </a:spcAft>
-              <a:buFont typeface="+mj-lt"/>
-              <a:buAutoNum type="alphaLcParenR"/>
-              <a:defRPr/>
-            </a:pPr>
-            <a:r>
-              <a:rPr lang="en-US" altLang="en-US" dirty="0">
-                <a:latin typeface="Arial" charset="0"/>
-                <a:cs typeface="Arial" charset="0"/>
-              </a:rPr>
-              <a:t>Product or Service Code and North American Industry </a:t>
-            </a:r>
-            <a:r>
-              <a:rPr lang="en-US" altLang="en-US" dirty="0" smtClean="0">
-                <a:latin typeface="Arial" charset="0"/>
-                <a:cs typeface="Arial" charset="0"/>
-              </a:rPr>
-              <a:t>Classification</a:t>
-            </a:r>
-          </a:p>
-          <a:p>
-            <a:pPr marL="971550" lvl="1" indent="-514350" eaLnBrk="1" fontAlgn="auto" hangingPunct="1">
-              <a:lnSpc>
-                <a:spcPct val="100000"/>
-              </a:lnSpc>
-              <a:spcBef>
-                <a:spcPts val="0"/>
-              </a:spcBef>
-              <a:spcAft>
-                <a:spcPts val="0"/>
-              </a:spcAft>
-              <a:buFont typeface="+mj-lt"/>
-              <a:buAutoNum type="alphaLcParenR"/>
-              <a:defRPr/>
-            </a:pPr>
-            <a:r>
-              <a:rPr lang="en-US" altLang="en-US" dirty="0" smtClean="0">
-                <a:latin typeface="Arial" charset="0"/>
-                <a:cs typeface="Arial" charset="0"/>
-              </a:rPr>
-              <a:t>Product or Service Code and </a:t>
-            </a:r>
-            <a:r>
-              <a:rPr lang="en-US" altLang="en-US" dirty="0">
-                <a:latin typeface="Arial" charset="0"/>
-                <a:cs typeface="Arial" charset="0"/>
-              </a:rPr>
-              <a:t>North American Industry </a:t>
-            </a:r>
-            <a:r>
-              <a:rPr lang="en-US" altLang="en-US" dirty="0" smtClean="0">
-                <a:latin typeface="Arial" charset="0"/>
-                <a:cs typeface="Arial" charset="0"/>
-              </a:rPr>
-              <a:t>Classification w/ contract selection.</a:t>
-            </a:r>
-          </a:p>
-          <a:p>
-            <a:pPr marL="514350" indent="-514350" eaLnBrk="1" fontAlgn="auto" hangingPunct="1">
-              <a:lnSpc>
-                <a:spcPct val="100000"/>
-              </a:lnSpc>
-              <a:spcBef>
-                <a:spcPts val="0"/>
-              </a:spcBef>
-              <a:spcAft>
-                <a:spcPts val="0"/>
-              </a:spcAft>
-              <a:buFont typeface="+mj-lt"/>
-              <a:buAutoNum type="arabicPeriod"/>
-              <a:defRPr/>
-            </a:pPr>
-            <a:r>
-              <a:rPr lang="en-US" altLang="en-US" dirty="0" smtClean="0">
-                <a:latin typeface="Arial" charset="0"/>
-                <a:cs typeface="Arial" charset="0"/>
-              </a:rPr>
-              <a:t>Conclusion</a:t>
-            </a:r>
-          </a:p>
-          <a:p>
-            <a:pPr marL="514350" indent="-514350" eaLnBrk="1" fontAlgn="auto" hangingPunct="1">
-              <a:lnSpc>
-                <a:spcPct val="100000"/>
-              </a:lnSpc>
-              <a:spcBef>
-                <a:spcPts val="0"/>
-              </a:spcBef>
-              <a:spcAft>
-                <a:spcPts val="0"/>
-              </a:spcAft>
-              <a:buFont typeface="+mj-lt"/>
-              <a:buAutoNum type="arabicPeriod"/>
-              <a:defRPr/>
-            </a:pPr>
-            <a:r>
-              <a:rPr lang="en-US" altLang="en-US" dirty="0" smtClean="0">
-                <a:latin typeface="Arial" charset="0"/>
-                <a:cs typeface="Arial" charset="0"/>
-              </a:rPr>
-              <a:t>Recommendation</a:t>
-            </a:r>
-            <a:endParaRPr lang="en-US" altLang="en-US" dirty="0">
-              <a:latin typeface="Arial" charset="0"/>
-              <a:cs typeface="Arial" charset="0"/>
+              <a:t>19OCT17</a:t>
+            </a:r>
+            <a:endParaRPr lang="en-US" dirty="0">
+              <a:solidFill>
+                <a:schemeClr val="bg1"/>
+              </a:solidFill>
             </a:endParaRPr>
           </a:p>
         </p:txBody>
       </p:sp>
     </p:spTree>
+    <p:extLst>
+      <p:ext uri="{BB962C8B-B14F-4D97-AF65-F5344CB8AC3E}">
+        <p14:creationId xmlns:p14="http://schemas.microsoft.com/office/powerpoint/2010/main" val="507197776"/>
+      </p:ext>
+    </p:extLst>
   </p:cSld>
   <p:clrMapOvr>
     <a:masterClrMapping/>
@@ -3815,6 +4609,186 @@
           <a:p>
             <a:r>
               <a:rPr lang="en-US" dirty="0" smtClean="0"/>
+              <a:t>Revised Model Overview	</a:t>
+            </a:r>
+            <a:endParaRPr lang="en-US" dirty="0"/>
+          </a:p>
+        </p:txBody>
+      </p:sp>
+      <p:pic>
+        <p:nvPicPr>
+          <p:cNvPr id="3" name="Picture 2"/>
+          <p:cNvPicPr>
+            <a:picLocks noChangeAspect="1"/>
+          </p:cNvPicPr>
+          <p:nvPr/>
+        </p:nvPicPr>
+        <p:blipFill>
+          <a:blip r:embed="rId2">
+            <a:extLst>
+              <a:ext uri="{28A0092B-C50C-407E-A947-70E740481C1C}">
+                <a14:useLocalDpi xmlns:a14="http://schemas.microsoft.com/office/drawing/2010/main" val="0"/>
+              </a:ext>
+            </a:extLst>
+          </a:blip>
+          <a:stretch>
+            <a:fillRect/>
+          </a:stretch>
+        </p:blipFill>
+        <p:spPr>
+          <a:xfrm>
+            <a:off x="2417948" y="1220654"/>
+            <a:ext cx="7356104" cy="4603318"/>
+          </a:xfrm>
+          <a:prstGeom prst="rect">
+            <a:avLst/>
+          </a:prstGeom>
+        </p:spPr>
+      </p:pic>
+    </p:spTree>
+    <p:extLst>
+      <p:ext uri="{BB962C8B-B14F-4D97-AF65-F5344CB8AC3E}">
+        <p14:creationId xmlns:p14="http://schemas.microsoft.com/office/powerpoint/2010/main" val="1264720726"/>
+      </p:ext>
+    </p:extLst>
+  </p:cSld>
+  <p:clrMapOvr>
+    <a:masterClrMapping/>
+  </p:clrMapOvr>
+  <p:timing>
+    <p:tnLst>
+      <p:par>
+        <p:cTn id="1" dur="indefinite" restart="never" nodeType="tmRoot"/>
+      </p:par>
+    </p:tnLst>
+  </p:timing>
+</p:sld>
+</file>
+
+<file path=ppt/slides/slide11.xml><?xml version="1.0" encoding="utf-8"?>
+<p:sld xmlns:a="http://schemas.openxmlformats.org/drawingml/2006/main" xmlns:r="http://schemas.openxmlformats.org/officeDocument/2006/relationships" xmlns:p="http://schemas.openxmlformats.org/presentationml/2006/main">
+  <p:cSld>
+    <p:spTree>
+      <p:nvGrpSpPr>
+        <p:cNvPr id="1" name=""/>
+        <p:cNvGrpSpPr/>
+        <p:nvPr/>
+      </p:nvGrpSpPr>
+      <p:grpSpPr>
+        <a:xfrm>
+          <a:off x="0" y="0"/>
+          <a:ext cx="0" cy="0"/>
+          <a:chOff x="0" y="0"/>
+          <a:chExt cx="0" cy="0"/>
+        </a:xfrm>
+      </p:grpSpPr>
+      <p:sp>
+        <p:nvSpPr>
+          <p:cNvPr id="2" name="Title 1"/>
+          <p:cNvSpPr>
+            <a:spLocks noGrp="1"/>
+          </p:cNvSpPr>
+          <p:nvPr>
+            <p:ph type="title"/>
+          </p:nvPr>
+        </p:nvSpPr>
+        <p:spPr/>
+        <p:txBody>
+          <a:bodyPr/>
+          <a:lstStyle/>
+          <a:p>
+            <a:r>
+              <a:rPr lang="en-US" dirty="0" smtClean="0"/>
+              <a:t>BIC Addressability vs Obligations</a:t>
+            </a:r>
+            <a:endParaRPr lang="en-US" dirty="0"/>
+          </a:p>
+        </p:txBody>
+      </p:sp>
+      <p:pic>
+        <p:nvPicPr>
+          <p:cNvPr id="4" name="Picture 3"/>
+          <p:cNvPicPr>
+            <a:picLocks noChangeAspect="1"/>
+          </p:cNvPicPr>
+          <p:nvPr/>
+        </p:nvPicPr>
+        <p:blipFill>
+          <a:blip r:embed="rId2">
+            <a:extLst>
+              <a:ext uri="{28A0092B-C50C-407E-A947-70E740481C1C}">
+                <a14:useLocalDpi xmlns:a14="http://schemas.microsoft.com/office/drawing/2010/main" val="0"/>
+              </a:ext>
+            </a:extLst>
+          </a:blip>
+          <a:stretch>
+            <a:fillRect/>
+          </a:stretch>
+        </p:blipFill>
+        <p:spPr>
+          <a:xfrm>
+            <a:off x="1436543" y="1282968"/>
+            <a:ext cx="9318914" cy="4405313"/>
+          </a:xfrm>
+          <a:prstGeom prst="rect">
+            <a:avLst/>
+          </a:prstGeom>
+        </p:spPr>
+      </p:pic>
+    </p:spTree>
+    <p:extLst>
+      <p:ext uri="{BB962C8B-B14F-4D97-AF65-F5344CB8AC3E}">
+        <p14:creationId xmlns:p14="http://schemas.microsoft.com/office/powerpoint/2010/main" val="781273429"/>
+      </p:ext>
+    </p:extLst>
+  </p:cSld>
+  <p:clrMapOvr>
+    <a:masterClrMapping/>
+  </p:clrMapOvr>
+  <p:timing>
+    <p:tnLst>
+      <p:par>
+        <p:cTn id="1" dur="indefinite" restart="never" nodeType="tmRoot"/>
+      </p:par>
+    </p:tnLst>
+  </p:timing>
+</p:sld>
+</file>
+
+<file path=ppt/slides/slide12.xml><?xml version="1.0" encoding="utf-8"?>
+<p:sld xmlns:a="http://schemas.openxmlformats.org/drawingml/2006/main" xmlns:r="http://schemas.openxmlformats.org/officeDocument/2006/relationships" xmlns:p="http://schemas.openxmlformats.org/presentationml/2006/main">
+  <p:cSld>
+    <p:spTree>
+      <p:nvGrpSpPr>
+        <p:cNvPr id="1" name=""/>
+        <p:cNvGrpSpPr/>
+        <p:nvPr/>
+      </p:nvGrpSpPr>
+      <p:grpSpPr>
+        <a:xfrm>
+          <a:off x="0" y="0"/>
+          <a:ext cx="0" cy="0"/>
+          <a:chOff x="0" y="0"/>
+          <a:chExt cx="0" cy="0"/>
+        </a:xfrm>
+      </p:grpSpPr>
+      <p:sp>
+        <p:nvSpPr>
+          <p:cNvPr id="2" name="Title 1"/>
+          <p:cNvSpPr>
+            <a:spLocks noGrp="1"/>
+          </p:cNvSpPr>
+          <p:nvPr>
+            <p:ph type="title"/>
+          </p:nvPr>
+        </p:nvSpPr>
+        <p:spPr/>
+        <p:txBody>
+          <a:bodyPr/>
+          <a:lstStyle/>
+          <a:p>
+            <a:r>
+              <a:rPr lang="en-US" dirty="0" smtClean="0"/>
               <a:t>BIC Addressability Comparison</a:t>
             </a:r>
             <a:endParaRPr lang="en-US" dirty="0"/>
@@ -3941,10 +4915,17 @@
   <p:clrMapOvr>
     <a:masterClrMapping/>
   </p:clrMapOvr>
+  <p:timing>
+    <p:tnLst>
+      <p:par>
+        <p:cTn id="1" dur="indefinite" restart="never" nodeType="tmRoot"/>
+      </p:par>
+    </p:tnLst>
+  </p:timing>
 </p:sld>
 </file>
 
-<file path=ppt/slides/slide11.xml><?xml version="1.0" encoding="utf-8"?>
+<file path=ppt/slides/slide13.xml><?xml version="1.0" encoding="utf-8"?>
 <p:sld xmlns:a="http://schemas.openxmlformats.org/drawingml/2006/main" xmlns:r="http://schemas.openxmlformats.org/officeDocument/2006/relationships" xmlns:p="http://schemas.openxmlformats.org/presentationml/2006/main">
   <p:cSld>
     <p:spTree>
@@ -3993,7 +4974,7 @@
           <p:nvPr/>
         </p:nvPicPr>
         <p:blipFill>
-          <a:blip r:embed="rId2">
+          <a:blip r:embed="rId3">
             <a:extLst>
               <a:ext uri="{28A0092B-C50C-407E-A947-70E740481C1C}">
                 <a14:useLocalDpi xmlns:a14="http://schemas.microsoft.com/office/drawing/2010/main" val="0"/>
@@ -4024,10 +5005,17 @@
   <p:clrMapOvr>
     <a:masterClrMapping/>
   </p:clrMapOvr>
+  <p:timing>
+    <p:tnLst>
+      <p:par>
+        <p:cTn id="1" dur="indefinite" restart="never" nodeType="tmRoot"/>
+      </p:par>
+    </p:tnLst>
+  </p:timing>
 </p:sld>
 </file>
 
-<file path=ppt/slides/slide12.xml><?xml version="1.0" encoding="utf-8"?>
+<file path=ppt/slides/slide14.xml><?xml version="1.0" encoding="utf-8"?>
 <p:sld xmlns:a="http://schemas.openxmlformats.org/drawingml/2006/main" xmlns:r="http://schemas.openxmlformats.org/officeDocument/2006/relationships" xmlns:p="http://schemas.openxmlformats.org/presentationml/2006/main">
   <p:cSld>
     <p:spTree>
@@ -4044,45 +5032,16 @@
           <a:chExt cx="0" cy="0"/>
         </a:xfrm>
       </p:grpSpPr>
-      <p:sp>
-        <p:nvSpPr>
-          <p:cNvPr id="20481" name="Title 1"/>
-          <p:cNvSpPr>
-            <a:spLocks noGrp="1"/>
-          </p:cNvSpPr>
-          <p:nvPr>
-            <p:ph type="title"/>
-          </p:nvPr>
-        </p:nvSpPr>
-        <p:spPr/>
-        <p:txBody>
-          <a:bodyPr/>
-          <a:lstStyle/>
-          <a:p>
-            <a:r>
-              <a:rPr lang="en-US" altLang="en-US" dirty="0" smtClean="0">
-                <a:latin typeface="Arial" charset="0"/>
-                <a:cs typeface="Arial" charset="0"/>
-              </a:rPr>
-              <a:t>Agency/Bureau Level Addressability</a:t>
-            </a:r>
-            <a:endParaRPr lang="en-US" altLang="en-US" dirty="0">
-              <a:latin typeface="Arial" charset="0"/>
-              <a:cs typeface="Arial" charset="0"/>
-            </a:endParaRPr>
-          </a:p>
-        </p:txBody>
-      </p:sp>
       <p:pic>
         <p:nvPicPr>
-          <p:cNvPr id="2" name="Picture 1"/>
+          <p:cNvPr id="10" name="Picture 9"/>
           <p:cNvPicPr>
             <a:picLocks noChangeAspect="1"/>
           </p:cNvPicPr>
           <p:nvPr/>
         </p:nvPicPr>
         <p:blipFill>
-          <a:blip r:embed="rId2">
+          <a:blip r:embed="rId3">
             <a:extLst>
               <a:ext uri="{28A0092B-C50C-407E-A947-70E740481C1C}">
                 <a14:useLocalDpi xmlns:a14="http://schemas.microsoft.com/office/drawing/2010/main" val="0"/>
@@ -4095,8 +5054,8 @@
         </p:blipFill>
         <p:spPr>
           <a:xfrm>
-            <a:off x="1151536" y="1239128"/>
-            <a:ext cx="9431520" cy="4562065"/>
+            <a:off x="2446318" y="1215903"/>
+            <a:ext cx="7006441" cy="4384506"/>
           </a:xfrm>
           <a:prstGeom prst="rect">
             <a:avLst/>
@@ -4105,14 +5064,89 @@
       </p:pic>
       <p:sp>
         <p:nvSpPr>
-          <p:cNvPr id="3" name="Rectangle 2"/>
+          <p:cNvPr id="20481" name="Title 1"/>
+          <p:cNvSpPr>
+            <a:spLocks noGrp="1"/>
+          </p:cNvSpPr>
+          <p:nvPr>
+            <p:ph type="title"/>
+          </p:nvPr>
+        </p:nvSpPr>
+        <p:spPr/>
+        <p:txBody>
+          <a:bodyPr/>
+          <a:lstStyle/>
+          <a:p>
+            <a:r>
+              <a:rPr lang="en-US" altLang="en-US" dirty="0" smtClean="0">
+                <a:latin typeface="Arial" charset="0"/>
+                <a:cs typeface="Arial" charset="0"/>
+              </a:rPr>
+              <a:t>Agency/Bureau Level Addressability</a:t>
+            </a:r>
+            <a:endParaRPr lang="en-US" altLang="en-US" dirty="0">
+              <a:latin typeface="Arial" charset="0"/>
+              <a:cs typeface="Arial" charset="0"/>
+            </a:endParaRPr>
+          </a:p>
+        </p:txBody>
+      </p:sp>
+      <p:sp>
+        <p:nvSpPr>
+          <p:cNvPr id="5" name="Oval 4"/>
           <p:cNvSpPr/>
           <p:nvPr/>
         </p:nvSpPr>
         <p:spPr>
           <a:xfrm>
-            <a:off x="3847606" y="3075710"/>
-            <a:ext cx="1284575" cy="1107996"/>
+            <a:off x="5818909" y="1227779"/>
+            <a:ext cx="2565070" cy="755401"/>
+          </a:xfrm>
+          <a:prstGeom prst="ellipse">
+            <a:avLst/>
+          </a:prstGeom>
+          <a:noFill/>
+          <a:ln w="22225">
+            <a:solidFill>
+              <a:srgbClr val="FF0000"/>
+            </a:solidFill>
+          </a:ln>
+        </p:spPr>
+        <p:style>
+          <a:lnRef idx="2">
+            <a:schemeClr val="accent1">
+              <a:shade val="50000"/>
+            </a:schemeClr>
+          </a:lnRef>
+          <a:fillRef idx="1">
+            <a:schemeClr val="accent1"/>
+          </a:fillRef>
+          <a:effectRef idx="0">
+            <a:schemeClr val="accent1"/>
+          </a:effectRef>
+          <a:fontRef idx="minor">
+            <a:schemeClr val="lt1"/>
+          </a:fontRef>
+        </p:style>
+        <p:txBody>
+          <a:bodyPr rtlCol="0" anchor="ctr"/>
+          <a:lstStyle/>
+          <a:p>
+            <a:pPr algn="ctr"/>
+            <a:endParaRPr lang="en-US"/>
+          </a:p>
+        </p:txBody>
+      </p:sp>
+      <p:sp>
+        <p:nvSpPr>
+          <p:cNvPr id="6" name="TextBox 5"/>
+          <p:cNvSpPr txBox="1"/>
+          <p:nvPr/>
+        </p:nvSpPr>
+        <p:spPr>
+          <a:xfrm>
+            <a:off x="9880272" y="1511388"/>
+            <a:ext cx="1781299" cy="1754326"/>
           </a:xfrm>
           <a:prstGeom prst="rect">
             <a:avLst/>
@@ -4120,52 +5154,1410 @@
           <a:noFill/>
         </p:spPr>
         <p:txBody>
-          <a:bodyPr wrap="square" lIns="91440" tIns="45720" rIns="91440" bIns="45720">
+          <a:bodyPr wrap="square" rtlCol="0">
             <a:spAutoFit/>
           </a:bodyPr>
           <a:lstStyle/>
           <a:p>
+            <a:r>
+              <a:rPr lang="en-US" dirty="0" smtClean="0"/>
+              <a:t>Limit the incoming data set to only required agency/bureau domain.</a:t>
+            </a:r>
+            <a:endParaRPr lang="en-US" dirty="0"/>
+          </a:p>
+        </p:txBody>
+      </p:sp>
+      <p:cxnSp>
+        <p:nvCxnSpPr>
+          <p:cNvPr id="8" name="Straight Arrow Connector 7"/>
+          <p:cNvCxnSpPr>
+            <a:endCxn id="5" idx="5"/>
+          </p:cNvCxnSpPr>
+          <p:nvPr/>
+        </p:nvCxnSpPr>
+        <p:spPr>
+          <a:xfrm flipH="1" flipV="1">
+            <a:off x="8008333" y="1872554"/>
+            <a:ext cx="1753185" cy="395633"/>
+          </a:xfrm>
+          <a:prstGeom prst="straightConnector1">
+            <a:avLst/>
+          </a:prstGeom>
+          <a:ln>
+            <a:tailEnd type="triangle"/>
+          </a:ln>
+        </p:spPr>
+        <p:style>
+          <a:lnRef idx="1">
+            <a:schemeClr val="accent1"/>
+          </a:lnRef>
+          <a:fillRef idx="0">
+            <a:schemeClr val="accent1"/>
+          </a:fillRef>
+          <a:effectRef idx="0">
+            <a:schemeClr val="accent1"/>
+          </a:effectRef>
+          <a:fontRef idx="minor">
+            <a:schemeClr val="tx1"/>
+          </a:fontRef>
+        </p:style>
+      </p:cxnSp>
+      <p:sp>
+        <p:nvSpPr>
+          <p:cNvPr id="12" name="TextBox 11"/>
+          <p:cNvSpPr txBox="1"/>
+          <p:nvPr/>
+        </p:nvSpPr>
+        <p:spPr>
+          <a:xfrm>
+            <a:off x="543820" y="4301516"/>
+            <a:ext cx="2048959" cy="738664"/>
+          </a:xfrm>
+          <a:prstGeom prst="rect">
+            <a:avLst/>
+          </a:prstGeom>
+          <a:noFill/>
+        </p:spPr>
+        <p:txBody>
+          <a:bodyPr wrap="none" rtlCol="0">
+            <a:spAutoFit/>
+          </a:bodyPr>
+          <a:lstStyle/>
+          <a:p>
+            <a:r>
+              <a:rPr lang="en-US" sz="1400" dirty="0" smtClean="0"/>
+              <a:t>Concatenation </a:t>
+            </a:r>
+          </a:p>
+          <a:p>
+            <a:r>
+              <a:rPr lang="en-US" sz="1400" dirty="0"/>
+              <a:t>o</a:t>
+            </a:r>
+            <a:r>
+              <a:rPr lang="en-US" sz="1400" dirty="0" smtClean="0"/>
+              <a:t>f all matrices in the </a:t>
+            </a:r>
+          </a:p>
+          <a:p>
+            <a:r>
+              <a:rPr lang="en-US" sz="1400" dirty="0" smtClean="0"/>
+              <a:t>required contract domain</a:t>
+            </a:r>
+            <a:endParaRPr lang="en-US" sz="1400" dirty="0"/>
+          </a:p>
+        </p:txBody>
+      </p:sp>
+      <p:cxnSp>
+        <p:nvCxnSpPr>
+          <p:cNvPr id="14" name="Straight Arrow Connector 13"/>
+          <p:cNvCxnSpPr/>
+          <p:nvPr/>
+        </p:nvCxnSpPr>
+        <p:spPr>
+          <a:xfrm flipV="1">
+            <a:off x="2018805" y="3265714"/>
+            <a:ext cx="2446317" cy="968395"/>
+          </a:xfrm>
+          <a:prstGeom prst="straightConnector1">
+            <a:avLst/>
+          </a:prstGeom>
+          <a:ln>
+            <a:tailEnd type="triangle"/>
+          </a:ln>
+        </p:spPr>
+        <p:style>
+          <a:lnRef idx="1">
+            <a:schemeClr val="accent1"/>
+          </a:lnRef>
+          <a:fillRef idx="0">
+            <a:schemeClr val="accent1"/>
+          </a:fillRef>
+          <a:effectRef idx="0">
+            <a:schemeClr val="accent1"/>
+          </a:effectRef>
+          <a:fontRef idx="minor">
+            <a:schemeClr val="tx1"/>
+          </a:fontRef>
+        </p:style>
+      </p:cxnSp>
+      <p:sp>
+        <p:nvSpPr>
+          <p:cNvPr id="16" name="Oval 15"/>
+          <p:cNvSpPr/>
+          <p:nvPr/>
+        </p:nvSpPr>
+        <p:spPr>
+          <a:xfrm>
+            <a:off x="4095008" y="2268187"/>
+            <a:ext cx="1605148" cy="1270660"/>
+          </a:xfrm>
+          <a:prstGeom prst="ellipse">
+            <a:avLst/>
+          </a:prstGeom>
+          <a:noFill/>
+          <a:ln w="22225">
+            <a:solidFill>
+              <a:srgbClr val="FF0000"/>
+            </a:solidFill>
+          </a:ln>
+        </p:spPr>
+        <p:style>
+          <a:lnRef idx="2">
+            <a:schemeClr val="accent1">
+              <a:shade val="50000"/>
+            </a:schemeClr>
+          </a:lnRef>
+          <a:fillRef idx="1">
+            <a:schemeClr val="accent1"/>
+          </a:fillRef>
+          <a:effectRef idx="0">
+            <a:schemeClr val="accent1"/>
+          </a:effectRef>
+          <a:fontRef idx="minor">
+            <a:schemeClr val="lt1"/>
+          </a:fontRef>
+        </p:style>
+        <p:txBody>
+          <a:bodyPr rtlCol="0" anchor="ctr"/>
+          <a:lstStyle/>
+          <a:p>
             <a:pPr algn="ctr"/>
-            <a:r>
-              <a:rPr lang="en-US" sz="6600" b="1" cap="none" spc="0" dirty="0" smtClean="0">
-                <a:ln w="22225">
-                  <a:solidFill>
-                    <a:schemeClr val="accent2"/>
-                  </a:solidFill>
-                  <a:prstDash val="solid"/>
-                </a:ln>
-                <a:solidFill>
-                  <a:schemeClr val="accent2">
-                    <a:lumMod val="40000"/>
-                    <a:lumOff val="60000"/>
-                  </a:schemeClr>
-                </a:solidFill>
-                <a:effectLst/>
-              </a:rPr>
-              <a:t>X</a:t>
-            </a:r>
-            <a:endParaRPr lang="en-US" sz="6600" b="1" cap="none" spc="0" dirty="0">
-              <a:ln w="22225">
-                <a:solidFill>
-                  <a:schemeClr val="accent2"/>
-                </a:solidFill>
-                <a:prstDash val="solid"/>
-              </a:ln>
+            <a:endParaRPr lang="en-US"/>
+          </a:p>
+        </p:txBody>
+      </p:sp>
+      <p:grpSp>
+        <p:nvGrpSpPr>
+          <p:cNvPr id="19" name="Group 18"/>
+          <p:cNvGrpSpPr/>
+          <p:nvPr/>
+        </p:nvGrpSpPr>
+        <p:grpSpPr>
+          <a:xfrm>
+            <a:off x="212725" y="1334737"/>
+            <a:ext cx="1038226" cy="694089"/>
+            <a:chOff x="212725" y="1334737"/>
+            <a:chExt cx="1038226" cy="694089"/>
+          </a:xfrm>
+        </p:grpSpPr>
+        <p:sp>
+          <p:nvSpPr>
+            <p:cNvPr id="20" name="Rounded Rectangle 19"/>
+            <p:cNvSpPr/>
+            <p:nvPr/>
+          </p:nvSpPr>
+          <p:spPr>
+            <a:xfrm>
+              <a:off x="261257" y="1353788"/>
+              <a:ext cx="989694" cy="675038"/>
+            </a:xfrm>
+            <a:prstGeom prst="roundRect">
+              <a:avLst/>
+            </a:prstGeom>
+          </p:spPr>
+          <p:style>
+            <a:lnRef idx="2">
+              <a:schemeClr val="accent1">
+                <a:shade val="50000"/>
+              </a:schemeClr>
+            </a:lnRef>
+            <a:fillRef idx="1">
+              <a:schemeClr val="accent1"/>
+            </a:fillRef>
+            <a:effectRef idx="0">
+              <a:schemeClr val="accent1"/>
+            </a:effectRef>
+            <a:fontRef idx="minor">
+              <a:schemeClr val="lt1"/>
+            </a:fontRef>
+          </p:style>
+          <p:txBody>
+            <a:bodyPr rtlCol="0" anchor="ctr"/>
+            <a:lstStyle/>
+            <a:p>
+              <a:pPr algn="ctr"/>
+              <a:endParaRPr lang="en-US" dirty="0"/>
+            </a:p>
+          </p:txBody>
+        </p:sp>
+        <p:cxnSp>
+          <p:nvCxnSpPr>
+            <p:cNvPr id="21" name="Straight Connector 20"/>
+            <p:cNvCxnSpPr/>
+            <p:nvPr/>
+          </p:nvCxnSpPr>
+          <p:spPr>
+            <a:xfrm flipV="1">
+              <a:off x="261257" y="1569232"/>
+              <a:ext cx="989694" cy="10188"/>
+            </a:xfrm>
+            <a:prstGeom prst="line">
+              <a:avLst/>
+            </a:prstGeom>
+            <a:ln>
               <a:solidFill>
-                <a:schemeClr val="accent2">
-                  <a:lumMod val="40000"/>
-                  <a:lumOff val="60000"/>
-                </a:schemeClr>
+                <a:schemeClr val="tx1"/>
               </a:solidFill>
-              <a:effectLst/>
-            </a:endParaRPr>
-          </a:p>
-        </p:txBody>
-      </p:sp>
+            </a:ln>
+          </p:spPr>
+          <p:style>
+            <a:lnRef idx="1">
+              <a:schemeClr val="accent1"/>
+            </a:lnRef>
+            <a:fillRef idx="0">
+              <a:schemeClr val="accent1"/>
+            </a:fillRef>
+            <a:effectRef idx="0">
+              <a:schemeClr val="accent1"/>
+            </a:effectRef>
+            <a:fontRef idx="minor">
+              <a:schemeClr val="tx1"/>
+            </a:fontRef>
+          </p:style>
+        </p:cxnSp>
+        <p:sp>
+          <p:nvSpPr>
+            <p:cNvPr id="22" name="TextBox 21"/>
+            <p:cNvSpPr txBox="1"/>
+            <p:nvPr/>
+          </p:nvSpPr>
+          <p:spPr>
+            <a:xfrm>
+              <a:off x="245672" y="1334737"/>
+              <a:ext cx="941283" cy="215444"/>
+            </a:xfrm>
+            <a:prstGeom prst="rect">
+              <a:avLst/>
+            </a:prstGeom>
+            <a:noFill/>
+          </p:spPr>
+          <p:txBody>
+            <a:bodyPr wrap="none" rtlCol="0">
+              <a:spAutoFit/>
+            </a:bodyPr>
+            <a:lstStyle/>
+            <a:p>
+              <a:r>
+                <a:rPr lang="en-US" sz="800" dirty="0" err="1" smtClean="0"/>
+                <a:t>Load_Spark_CSV</a:t>
+              </a:r>
+              <a:r>
+                <a:rPr lang="en-US" sz="800" dirty="0" smtClean="0"/>
+                <a:t>()</a:t>
+              </a:r>
+              <a:endParaRPr lang="en-US" sz="800" dirty="0"/>
+            </a:p>
+          </p:txBody>
+        </p:sp>
+        <p:sp>
+          <p:nvSpPr>
+            <p:cNvPr id="23" name="TextBox 22"/>
+            <p:cNvSpPr txBox="1"/>
+            <p:nvPr/>
+          </p:nvSpPr>
+          <p:spPr>
+            <a:xfrm>
+              <a:off x="212725" y="1584619"/>
+              <a:ext cx="1008609" cy="307777"/>
+            </a:xfrm>
+            <a:prstGeom prst="rect">
+              <a:avLst/>
+            </a:prstGeom>
+            <a:noFill/>
+          </p:spPr>
+          <p:txBody>
+            <a:bodyPr wrap="none" rtlCol="0">
+              <a:spAutoFit/>
+            </a:bodyPr>
+            <a:lstStyle/>
+            <a:p>
+              <a:r>
+                <a:rPr lang="en-US" sz="700" dirty="0" smtClean="0"/>
+                <a:t>Pre: FPDS Extract</a:t>
+              </a:r>
+            </a:p>
+            <a:p>
+              <a:r>
+                <a:rPr lang="en-US" sz="700" dirty="0" smtClean="0"/>
+                <a:t>Post: Write to parquet</a:t>
+              </a:r>
+              <a:endParaRPr lang="en-US" sz="700" dirty="0"/>
+            </a:p>
+          </p:txBody>
+        </p:sp>
+      </p:grpSp>
+      <p:grpSp>
+        <p:nvGrpSpPr>
+          <p:cNvPr id="24" name="Group 23"/>
+          <p:cNvGrpSpPr/>
+          <p:nvPr/>
+        </p:nvGrpSpPr>
+        <p:grpSpPr>
+          <a:xfrm>
+            <a:off x="212725" y="2235283"/>
+            <a:ext cx="1354818" cy="694089"/>
+            <a:chOff x="212725" y="1334737"/>
+            <a:chExt cx="1147355" cy="694089"/>
+          </a:xfrm>
+        </p:grpSpPr>
+        <p:sp>
+          <p:nvSpPr>
+            <p:cNvPr id="25" name="Rounded Rectangle 24"/>
+            <p:cNvSpPr/>
+            <p:nvPr/>
+          </p:nvSpPr>
+          <p:spPr>
+            <a:xfrm>
+              <a:off x="261257" y="1353788"/>
+              <a:ext cx="989694" cy="675038"/>
+            </a:xfrm>
+            <a:prstGeom prst="roundRect">
+              <a:avLst/>
+            </a:prstGeom>
+          </p:spPr>
+          <p:style>
+            <a:lnRef idx="2">
+              <a:schemeClr val="accent1">
+                <a:shade val="50000"/>
+              </a:schemeClr>
+            </a:lnRef>
+            <a:fillRef idx="1">
+              <a:schemeClr val="accent1"/>
+            </a:fillRef>
+            <a:effectRef idx="0">
+              <a:schemeClr val="accent1"/>
+            </a:effectRef>
+            <a:fontRef idx="minor">
+              <a:schemeClr val="lt1"/>
+            </a:fontRef>
+          </p:style>
+          <p:txBody>
+            <a:bodyPr rtlCol="0" anchor="ctr"/>
+            <a:lstStyle/>
+            <a:p>
+              <a:pPr algn="ctr"/>
+              <a:endParaRPr lang="en-US" dirty="0"/>
+            </a:p>
+          </p:txBody>
+        </p:sp>
+        <p:cxnSp>
+          <p:nvCxnSpPr>
+            <p:cNvPr id="26" name="Straight Connector 25"/>
+            <p:cNvCxnSpPr/>
+            <p:nvPr/>
+          </p:nvCxnSpPr>
+          <p:spPr>
+            <a:xfrm flipV="1">
+              <a:off x="261257" y="1569232"/>
+              <a:ext cx="989694" cy="10188"/>
+            </a:xfrm>
+            <a:prstGeom prst="line">
+              <a:avLst/>
+            </a:prstGeom>
+            <a:ln>
+              <a:solidFill>
+                <a:schemeClr val="tx1"/>
+              </a:solidFill>
+            </a:ln>
+          </p:spPr>
+          <p:style>
+            <a:lnRef idx="1">
+              <a:schemeClr val="accent1"/>
+            </a:lnRef>
+            <a:fillRef idx="0">
+              <a:schemeClr val="accent1"/>
+            </a:fillRef>
+            <a:effectRef idx="0">
+              <a:schemeClr val="accent1"/>
+            </a:effectRef>
+            <a:fontRef idx="minor">
+              <a:schemeClr val="tx1"/>
+            </a:fontRef>
+          </p:style>
+        </p:cxnSp>
+        <p:sp>
+          <p:nvSpPr>
+            <p:cNvPr id="27" name="TextBox 26"/>
+            <p:cNvSpPr txBox="1"/>
+            <p:nvPr/>
+          </p:nvSpPr>
+          <p:spPr>
+            <a:xfrm>
+              <a:off x="245672" y="1334737"/>
+              <a:ext cx="1114408" cy="215444"/>
+            </a:xfrm>
+            <a:prstGeom prst="rect">
+              <a:avLst/>
+            </a:prstGeom>
+            <a:noFill/>
+          </p:spPr>
+          <p:txBody>
+            <a:bodyPr wrap="none" rtlCol="0">
+              <a:spAutoFit/>
+            </a:bodyPr>
+            <a:lstStyle/>
+            <a:p>
+              <a:r>
+                <a:rPr lang="en-US" sz="800" dirty="0" err="1" smtClean="0"/>
+                <a:t>Load_Spark_Parquet</a:t>
+              </a:r>
+              <a:r>
+                <a:rPr lang="en-US" sz="800" dirty="0" smtClean="0"/>
+                <a:t>()</a:t>
+              </a:r>
+              <a:endParaRPr lang="en-US" sz="800" dirty="0"/>
+            </a:p>
+          </p:txBody>
+        </p:sp>
+        <p:sp>
+          <p:nvSpPr>
+            <p:cNvPr id="28" name="TextBox 27"/>
+            <p:cNvSpPr txBox="1"/>
+            <p:nvPr/>
+          </p:nvSpPr>
+          <p:spPr>
+            <a:xfrm>
+              <a:off x="212725" y="1584619"/>
+              <a:ext cx="456404" cy="307777"/>
+            </a:xfrm>
+            <a:prstGeom prst="rect">
+              <a:avLst/>
+            </a:prstGeom>
+            <a:noFill/>
+          </p:spPr>
+          <p:txBody>
+            <a:bodyPr wrap="none" rtlCol="0">
+              <a:spAutoFit/>
+            </a:bodyPr>
+            <a:lstStyle/>
+            <a:p>
+              <a:r>
+                <a:rPr lang="en-US" sz="700" dirty="0" smtClean="0"/>
+                <a:t>Pre: none</a:t>
+              </a:r>
+            </a:p>
+            <a:p>
+              <a:r>
+                <a:rPr lang="en-US" sz="700" dirty="0" smtClean="0"/>
+                <a:t>Post: ETL</a:t>
+              </a:r>
+              <a:endParaRPr lang="en-US" sz="700" dirty="0"/>
+            </a:p>
+          </p:txBody>
+        </p:sp>
+      </p:grpSp>
+      <p:grpSp>
+        <p:nvGrpSpPr>
+          <p:cNvPr id="29" name="Group 28"/>
+          <p:cNvGrpSpPr/>
+          <p:nvPr/>
+        </p:nvGrpSpPr>
+        <p:grpSpPr>
+          <a:xfrm>
+            <a:off x="5743263" y="2450727"/>
+            <a:ext cx="1326004" cy="938516"/>
+            <a:chOff x="212725" y="1334737"/>
+            <a:chExt cx="1122953" cy="773102"/>
+          </a:xfrm>
+        </p:grpSpPr>
+        <p:sp>
+          <p:nvSpPr>
+            <p:cNvPr id="30" name="Rounded Rectangle 29"/>
+            <p:cNvSpPr/>
+            <p:nvPr/>
+          </p:nvSpPr>
+          <p:spPr>
+            <a:xfrm>
+              <a:off x="261257" y="1353788"/>
+              <a:ext cx="989694" cy="675038"/>
+            </a:xfrm>
+            <a:prstGeom prst="roundRect">
+              <a:avLst/>
+            </a:prstGeom>
+          </p:spPr>
+          <p:style>
+            <a:lnRef idx="2">
+              <a:schemeClr val="accent1">
+                <a:shade val="50000"/>
+              </a:schemeClr>
+            </a:lnRef>
+            <a:fillRef idx="1">
+              <a:schemeClr val="accent1"/>
+            </a:fillRef>
+            <a:effectRef idx="0">
+              <a:schemeClr val="accent1"/>
+            </a:effectRef>
+            <a:fontRef idx="minor">
+              <a:schemeClr val="lt1"/>
+            </a:fontRef>
+          </p:style>
+          <p:txBody>
+            <a:bodyPr rtlCol="0" anchor="ctr"/>
+            <a:lstStyle/>
+            <a:p>
+              <a:pPr algn="ctr"/>
+              <a:endParaRPr lang="en-US" dirty="0"/>
+            </a:p>
+          </p:txBody>
+        </p:sp>
+        <p:cxnSp>
+          <p:nvCxnSpPr>
+            <p:cNvPr id="31" name="Straight Connector 30"/>
+            <p:cNvCxnSpPr/>
+            <p:nvPr/>
+          </p:nvCxnSpPr>
+          <p:spPr>
+            <a:xfrm flipV="1">
+              <a:off x="261257" y="1569232"/>
+              <a:ext cx="989694" cy="10188"/>
+            </a:xfrm>
+            <a:prstGeom prst="line">
+              <a:avLst/>
+            </a:prstGeom>
+            <a:ln>
+              <a:solidFill>
+                <a:schemeClr val="tx1"/>
+              </a:solidFill>
+            </a:ln>
+          </p:spPr>
+          <p:style>
+            <a:lnRef idx="1">
+              <a:schemeClr val="accent1"/>
+            </a:lnRef>
+            <a:fillRef idx="0">
+              <a:schemeClr val="accent1"/>
+            </a:fillRef>
+            <a:effectRef idx="0">
+              <a:schemeClr val="accent1"/>
+            </a:effectRef>
+            <a:fontRef idx="minor">
+              <a:schemeClr val="tx1"/>
+            </a:fontRef>
+          </p:style>
+        </p:cxnSp>
+        <p:sp>
+          <p:nvSpPr>
+            <p:cNvPr id="32" name="TextBox 31"/>
+            <p:cNvSpPr txBox="1"/>
+            <p:nvPr/>
+          </p:nvSpPr>
+          <p:spPr>
+            <a:xfrm>
+              <a:off x="245672" y="1334737"/>
+              <a:ext cx="1010278" cy="215444"/>
+            </a:xfrm>
+            <a:prstGeom prst="rect">
+              <a:avLst/>
+            </a:prstGeom>
+            <a:noFill/>
+          </p:spPr>
+          <p:txBody>
+            <a:bodyPr wrap="none" rtlCol="0">
+              <a:spAutoFit/>
+            </a:bodyPr>
+            <a:lstStyle/>
+            <a:p>
+              <a:r>
+                <a:rPr lang="en-US" sz="800" dirty="0" err="1" smtClean="0"/>
+                <a:t>process_gsa_contracts</a:t>
+              </a:r>
+              <a:r>
+                <a:rPr lang="en-US" sz="800" dirty="0" smtClean="0"/>
+                <a:t>()</a:t>
+              </a:r>
+              <a:endParaRPr lang="en-US" sz="800" dirty="0"/>
+            </a:p>
+          </p:txBody>
+        </p:sp>
+        <p:sp>
+          <p:nvSpPr>
+            <p:cNvPr id="33" name="TextBox 32"/>
+            <p:cNvSpPr txBox="1"/>
+            <p:nvPr/>
+          </p:nvSpPr>
+          <p:spPr>
+            <a:xfrm>
+              <a:off x="212725" y="1584619"/>
+              <a:ext cx="1122953" cy="523220"/>
+            </a:xfrm>
+            <a:prstGeom prst="rect">
+              <a:avLst/>
+            </a:prstGeom>
+            <a:noFill/>
+          </p:spPr>
+          <p:txBody>
+            <a:bodyPr wrap="none" rtlCol="0">
+              <a:spAutoFit/>
+            </a:bodyPr>
+            <a:lstStyle/>
+            <a:p>
+              <a:r>
+                <a:rPr lang="en-US" sz="700" dirty="0" smtClean="0"/>
+                <a:t>Pre: ETL</a:t>
+              </a:r>
+            </a:p>
+            <a:p>
+              <a:r>
+                <a:rPr lang="en-US" sz="700" dirty="0" smtClean="0"/>
+                <a:t>Post: 1. Master addressability</a:t>
+              </a:r>
+            </a:p>
+            <a:p>
+              <a:r>
+                <a:rPr lang="en-US" sz="700" dirty="0" smtClean="0"/>
+                <a:t>              Matrix</a:t>
+              </a:r>
+            </a:p>
+            <a:p>
+              <a:r>
+                <a:rPr lang="en-US" sz="700" dirty="0" smtClean="0"/>
+                <a:t>          2. Contract addressability</a:t>
+              </a:r>
+              <a:endParaRPr lang="en-US" sz="700" dirty="0"/>
+            </a:p>
+          </p:txBody>
+        </p:sp>
+      </p:grpSp>
+      <p:grpSp>
+        <p:nvGrpSpPr>
+          <p:cNvPr id="34" name="Group 33"/>
+          <p:cNvGrpSpPr/>
+          <p:nvPr/>
+        </p:nvGrpSpPr>
+        <p:grpSpPr>
+          <a:xfrm>
+            <a:off x="5494526" y="4104862"/>
+            <a:ext cx="1326004" cy="938516"/>
+            <a:chOff x="212725" y="1334737"/>
+            <a:chExt cx="1122953" cy="773102"/>
+          </a:xfrm>
+        </p:grpSpPr>
+        <p:sp>
+          <p:nvSpPr>
+            <p:cNvPr id="35" name="Rounded Rectangle 34"/>
+            <p:cNvSpPr/>
+            <p:nvPr/>
+          </p:nvSpPr>
+          <p:spPr>
+            <a:xfrm>
+              <a:off x="261257" y="1353788"/>
+              <a:ext cx="989694" cy="675038"/>
+            </a:xfrm>
+            <a:prstGeom prst="roundRect">
+              <a:avLst/>
+            </a:prstGeom>
+          </p:spPr>
+          <p:style>
+            <a:lnRef idx="2">
+              <a:schemeClr val="accent1">
+                <a:shade val="50000"/>
+              </a:schemeClr>
+            </a:lnRef>
+            <a:fillRef idx="1">
+              <a:schemeClr val="accent1"/>
+            </a:fillRef>
+            <a:effectRef idx="0">
+              <a:schemeClr val="accent1"/>
+            </a:effectRef>
+            <a:fontRef idx="minor">
+              <a:schemeClr val="lt1"/>
+            </a:fontRef>
+          </p:style>
+          <p:txBody>
+            <a:bodyPr rtlCol="0" anchor="ctr"/>
+            <a:lstStyle/>
+            <a:p>
+              <a:pPr algn="ctr"/>
+              <a:endParaRPr lang="en-US" dirty="0"/>
+            </a:p>
+          </p:txBody>
+        </p:sp>
+        <p:cxnSp>
+          <p:nvCxnSpPr>
+            <p:cNvPr id="36" name="Straight Connector 35"/>
+            <p:cNvCxnSpPr/>
+            <p:nvPr/>
+          </p:nvCxnSpPr>
+          <p:spPr>
+            <a:xfrm flipV="1">
+              <a:off x="261257" y="1569232"/>
+              <a:ext cx="989694" cy="10188"/>
+            </a:xfrm>
+            <a:prstGeom prst="line">
+              <a:avLst/>
+            </a:prstGeom>
+            <a:ln>
+              <a:solidFill>
+                <a:schemeClr val="tx1"/>
+              </a:solidFill>
+            </a:ln>
+          </p:spPr>
+          <p:style>
+            <a:lnRef idx="1">
+              <a:schemeClr val="accent1"/>
+            </a:lnRef>
+            <a:fillRef idx="0">
+              <a:schemeClr val="accent1"/>
+            </a:fillRef>
+            <a:effectRef idx="0">
+              <a:schemeClr val="accent1"/>
+            </a:effectRef>
+            <a:fontRef idx="minor">
+              <a:schemeClr val="tx1"/>
+            </a:fontRef>
+          </p:style>
+        </p:cxnSp>
+        <p:sp>
+          <p:nvSpPr>
+            <p:cNvPr id="37" name="TextBox 36"/>
+            <p:cNvSpPr txBox="1"/>
+            <p:nvPr/>
+          </p:nvSpPr>
+          <p:spPr>
+            <a:xfrm>
+              <a:off x="245672" y="1334737"/>
+              <a:ext cx="996702" cy="177472"/>
+            </a:xfrm>
+            <a:prstGeom prst="rect">
+              <a:avLst/>
+            </a:prstGeom>
+            <a:noFill/>
+          </p:spPr>
+          <p:txBody>
+            <a:bodyPr wrap="none" rtlCol="0">
+              <a:spAutoFit/>
+            </a:bodyPr>
+            <a:lstStyle/>
+            <a:p>
+              <a:r>
+                <a:rPr lang="en-US" sz="800" dirty="0" err="1" smtClean="0"/>
+                <a:t>process_bic_contracts</a:t>
+              </a:r>
+              <a:r>
+                <a:rPr lang="en-US" sz="800" dirty="0" smtClean="0"/>
+                <a:t>()</a:t>
+              </a:r>
+              <a:endParaRPr lang="en-US" sz="800" dirty="0"/>
+            </a:p>
+          </p:txBody>
+        </p:sp>
+        <p:sp>
+          <p:nvSpPr>
+            <p:cNvPr id="38" name="TextBox 37"/>
+            <p:cNvSpPr txBox="1"/>
+            <p:nvPr/>
+          </p:nvSpPr>
+          <p:spPr>
+            <a:xfrm>
+              <a:off x="212725" y="1584619"/>
+              <a:ext cx="1122953" cy="523220"/>
+            </a:xfrm>
+            <a:prstGeom prst="rect">
+              <a:avLst/>
+            </a:prstGeom>
+            <a:noFill/>
+          </p:spPr>
+          <p:txBody>
+            <a:bodyPr wrap="none" rtlCol="0">
+              <a:spAutoFit/>
+            </a:bodyPr>
+            <a:lstStyle/>
+            <a:p>
+              <a:r>
+                <a:rPr lang="en-US" sz="700" dirty="0" smtClean="0"/>
+                <a:t>Pre: ETL</a:t>
+              </a:r>
+            </a:p>
+            <a:p>
+              <a:r>
+                <a:rPr lang="en-US" sz="700" dirty="0" smtClean="0"/>
+                <a:t>Post: 1. Master addressability</a:t>
+              </a:r>
+            </a:p>
+            <a:p>
+              <a:r>
+                <a:rPr lang="en-US" sz="700" dirty="0" smtClean="0"/>
+                <a:t>              Matrix</a:t>
+              </a:r>
+            </a:p>
+            <a:p>
+              <a:r>
+                <a:rPr lang="en-US" sz="700" dirty="0" smtClean="0"/>
+                <a:t>          2. Contract addressability</a:t>
+              </a:r>
+              <a:endParaRPr lang="en-US" sz="700" dirty="0"/>
+            </a:p>
+          </p:txBody>
+        </p:sp>
+      </p:grpSp>
     </p:spTree>
     <p:extLst>
       <p:ext uri="{BB962C8B-B14F-4D97-AF65-F5344CB8AC3E}">
         <p14:creationId xmlns:p14="http://schemas.microsoft.com/office/powerpoint/2010/main" val="815903818"/>
+      </p:ext>
+    </p:extLst>
+  </p:cSld>
+  <p:clrMapOvr>
+    <a:masterClrMapping/>
+  </p:clrMapOvr>
+  <p:timing>
+    <p:tnLst>
+      <p:par>
+        <p:cTn id="1" dur="indefinite" restart="never" nodeType="tmRoot"/>
+      </p:par>
+    </p:tnLst>
+  </p:timing>
+</p:sld>
+</file>
+
+<file path=ppt/slides/slide15.xml><?xml version="1.0" encoding="utf-8"?>
+<p:sld xmlns:a="http://schemas.openxmlformats.org/drawingml/2006/main" xmlns:r="http://schemas.openxmlformats.org/officeDocument/2006/relationships" xmlns:p="http://schemas.openxmlformats.org/presentationml/2006/main">
+  <p:cSld>
+    <p:spTree>
+      <p:nvGrpSpPr>
+        <p:cNvPr id="1" name=""/>
+        <p:cNvGrpSpPr/>
+        <p:nvPr/>
+      </p:nvGrpSpPr>
+      <p:grpSpPr>
+        <a:xfrm>
+          <a:off x="0" y="0"/>
+          <a:ext cx="0" cy="0"/>
+          <a:chOff x="0" y="0"/>
+          <a:chExt cx="0" cy="0"/>
+        </a:xfrm>
+      </p:grpSpPr>
+      <p:sp>
+        <p:nvSpPr>
+          <p:cNvPr id="2" name="Title 1"/>
+          <p:cNvSpPr>
+            <a:spLocks noGrp="1"/>
+          </p:cNvSpPr>
+          <p:nvPr>
+            <p:ph type="title"/>
+          </p:nvPr>
+        </p:nvSpPr>
+        <p:spPr/>
+        <p:txBody>
+          <a:bodyPr/>
+          <a:lstStyle/>
+          <a:p>
+            <a:r>
+              <a:rPr lang="en-US" dirty="0"/>
+              <a:t>Architecture </a:t>
+            </a:r>
+            <a:r>
+              <a:rPr lang="en-US" dirty="0" smtClean="0"/>
+              <a:t>Ramifications:</a:t>
+            </a:r>
+            <a:endParaRPr lang="en-US" dirty="0"/>
+          </a:p>
+        </p:txBody>
+      </p:sp>
+      <p:sp>
+        <p:nvSpPr>
+          <p:cNvPr id="3" name="Content Placeholder 2"/>
+          <p:cNvSpPr>
+            <a:spLocks noGrp="1"/>
+          </p:cNvSpPr>
+          <p:nvPr>
+            <p:ph idx="1"/>
+          </p:nvPr>
+        </p:nvSpPr>
+        <p:spPr/>
+        <p:txBody>
+          <a:bodyPr/>
+          <a:lstStyle/>
+          <a:p>
+            <a:pPr lvl="1"/>
+            <a:r>
+              <a:rPr lang="en-US" dirty="0" smtClean="0"/>
+              <a:t>Contract Inventory is embedded each row of GWCM data set</a:t>
+            </a:r>
+          </a:p>
+          <a:p>
+            <a:pPr lvl="2"/>
+            <a:r>
+              <a:rPr lang="en-US" dirty="0" smtClean="0"/>
+              <a:t>Joined from GWCM contract inventory</a:t>
+            </a:r>
+          </a:p>
+          <a:p>
+            <a:pPr lvl="2"/>
+            <a:r>
+              <a:rPr lang="en-US" dirty="0" smtClean="0"/>
+              <a:t>GWCM contract inventory built upon CART inventory and Agency data calls and updates.</a:t>
+            </a:r>
+          </a:p>
+          <a:p>
+            <a:pPr lvl="1"/>
+            <a:r>
+              <a:rPr lang="en-US" dirty="0" smtClean="0"/>
+              <a:t>GWCM and CART contract inventory must become unified in its implementation and maintenance.</a:t>
+            </a:r>
+          </a:p>
+          <a:p>
+            <a:pPr lvl="1"/>
+            <a:r>
+              <a:rPr lang="en-US" dirty="0" smtClean="0"/>
+              <a:t>Recommendation:</a:t>
+            </a:r>
+            <a:endParaRPr lang="en-US" dirty="0"/>
+          </a:p>
+          <a:p>
+            <a:pPr lvl="2"/>
+            <a:r>
+              <a:rPr lang="en-US" dirty="0" smtClean="0"/>
+              <a:t>CASE participate in GWCM’s FY18 contract inventory activity to ensure seamless merging of CART contract inventory with existing GWCM and new Agency inputs. </a:t>
+            </a:r>
+          </a:p>
+          <a:p>
+            <a:pPr lvl="2"/>
+            <a:r>
+              <a:rPr lang="en-US" dirty="0" smtClean="0"/>
+              <a:t>GWCM PMO expose resulting contract inventory in LDE for CART utilization.</a:t>
+            </a:r>
+          </a:p>
+        </p:txBody>
+      </p:sp>
+    </p:spTree>
+    <p:extLst>
+      <p:ext uri="{BB962C8B-B14F-4D97-AF65-F5344CB8AC3E}">
+        <p14:creationId xmlns:p14="http://schemas.microsoft.com/office/powerpoint/2010/main" val="1005180553"/>
+      </p:ext>
+    </p:extLst>
+  </p:cSld>
+  <p:clrMapOvr>
+    <a:masterClrMapping/>
+  </p:clrMapOvr>
+  <p:timing>
+    <p:tnLst>
+      <p:par>
+        <p:cTn id="1" dur="indefinite" restart="never" nodeType="tmRoot"/>
+      </p:par>
+    </p:tnLst>
+  </p:timing>
+</p:sld>
+</file>
+
+<file path=ppt/slides/slide16.xml><?xml version="1.0" encoding="utf-8"?>
+<p:sld xmlns:a="http://schemas.openxmlformats.org/drawingml/2006/main" xmlns:r="http://schemas.openxmlformats.org/officeDocument/2006/relationships" xmlns:p="http://schemas.openxmlformats.org/presentationml/2006/main">
+  <p:cSld>
+    <p:spTree>
+      <p:nvGrpSpPr>
+        <p:cNvPr id="1" name=""/>
+        <p:cNvGrpSpPr/>
+        <p:nvPr/>
+      </p:nvGrpSpPr>
+      <p:grpSpPr>
+        <a:xfrm>
+          <a:off x="0" y="0"/>
+          <a:ext cx="0" cy="0"/>
+          <a:chOff x="0" y="0"/>
+          <a:chExt cx="0" cy="0"/>
+        </a:xfrm>
+      </p:grpSpPr>
+      <p:sp>
+        <p:nvSpPr>
+          <p:cNvPr id="2" name="Title 1"/>
+          <p:cNvSpPr>
+            <a:spLocks noGrp="1"/>
+          </p:cNvSpPr>
+          <p:nvPr>
+            <p:ph type="title"/>
+          </p:nvPr>
+        </p:nvSpPr>
+        <p:spPr/>
+        <p:txBody>
+          <a:bodyPr/>
+          <a:lstStyle/>
+          <a:p>
+            <a:r>
+              <a:rPr lang="en-US" dirty="0" smtClean="0"/>
+              <a:t>Architecture Ramifications Cont’d</a:t>
+            </a:r>
+            <a:endParaRPr lang="en-US" dirty="0"/>
+          </a:p>
+        </p:txBody>
+      </p:sp>
+      <p:sp>
+        <p:nvSpPr>
+          <p:cNvPr id="3" name="Content Placeholder 2"/>
+          <p:cNvSpPr>
+            <a:spLocks noGrp="1"/>
+          </p:cNvSpPr>
+          <p:nvPr>
+            <p:ph idx="1"/>
+          </p:nvPr>
+        </p:nvSpPr>
+        <p:spPr/>
+        <p:txBody>
+          <a:bodyPr/>
+          <a:lstStyle/>
+          <a:p>
+            <a:r>
+              <a:rPr lang="en-US" dirty="0" smtClean="0"/>
+              <a:t>Key enabling product </a:t>
+            </a:r>
+          </a:p>
+          <a:p>
+            <a:pPr lvl="1"/>
+            <a:r>
+              <a:rPr lang="en-US" dirty="0" smtClean="0"/>
+              <a:t>Master addressability matrix</a:t>
+            </a:r>
+          </a:p>
+          <a:p>
+            <a:pPr lvl="1"/>
+            <a:r>
+              <a:rPr lang="en-US" dirty="0" smtClean="0"/>
+              <a:t>Can be ingested in to any system</a:t>
+            </a:r>
+          </a:p>
+          <a:p>
+            <a:pPr lvl="2"/>
+            <a:r>
+              <a:rPr lang="en-US" dirty="0" smtClean="0"/>
+              <a:t>Tableau</a:t>
+            </a:r>
+          </a:p>
+          <a:p>
+            <a:pPr lvl="2"/>
+            <a:r>
+              <a:rPr lang="en-US" dirty="0" smtClean="0"/>
+              <a:t>Micro-strategy</a:t>
+            </a:r>
+          </a:p>
+          <a:p>
+            <a:pPr lvl="2"/>
+            <a:r>
+              <a:rPr lang="en-US" dirty="0" smtClean="0"/>
+              <a:t>Development platforms: R, Python, Scala, Java</a:t>
+            </a:r>
+          </a:p>
+          <a:p>
+            <a:pPr lvl="1"/>
+            <a:r>
+              <a:rPr lang="en-US" dirty="0" smtClean="0"/>
+              <a:t>Can then subsequently be used to calculate addressability for any scope of transactions. </a:t>
+            </a:r>
+          </a:p>
+        </p:txBody>
+      </p:sp>
+    </p:spTree>
+    <p:extLst>
+      <p:ext uri="{BB962C8B-B14F-4D97-AF65-F5344CB8AC3E}">
+        <p14:creationId xmlns:p14="http://schemas.microsoft.com/office/powerpoint/2010/main" val="1752083930"/>
+      </p:ext>
+    </p:extLst>
+  </p:cSld>
+  <p:clrMapOvr>
+    <a:masterClrMapping/>
+  </p:clrMapOvr>
+  <p:timing>
+    <p:tnLst>
+      <p:par>
+        <p:cTn id="1" dur="indefinite" restart="never" nodeType="tmRoot"/>
+      </p:par>
+    </p:tnLst>
+  </p:timing>
+</p:sld>
+</file>
+
+<file path=ppt/slides/slide17.xml><?xml version="1.0" encoding="utf-8"?>
+<p:sld xmlns:a="http://schemas.openxmlformats.org/drawingml/2006/main" xmlns:r="http://schemas.openxmlformats.org/officeDocument/2006/relationships" xmlns:p="http://schemas.openxmlformats.org/presentationml/2006/main">
+  <p:cSld>
+    <p:spTree>
+      <p:nvGrpSpPr>
+        <p:cNvPr id="1" name=""/>
+        <p:cNvGrpSpPr/>
+        <p:nvPr/>
+      </p:nvGrpSpPr>
+      <p:grpSpPr>
+        <a:xfrm>
+          <a:off x="0" y="0"/>
+          <a:ext cx="0" cy="0"/>
+          <a:chOff x="0" y="0"/>
+          <a:chExt cx="0" cy="0"/>
+        </a:xfrm>
+      </p:grpSpPr>
+      <p:sp>
+        <p:nvSpPr>
+          <p:cNvPr id="2" name="Title 1"/>
+          <p:cNvSpPr>
+            <a:spLocks noGrp="1"/>
+          </p:cNvSpPr>
+          <p:nvPr>
+            <p:ph type="title"/>
+          </p:nvPr>
+        </p:nvSpPr>
+        <p:spPr/>
+        <p:txBody>
+          <a:bodyPr/>
+          <a:lstStyle/>
+          <a:p>
+            <a:pPr algn="ctr"/>
+            <a:r>
+              <a:rPr lang="en-US" dirty="0" smtClean="0"/>
+              <a:t>Summary</a:t>
+            </a:r>
+            <a:endParaRPr lang="en-US" dirty="0"/>
+          </a:p>
+        </p:txBody>
+      </p:sp>
+      <p:sp>
+        <p:nvSpPr>
+          <p:cNvPr id="3" name="Content Placeholder 2"/>
+          <p:cNvSpPr>
+            <a:spLocks noGrp="1"/>
+          </p:cNvSpPr>
+          <p:nvPr>
+            <p:ph idx="1"/>
+          </p:nvPr>
+        </p:nvSpPr>
+        <p:spPr/>
+        <p:txBody>
+          <a:bodyPr/>
+          <a:lstStyle/>
+          <a:p>
+            <a:r>
+              <a:rPr lang="en-US" dirty="0" smtClean="0"/>
+              <a:t>We have defined a framework which:</a:t>
+            </a:r>
+          </a:p>
+          <a:p>
+            <a:pPr lvl="1"/>
+            <a:r>
+              <a:rPr lang="en-US" dirty="0" smtClean="0"/>
+              <a:t>Allows the production of an ”addressability matrix”</a:t>
+            </a:r>
+          </a:p>
+          <a:p>
+            <a:pPr lvl="1"/>
+            <a:r>
+              <a:rPr lang="en-US" dirty="0" smtClean="0"/>
+              <a:t>Supports addressability matrix tuning based on acquisition SME observation of intended addressability</a:t>
+            </a:r>
+          </a:p>
+          <a:p>
+            <a:pPr lvl="2"/>
+            <a:r>
+              <a:rPr lang="en-US" dirty="0" smtClean="0"/>
+              <a:t>Tuning can occur in terms of pilot addressability factors or others that may be deemed more appropriate</a:t>
+            </a:r>
+          </a:p>
+          <a:p>
+            <a:pPr lvl="1"/>
+            <a:r>
+              <a:rPr lang="en-US" dirty="0" smtClean="0"/>
+              <a:t>Provides the addressability matrix as a product which can be easily imported in a variety of tools for addressability calculation</a:t>
+            </a:r>
+            <a:r>
+              <a:rPr lang="mr-IN" dirty="0" smtClean="0"/>
+              <a:t>…</a:t>
+            </a:r>
+            <a:r>
+              <a:rPr lang="en-US" dirty="0" smtClean="0"/>
+              <a:t> </a:t>
+            </a:r>
+            <a:r>
+              <a:rPr lang="en-US" dirty="0" err="1" smtClean="0"/>
+              <a:t>ie</a:t>
+            </a:r>
+            <a:r>
+              <a:rPr lang="en-US" dirty="0" smtClean="0"/>
+              <a:t> Tableau, Micro-Strategy</a:t>
+            </a:r>
+          </a:p>
+          <a:p>
+            <a:pPr lvl="2"/>
+            <a:r>
+              <a:rPr lang="en-US" dirty="0" smtClean="0"/>
+              <a:t>The final calculation is carried out as a filtering operation in the platform from which end users consume specific business unit products.</a:t>
+            </a:r>
+          </a:p>
+          <a:p>
+            <a:pPr lvl="1"/>
+            <a:r>
+              <a:rPr lang="en-US" dirty="0" smtClean="0"/>
+              <a:t>Provides flexible organizational scopes for addressability calculation.</a:t>
+            </a:r>
+          </a:p>
+          <a:p>
+            <a:pPr lvl="1"/>
+            <a:endParaRPr lang="en-US" dirty="0" smtClean="0"/>
+          </a:p>
+          <a:p>
+            <a:pPr lvl="1"/>
+            <a:endParaRPr lang="en-US" dirty="0"/>
+          </a:p>
+        </p:txBody>
+      </p:sp>
+    </p:spTree>
+    <p:extLst>
+      <p:ext uri="{BB962C8B-B14F-4D97-AF65-F5344CB8AC3E}">
+        <p14:creationId xmlns:p14="http://schemas.microsoft.com/office/powerpoint/2010/main" val="2054036962"/>
+      </p:ext>
+    </p:extLst>
+  </p:cSld>
+  <p:clrMapOvr>
+    <a:masterClrMapping/>
+  </p:clrMapOvr>
+  <p:timing>
+    <p:tnLst>
+      <p:par>
+        <p:cTn id="1" dur="indefinite" restart="never" nodeType="tmRoot"/>
+      </p:par>
+    </p:tnLst>
+  </p:timing>
+</p:sld>
+</file>
+
+<file path=ppt/slides/slide18.xml><?xml version="1.0" encoding="utf-8"?>
+<p:sld xmlns:a="http://schemas.openxmlformats.org/drawingml/2006/main" xmlns:r="http://schemas.openxmlformats.org/officeDocument/2006/relationships" xmlns:p="http://schemas.openxmlformats.org/presentationml/2006/main">
+  <p:cSld>
+    <p:spTree>
+      <p:nvGrpSpPr>
+        <p:cNvPr id="1" name=""/>
+        <p:cNvGrpSpPr/>
+        <p:nvPr/>
+      </p:nvGrpSpPr>
+      <p:grpSpPr>
+        <a:xfrm>
+          <a:off x="0" y="0"/>
+          <a:ext cx="0" cy="0"/>
+          <a:chOff x="0" y="0"/>
+          <a:chExt cx="0" cy="0"/>
+        </a:xfrm>
+      </p:grpSpPr>
+      <p:sp>
+        <p:nvSpPr>
+          <p:cNvPr id="2" name="Title 1"/>
+          <p:cNvSpPr>
+            <a:spLocks noGrp="1"/>
+          </p:cNvSpPr>
+          <p:nvPr>
+            <p:ph type="title"/>
+          </p:nvPr>
+        </p:nvSpPr>
+        <p:spPr/>
+        <p:txBody>
+          <a:bodyPr/>
+          <a:lstStyle/>
+          <a:p>
+            <a:pPr algn="ctr"/>
+            <a:r>
+              <a:rPr lang="en-US" dirty="0" smtClean="0"/>
+              <a:t>Recommendations</a:t>
+            </a:r>
+            <a:endParaRPr lang="en-US" dirty="0"/>
+          </a:p>
+        </p:txBody>
+      </p:sp>
+      <p:sp>
+        <p:nvSpPr>
+          <p:cNvPr id="3" name="Content Placeholder 2"/>
+          <p:cNvSpPr>
+            <a:spLocks noGrp="1"/>
+          </p:cNvSpPr>
+          <p:nvPr>
+            <p:ph idx="1"/>
+          </p:nvPr>
+        </p:nvSpPr>
+        <p:spPr/>
+        <p:txBody>
+          <a:bodyPr/>
+          <a:lstStyle/>
+          <a:p>
+            <a:r>
+              <a:rPr lang="en-US" dirty="0" smtClean="0"/>
+              <a:t>CASE </a:t>
+            </a:r>
+            <a:r>
+              <a:rPr lang="en-US" dirty="0"/>
+              <a:t>verify socio-economic factors </a:t>
+            </a:r>
+            <a:r>
+              <a:rPr lang="en-US" dirty="0" smtClean="0"/>
+              <a:t>for use in addressability matrix construction.</a:t>
+            </a:r>
+          </a:p>
+          <a:p>
+            <a:r>
+              <a:rPr lang="en-US" dirty="0"/>
+              <a:t>For those addressability values that require adjustment of the matrix, request CASE provide list of </a:t>
+            </a:r>
+            <a:r>
+              <a:rPr lang="en-US" dirty="0" err="1"/>
+              <a:t>psc’s</a:t>
+            </a:r>
+            <a:r>
+              <a:rPr lang="en-US" dirty="0"/>
+              <a:t> </a:t>
+            </a:r>
+            <a:r>
+              <a:rPr lang="en-US" dirty="0" err="1"/>
+              <a:t>naics</a:t>
+            </a:r>
+            <a:r>
+              <a:rPr lang="en-US" dirty="0"/>
+              <a:t> that should be </a:t>
+            </a:r>
+            <a:r>
+              <a:rPr lang="en-US" dirty="0" smtClean="0"/>
+              <a:t>added</a:t>
+            </a:r>
+          </a:p>
+          <a:p>
+            <a:pPr lvl="1"/>
+            <a:r>
+              <a:rPr lang="en-US" dirty="0" smtClean="0"/>
+              <a:t>As </a:t>
+            </a:r>
+            <a:r>
+              <a:rPr lang="en-US" dirty="0"/>
+              <a:t>a baseline we </a:t>
+            </a:r>
+            <a:r>
+              <a:rPr lang="en-US" dirty="0" smtClean="0"/>
+              <a:t>can use the standards presented at: </a:t>
+            </a:r>
+            <a:r>
+              <a:rPr lang="en-US" u="sng" dirty="0">
+                <a:hlinkClick r:id="rId3"/>
+              </a:rPr>
+              <a:t>https://hallways.cap.gsa.gov/app/#/</a:t>
+            </a:r>
+            <a:r>
+              <a:rPr lang="en-US" u="sng" dirty="0" smtClean="0">
+                <a:hlinkClick r:id="rId3"/>
+              </a:rPr>
+              <a:t>solutionsfinder/21</a:t>
+            </a:r>
+            <a:endParaRPr lang="en-US" u="sng" dirty="0" smtClean="0"/>
+          </a:p>
+          <a:p>
+            <a:r>
+              <a:rPr lang="en-US" dirty="0" smtClean="0"/>
+              <a:t>CASE developers work with GWCM on unified contract inventory</a:t>
+            </a:r>
+          </a:p>
+          <a:p>
+            <a:endParaRPr lang="en-US" dirty="0"/>
+          </a:p>
+          <a:p>
+            <a:endParaRPr lang="en-US" dirty="0" smtClean="0"/>
+          </a:p>
+          <a:p>
+            <a:endParaRPr lang="en-US" dirty="0"/>
+          </a:p>
+        </p:txBody>
+      </p:sp>
+    </p:spTree>
+    <p:extLst>
+      <p:ext uri="{BB962C8B-B14F-4D97-AF65-F5344CB8AC3E}">
+        <p14:creationId xmlns:p14="http://schemas.microsoft.com/office/powerpoint/2010/main" val="1505574647"/>
       </p:ext>
     </p:extLst>
   </p:cSld>
@@ -4201,7 +6593,7 @@
       </p:grpSpPr>
       <p:sp>
         <p:nvSpPr>
-          <p:cNvPr id="11265" name="Title 1"/>
+          <p:cNvPr id="10241" name="Title 1"/>
           <p:cNvSpPr>
             <a:spLocks noGrp="1"/>
           </p:cNvSpPr>
@@ -4219,14 +6611,14 @@
                 <a:latin typeface="Arial" charset="0"/>
                 <a:cs typeface="Arial" charset="0"/>
               </a:rPr>
-              <a:t>Background</a:t>
-            </a:r>
-          </a:p>
-        </p:txBody>
-      </p:sp>
-      <p:sp>
-        <p:nvSpPr>
-          <p:cNvPr id="19458" name="Content Placeholder 2"/>
+              <a:t>Agenda</a:t>
+            </a:r>
+          </a:p>
+        </p:txBody>
+      </p:sp>
+      <p:sp>
+        <p:nvSpPr>
+          <p:cNvPr id="18434" name="Content Placeholder 2"/>
           <p:cNvSpPr>
             <a:spLocks noGrp="1"/>
           </p:cNvSpPr>
@@ -4237,11 +6629,22 @@
         <p:spPr/>
         <p:txBody>
           <a:bodyPr>
-            <a:normAutofit fontScale="70000" lnSpcReduction="20000"/>
+            <a:normAutofit fontScale="92500" lnSpcReduction="20000"/>
           </a:bodyPr>
           <a:lstStyle/>
           <a:p>
-            <a:pPr>
+            <a:pPr marL="514350" indent="-514350" eaLnBrk="1" fontAlgn="auto" hangingPunct="1">
+              <a:lnSpc>
+                <a:spcPct val="100000"/>
+              </a:lnSpc>
+              <a:spcBef>
+                <a:spcPts val="0"/>
+              </a:spcBef>
+              <a:spcAft>
+                <a:spcPts val="0"/>
+              </a:spcAft>
+              <a:buFont typeface="+mj-lt"/>
+              <a:buAutoNum type="arabicPeriod"/>
               <a:defRPr/>
             </a:pPr>
             <a:r>
@@ -4249,11 +6652,22 @@
                 <a:latin typeface="Arial" charset="0"/>
                 <a:cs typeface="Arial" charset="0"/>
               </a:rPr>
-              <a:t>Initial Addressable Market Calculations</a:t>
-            </a:r>
-          </a:p>
-          <a:p>
-            <a:pPr lvl="1">
+              <a:t>Background</a:t>
+            </a:r>
+          </a:p>
+          <a:p>
+            <a:pPr marL="514350" indent="-514350" eaLnBrk="1" fontAlgn="auto" hangingPunct="1">
+              <a:lnSpc>
+                <a:spcPct val="100000"/>
+              </a:lnSpc>
+              <a:spcBef>
+                <a:spcPts val="0"/>
+              </a:spcBef>
+              <a:spcAft>
+                <a:spcPts val="0"/>
+              </a:spcAft>
+              <a:buFont typeface="+mj-lt"/>
+              <a:buAutoNum type="arabicPeriod"/>
               <a:defRPr/>
             </a:pPr>
             <a:r>
@@ -4261,11 +6675,22 @@
                 <a:latin typeface="Arial" charset="0"/>
                 <a:cs typeface="Arial" charset="0"/>
               </a:rPr>
-              <a:t>Driven by coarse grained PSC only bucketing of transactions</a:t>
-            </a:r>
-          </a:p>
-          <a:p>
-            <a:pPr lvl="1">
+              <a:t>Conceptual Approach</a:t>
+            </a:r>
+          </a:p>
+          <a:p>
+            <a:pPr marL="514350" indent="-514350" eaLnBrk="1" fontAlgn="auto" hangingPunct="1">
+              <a:lnSpc>
+                <a:spcPct val="100000"/>
+              </a:lnSpc>
+              <a:spcBef>
+                <a:spcPts val="0"/>
+              </a:spcBef>
+              <a:spcAft>
+                <a:spcPts val="0"/>
+              </a:spcAft>
+              <a:buFont typeface="+mj-lt"/>
+              <a:buAutoNum type="arabicPeriod"/>
               <a:defRPr/>
             </a:pPr>
             <a:r>
@@ -4273,35 +6698,66 @@
                 <a:latin typeface="Arial" charset="0"/>
                 <a:cs typeface="Arial" charset="0"/>
               </a:rPr>
-              <a:t>Varied inputs across differing contract solutions</a:t>
-            </a:r>
-          </a:p>
-          <a:p>
-            <a:pPr lvl="2">
+              <a:t>Implementation</a:t>
+            </a:r>
+          </a:p>
+          <a:p>
+            <a:pPr marL="971550" lvl="1" indent="-514350" eaLnBrk="1" fontAlgn="auto" hangingPunct="1">
+              <a:lnSpc>
+                <a:spcPct val="100000"/>
+              </a:lnSpc>
+              <a:spcBef>
+                <a:spcPts val="0"/>
+              </a:spcBef>
+              <a:spcAft>
+                <a:spcPts val="0"/>
+              </a:spcAft>
+              <a:buFont typeface="+mj-lt"/>
+              <a:buAutoNum type="alphaLcParenR"/>
               <a:defRPr/>
             </a:pPr>
+            <a:r>
+              <a:rPr lang="en-US" altLang="en-US" dirty="0">
+                <a:latin typeface="Arial" charset="0"/>
+                <a:cs typeface="Arial" charset="0"/>
+              </a:rPr>
+              <a:t>Product or Service Code </a:t>
+            </a:r>
             <a:r>
               <a:rPr lang="en-US" altLang="en-US" dirty="0" smtClean="0">
                 <a:latin typeface="Arial" charset="0"/>
                 <a:cs typeface="Arial" charset="0"/>
               </a:rPr>
-              <a:t>Transaction history</a:t>
-            </a:r>
-          </a:p>
-          <a:p>
-            <a:pPr lvl="2">
-              <a:defRPr/>
-            </a:pPr>
+              <a:t>and </a:t>
+            </a:r>
+            <a:r>
+              <a:rPr lang="en-US" altLang="en-US" dirty="0">
+                <a:latin typeface="Arial" charset="0"/>
+                <a:cs typeface="Arial" charset="0"/>
+              </a:rPr>
+              <a:t>North American Industry Classification </a:t>
+            </a:r>
             <a:r>
               <a:rPr lang="en-US" altLang="en-US" dirty="0" smtClean="0">
                 <a:latin typeface="Arial" charset="0"/>
                 <a:cs typeface="Arial" charset="0"/>
               </a:rPr>
-              <a:t>Category targets for markets within a contract solution</a:t>
-            </a:r>
-          </a:p>
-          <a:p>
-            <a:pPr lvl="1">
+              <a:t>System bucketing</a:t>
+            </a:r>
+          </a:p>
+          <a:p>
+            <a:pPr marL="971550" lvl="1" indent="-514350" eaLnBrk="1" fontAlgn="auto" hangingPunct="1">
+              <a:lnSpc>
+                <a:spcPct val="100000"/>
+              </a:lnSpc>
+              <a:spcBef>
+                <a:spcPts val="0"/>
+              </a:spcBef>
+              <a:spcAft>
+                <a:spcPts val="0"/>
+              </a:spcAft>
+              <a:buFont typeface="+mj-lt"/>
+              <a:buAutoNum type="alphaLcParenR"/>
               <a:defRPr/>
             </a:pPr>
             <a:r>
@@ -4309,11 +6765,22 @@
                 <a:latin typeface="Arial" charset="0"/>
                 <a:cs typeface="Arial" charset="0"/>
               </a:rPr>
-              <a:t>Problem: </a:t>
-            </a:r>
-          </a:p>
-          <a:p>
-            <a:pPr lvl="2">
+              <a:t>Socio-economic factor screening</a:t>
+            </a:r>
+          </a:p>
+          <a:p>
+            <a:pPr marL="971550" lvl="1" indent="-514350" eaLnBrk="1" fontAlgn="auto" hangingPunct="1">
+              <a:lnSpc>
+                <a:spcPct val="100000"/>
+              </a:lnSpc>
+              <a:spcBef>
+                <a:spcPts val="0"/>
+              </a:spcBef>
+              <a:spcAft>
+                <a:spcPts val="0"/>
+              </a:spcAft>
+              <a:buFont typeface="+mj-lt"/>
+              <a:buAutoNum type="alphaLcParenR"/>
               <a:defRPr/>
             </a:pPr>
             <a:r>
@@ -4321,11 +6788,22 @@
                 <a:latin typeface="Arial" charset="0"/>
                 <a:cs typeface="Arial" charset="0"/>
               </a:rPr>
-              <a:t>*Inconsistent implementation across differing contract solutions</a:t>
-            </a:r>
-          </a:p>
-          <a:p>
-            <a:pPr lvl="2">
+              <a:t>Low frequency signature screening</a:t>
+            </a:r>
+          </a:p>
+          <a:p>
+            <a:pPr marL="971550" lvl="1" indent="-514350" eaLnBrk="1" fontAlgn="auto" hangingPunct="1">
+              <a:lnSpc>
+                <a:spcPct val="100000"/>
+              </a:lnSpc>
+              <a:spcBef>
+                <a:spcPts val="0"/>
+              </a:spcBef>
+              <a:spcAft>
+                <a:spcPts val="0"/>
+              </a:spcAft>
+              <a:buFont typeface="+mj-lt"/>
+              <a:buAutoNum type="alphaLcParenR"/>
               <a:defRPr/>
             </a:pPr>
             <a:r>
@@ -4333,11 +6811,22 @@
                 <a:latin typeface="Arial" charset="0"/>
                 <a:cs typeface="Arial" charset="0"/>
               </a:rPr>
-              <a:t>Due to course nature of PSC based internal markets within contract solutions, addressable obligations inherently over-estimated.</a:t>
-            </a:r>
-          </a:p>
-          <a:p>
-            <a:pPr>
+              <a:t>Addressability signature augmentation.</a:t>
+            </a:r>
+          </a:p>
+          <a:p>
+            <a:pPr marL="514350" indent="-514350" eaLnBrk="1" fontAlgn="auto" hangingPunct="1">
+              <a:lnSpc>
+                <a:spcPct val="100000"/>
+              </a:lnSpc>
+              <a:spcBef>
+                <a:spcPts val="0"/>
+              </a:spcBef>
+              <a:spcAft>
+                <a:spcPts val="0"/>
+              </a:spcAft>
+              <a:buFont typeface="+mj-lt"/>
+              <a:buAutoNum type="arabicPeriod"/>
               <a:defRPr/>
             </a:pPr>
             <a:r>
@@ -4345,35 +6834,82 @@
                 <a:latin typeface="Arial" charset="0"/>
                 <a:cs typeface="Arial" charset="0"/>
               </a:rPr>
-              <a:t>Initial Government-Wide Addressable Market Calculations</a:t>
-            </a:r>
-          </a:p>
-          <a:p>
-            <a:pPr lvl="1">
+              <a:t>Comparative analysis of proposed method against:</a:t>
+            </a:r>
+          </a:p>
+          <a:p>
+            <a:pPr marL="971550" lvl="1" indent="-514350" eaLnBrk="1" fontAlgn="auto" hangingPunct="1">
+              <a:lnSpc>
+                <a:spcPct val="100000"/>
+              </a:lnSpc>
+              <a:spcBef>
+                <a:spcPts val="0"/>
+              </a:spcBef>
+              <a:spcAft>
+                <a:spcPts val="0"/>
+              </a:spcAft>
+              <a:buFont typeface="+mj-lt"/>
+              <a:buAutoNum type="alphaLcParenR"/>
               <a:defRPr/>
             </a:pPr>
+            <a:r>
+              <a:rPr lang="en-US" altLang="en-US" dirty="0">
+                <a:latin typeface="Arial" charset="0"/>
+                <a:cs typeface="Arial" charset="0"/>
+              </a:rPr>
+              <a:t>Product or Service </a:t>
+            </a:r>
             <a:r>
               <a:rPr lang="en-US" altLang="en-US" dirty="0" smtClean="0">
                 <a:latin typeface="Arial" charset="0"/>
                 <a:cs typeface="Arial" charset="0"/>
               </a:rPr>
-              <a:t>Decomposed markets within a contract solution in to PSC-NAICS bindings. </a:t>
-            </a:r>
-          </a:p>
-          <a:p>
-            <a:pPr lvl="1">
+              <a:t>Code addressability</a:t>
+            </a:r>
+          </a:p>
+          <a:p>
+            <a:pPr marL="971550" lvl="1" indent="-514350" eaLnBrk="1" fontAlgn="auto" hangingPunct="1">
+              <a:lnSpc>
+                <a:spcPct val="100000"/>
+              </a:lnSpc>
+              <a:spcBef>
+                <a:spcPts val="0"/>
+              </a:spcBef>
+              <a:spcAft>
+                <a:spcPts val="0"/>
+              </a:spcAft>
+              <a:buFont typeface="+mj-lt"/>
+              <a:buAutoNum type="alphaLcParenR"/>
               <a:defRPr/>
             </a:pPr>
+            <a:r>
+              <a:rPr lang="en-US" altLang="en-US" dirty="0">
+                <a:latin typeface="Arial" charset="0"/>
+                <a:cs typeface="Arial" charset="0"/>
+              </a:rPr>
+              <a:t>Product or Service Code and North American Industry </a:t>
+            </a:r>
             <a:r>
               <a:rPr lang="en-US" altLang="en-US" dirty="0" smtClean="0">
                 <a:latin typeface="Arial" charset="0"/>
                 <a:cs typeface="Arial" charset="0"/>
               </a:rPr>
-              <a:t>Two versions emerged: </a:t>
-            </a:r>
-          </a:p>
-          <a:p>
-            <a:pPr lvl="2">
+              <a:t>Classification</a:t>
+            </a:r>
+          </a:p>
+          <a:p>
+            <a:pPr marL="971550" lvl="1" indent="-514350" eaLnBrk="1" fontAlgn="auto" hangingPunct="1">
+              <a:lnSpc>
+                <a:spcPct val="100000"/>
+              </a:lnSpc>
+              <a:spcBef>
+                <a:spcPts val="0"/>
+              </a:spcBef>
+              <a:spcAft>
+                <a:spcPts val="0"/>
+              </a:spcAft>
+              <a:buFont typeface="+mj-lt"/>
+              <a:buAutoNum type="alphaLcParenR"/>
               <a:defRPr/>
             </a:pPr>
             <a:r>
@@ -4381,23 +6917,36 @@
                 <a:latin typeface="Arial" charset="0"/>
                 <a:cs typeface="Arial" charset="0"/>
               </a:rPr>
-              <a:t>Pure PSC-NAICS based addressable market calculation</a:t>
-            </a:r>
-          </a:p>
-          <a:p>
-            <a:pPr lvl="2">
-              <a:defRPr/>
-            </a:pPr>
+              <a:t>Product or Service Code and </a:t>
+            </a:r>
+            <a:r>
+              <a:rPr lang="en-US" altLang="en-US" dirty="0">
+                <a:latin typeface="Arial" charset="0"/>
+                <a:cs typeface="Arial" charset="0"/>
+              </a:rPr>
+              <a:t>North American Industry </a:t>
+            </a:r>
             <a:r>
               <a:rPr lang="en-US" altLang="en-US" dirty="0" smtClean="0">
                 <a:latin typeface="Arial" charset="0"/>
                 <a:cs typeface="Arial" charset="0"/>
               </a:rPr>
-              <a:t>PSC-NAICS with duplicate addressable market attribution going to the largest of the contract solutions that obligations are addressable to.</a:t>
-            </a:r>
-          </a:p>
-          <a:p>
-            <a:pPr>
+              <a:t>Classification w/ contract selection.</a:t>
+            </a:r>
+          </a:p>
+          <a:p>
+            <a:pPr marL="514350" indent="-514350" eaLnBrk="1" fontAlgn="auto" hangingPunct="1">
+              <a:lnSpc>
+                <a:spcPct val="100000"/>
+              </a:lnSpc>
+              <a:spcBef>
+                <a:spcPts val="0"/>
+              </a:spcBef>
+              <a:spcAft>
+                <a:spcPts val="0"/>
+              </a:spcAft>
+              <a:buFont typeface="+mj-lt"/>
+              <a:buAutoNum type="arabicPeriod"/>
               <a:defRPr/>
             </a:pPr>
             <a:r>
@@ -4405,22 +6954,35 @@
                 <a:latin typeface="Arial" charset="0"/>
                 <a:cs typeface="Arial" charset="0"/>
               </a:rPr>
-              <a:t>These observations led to collaboration between GWCM, CASE and Contract Solution representatives to produce a more robust methodology that could be consistently applied to GSA and Government-Wide Best In Class contract </a:t>
-            </a:r>
-            <a:r>
-              <a:rPr lang="en-US" altLang="en-US" dirty="0">
-                <a:latin typeface="Arial" charset="0"/>
-                <a:cs typeface="Arial" charset="0"/>
-              </a:rPr>
-              <a:t>s</a:t>
-            </a:r>
+              <a:t>Summary</a:t>
+            </a:r>
+          </a:p>
+          <a:p>
+            <a:pPr marL="514350" indent="-514350" eaLnBrk="1" fontAlgn="auto" hangingPunct="1">
+              <a:lnSpc>
+                <a:spcPct val="100000"/>
+              </a:lnSpc>
+              <a:spcBef>
+                <a:spcPts val="0"/>
+              </a:spcBef>
+              <a:spcAft>
+                <a:spcPts val="0"/>
+              </a:spcAft>
+              <a:buFont typeface="+mj-lt"/>
+              <a:buAutoNum type="arabicPeriod"/>
+              <a:defRPr/>
+            </a:pPr>
             <a:r>
               <a:rPr lang="en-US" altLang="en-US" dirty="0" smtClean="0">
                 <a:latin typeface="Arial" charset="0"/>
                 <a:cs typeface="Arial" charset="0"/>
               </a:rPr>
-              <a:t>olutions. </a:t>
-            </a:r>
+              <a:t>Recommendation</a:t>
+            </a:r>
+            <a:endParaRPr lang="en-US" altLang="en-US" dirty="0">
+              <a:latin typeface="Arial" charset="0"/>
+              <a:cs typeface="Arial" charset="0"/>
+            </a:endParaRPr>
           </a:p>
         </p:txBody>
       </p:sp>
@@ -4458,7 +7020,7 @@
       </p:grpSpPr>
       <p:sp>
         <p:nvSpPr>
-          <p:cNvPr id="20481" name="Title 1"/>
+          <p:cNvPr id="11265" name="Title 1"/>
           <p:cNvSpPr>
             <a:spLocks noGrp="1"/>
           </p:cNvSpPr>
@@ -4476,97 +7038,208 @@
                 <a:latin typeface="Arial" charset="0"/>
                 <a:cs typeface="Arial" charset="0"/>
               </a:rPr>
-              <a:t>High Level Model Overview</a:t>
-            </a:r>
-          </a:p>
-        </p:txBody>
-      </p:sp>
-      <p:pic>
-        <p:nvPicPr>
-          <p:cNvPr id="2" name="Picture 1"/>
-          <p:cNvPicPr>
-            <a:picLocks noChangeAspect="1"/>
-          </p:cNvPicPr>
-          <p:nvPr/>
-        </p:nvPicPr>
-        <p:blipFill>
-          <a:blip r:embed="rId2">
-            <a:extLst>
-              <a:ext uri="{28A0092B-C50C-407E-A947-70E740481C1C}">
-                <a14:useLocalDpi xmlns:a14="http://schemas.microsoft.com/office/drawing/2010/main" val="0"/>
-              </a:ext>
-            </a:extLst>
-          </a:blip>
-          <a:stretch>
-            <a:fillRect/>
-          </a:stretch>
-        </p:blipFill>
-        <p:spPr>
-          <a:xfrm>
-            <a:off x="1151536" y="1239128"/>
-            <a:ext cx="9431520" cy="4562065"/>
-          </a:xfrm>
-          <a:prstGeom prst="rect">
-            <a:avLst/>
-          </a:prstGeom>
-        </p:spPr>
-      </p:pic>
-      <p:sp>
-        <p:nvSpPr>
-          <p:cNvPr id="3" name="Rectangle 2"/>
-          <p:cNvSpPr/>
-          <p:nvPr/>
-        </p:nvSpPr>
-        <p:spPr>
-          <a:xfrm>
-            <a:off x="3847606" y="3075710"/>
-            <a:ext cx="1284575" cy="1107996"/>
-          </a:xfrm>
-          <a:prstGeom prst="rect">
-            <a:avLst/>
-          </a:prstGeom>
-          <a:noFill/>
-        </p:spPr>
-        <p:txBody>
-          <a:bodyPr wrap="square" lIns="91440" tIns="45720" rIns="91440" bIns="45720">
-            <a:spAutoFit/>
+              <a:t>Background</a:t>
+            </a:r>
+          </a:p>
+        </p:txBody>
+      </p:sp>
+      <p:sp>
+        <p:nvSpPr>
+          <p:cNvPr id="19458" name="Content Placeholder 2"/>
+          <p:cNvSpPr>
+            <a:spLocks noGrp="1"/>
+          </p:cNvSpPr>
+          <p:nvPr>
+            <p:ph idx="1"/>
+          </p:nvPr>
+        </p:nvSpPr>
+        <p:spPr/>
+        <p:txBody>
+          <a:bodyPr>
+            <a:normAutofit fontScale="70000" lnSpcReduction="20000"/>
           </a:bodyPr>
           <a:lstStyle/>
           <a:p>
-            <a:pPr algn="ctr"/>
-            <a:r>
-              <a:rPr lang="en-US" sz="6600" b="1" cap="none" spc="0" dirty="0" smtClean="0">
-                <a:ln w="22225">
-                  <a:solidFill>
-                    <a:schemeClr val="accent2"/>
-                  </a:solidFill>
-                  <a:prstDash val="solid"/>
-                </a:ln>
-                <a:solidFill>
-                  <a:schemeClr val="accent2">
-                    <a:lumMod val="40000"/>
-                    <a:lumOff val="60000"/>
-                  </a:schemeClr>
-                </a:solidFill>
-                <a:effectLst/>
+            <a:pPr>
+              <a:defRPr/>
+            </a:pPr>
+            <a:r>
+              <a:rPr lang="en-US" altLang="en-US" dirty="0" smtClean="0">
+                <a:latin typeface="Arial" charset="0"/>
+                <a:cs typeface="Arial" charset="0"/>
               </a:rPr>
-              <a:t>X</a:t>
-            </a:r>
-            <a:endParaRPr lang="en-US" sz="6600" b="1" cap="none" spc="0" dirty="0">
-              <a:ln w="22225">
-                <a:solidFill>
-                  <a:schemeClr val="accent2"/>
-                </a:solidFill>
-                <a:prstDash val="solid"/>
-              </a:ln>
-              <a:solidFill>
-                <a:schemeClr val="accent2">
-                  <a:lumMod val="40000"/>
-                  <a:lumOff val="60000"/>
-                </a:schemeClr>
-              </a:solidFill>
-              <a:effectLst/>
-            </a:endParaRPr>
+              <a:t>Initial Addressable Market Calculations</a:t>
+            </a:r>
+          </a:p>
+          <a:p>
+            <a:pPr lvl="1">
+              <a:defRPr/>
+            </a:pPr>
+            <a:r>
+              <a:rPr lang="en-US" altLang="en-US" dirty="0" smtClean="0">
+                <a:latin typeface="Arial" charset="0"/>
+                <a:cs typeface="Arial" charset="0"/>
+              </a:rPr>
+              <a:t>Driven by coarse grained PSC only bucketing of transactions</a:t>
+            </a:r>
+          </a:p>
+          <a:p>
+            <a:pPr lvl="1">
+              <a:defRPr/>
+            </a:pPr>
+            <a:r>
+              <a:rPr lang="en-US" altLang="en-US" dirty="0" smtClean="0">
+                <a:latin typeface="Arial" charset="0"/>
+                <a:cs typeface="Arial" charset="0"/>
+              </a:rPr>
+              <a:t>Varied inputs across differing contract solutions</a:t>
+            </a:r>
+          </a:p>
+          <a:p>
+            <a:pPr lvl="2">
+              <a:defRPr/>
+            </a:pPr>
+            <a:r>
+              <a:rPr lang="en-US" altLang="en-US" dirty="0" smtClean="0">
+                <a:latin typeface="Arial" charset="0"/>
+                <a:cs typeface="Arial" charset="0"/>
+              </a:rPr>
+              <a:t>Transaction history</a:t>
+            </a:r>
+          </a:p>
+          <a:p>
+            <a:pPr lvl="2">
+              <a:defRPr/>
+            </a:pPr>
+            <a:r>
+              <a:rPr lang="en-US" altLang="en-US" dirty="0" smtClean="0">
+                <a:latin typeface="Arial" charset="0"/>
+                <a:cs typeface="Arial" charset="0"/>
+              </a:rPr>
+              <a:t>Category targets for markets within a contract solution</a:t>
+            </a:r>
+          </a:p>
+          <a:p>
+            <a:pPr lvl="1">
+              <a:defRPr/>
+            </a:pPr>
+            <a:r>
+              <a:rPr lang="en-US" altLang="en-US" dirty="0" smtClean="0">
+                <a:latin typeface="Arial" charset="0"/>
+                <a:cs typeface="Arial" charset="0"/>
+              </a:rPr>
+              <a:t>Problem: </a:t>
+            </a:r>
+          </a:p>
+          <a:p>
+            <a:pPr lvl="2">
+              <a:defRPr/>
+            </a:pPr>
+            <a:r>
+              <a:rPr lang="en-US" altLang="en-US" dirty="0" smtClean="0">
+                <a:latin typeface="Arial" charset="0"/>
+                <a:cs typeface="Arial" charset="0"/>
+              </a:rPr>
+              <a:t>*Inconsistent implementation across differing contract solutions</a:t>
+            </a:r>
+          </a:p>
+          <a:p>
+            <a:pPr lvl="2">
+              <a:defRPr/>
+            </a:pPr>
+            <a:r>
+              <a:rPr lang="en-US" altLang="en-US" dirty="0" smtClean="0">
+                <a:latin typeface="Arial" charset="0"/>
+                <a:cs typeface="Arial" charset="0"/>
+              </a:rPr>
+              <a:t>Due to coarse nature of PSC based internal markets within contract solutions, addressable obligations inherently over-estimated.</a:t>
+            </a:r>
+          </a:p>
+          <a:p>
+            <a:pPr>
+              <a:defRPr/>
+            </a:pPr>
+            <a:r>
+              <a:rPr lang="en-US" altLang="en-US" dirty="0" smtClean="0">
+                <a:latin typeface="Arial" charset="0"/>
+                <a:cs typeface="Arial" charset="0"/>
+              </a:rPr>
+              <a:t>Initial Government-Wide Addressable Market Calculations</a:t>
+            </a:r>
+          </a:p>
+          <a:p>
+            <a:pPr lvl="1">
+              <a:defRPr/>
+            </a:pPr>
+            <a:r>
+              <a:rPr lang="en-US" altLang="en-US" dirty="0" smtClean="0">
+                <a:latin typeface="Arial" charset="0"/>
+                <a:cs typeface="Arial" charset="0"/>
+              </a:rPr>
+              <a:t>Decomposed markets within a contract solution in to PSC-NAICS bindings. </a:t>
+            </a:r>
+          </a:p>
+          <a:p>
+            <a:pPr lvl="1">
+              <a:defRPr/>
+            </a:pPr>
+            <a:r>
+              <a:rPr lang="en-US" altLang="en-US" dirty="0" smtClean="0">
+                <a:latin typeface="Arial" charset="0"/>
+                <a:cs typeface="Arial" charset="0"/>
+              </a:rPr>
+              <a:t>Two versions emerged: </a:t>
+            </a:r>
+          </a:p>
+          <a:p>
+            <a:pPr lvl="2">
+              <a:defRPr/>
+            </a:pPr>
+            <a:r>
+              <a:rPr lang="en-US" altLang="en-US" dirty="0" smtClean="0">
+                <a:latin typeface="Arial" charset="0"/>
+                <a:cs typeface="Arial" charset="0"/>
+              </a:rPr>
+              <a:t>Pure PSC-NAICS based addressable market calculation</a:t>
+            </a:r>
+          </a:p>
+          <a:p>
+            <a:pPr lvl="2">
+              <a:defRPr/>
+            </a:pPr>
+            <a:r>
+              <a:rPr lang="en-US" altLang="en-US" dirty="0" smtClean="0">
+                <a:latin typeface="Arial" charset="0"/>
+                <a:cs typeface="Arial" charset="0"/>
+              </a:rPr>
+              <a:t>PSC-NAICS with duplicate addressable market attribution going to the largest of the contract solutions that obligations are addressable to.</a:t>
+            </a:r>
+          </a:p>
+          <a:p>
+            <a:pPr>
+              <a:defRPr/>
+            </a:pPr>
+            <a:r>
+              <a:rPr lang="en-US" altLang="en-US" dirty="0" smtClean="0">
+                <a:latin typeface="Arial" charset="0"/>
+                <a:cs typeface="Arial" charset="0"/>
+              </a:rPr>
+              <a:t>These observations led to collaboration between GWCM, CASE and Contract Solution representatives to produce a more robust methodology that could be consistently applied to GSA and Government-Wide Best In Class contract </a:t>
+            </a:r>
+            <a:r>
+              <a:rPr lang="en-US" altLang="en-US" dirty="0">
+                <a:latin typeface="Arial" charset="0"/>
+                <a:cs typeface="Arial" charset="0"/>
+              </a:rPr>
+              <a:t>s</a:t>
+            </a:r>
+            <a:r>
+              <a:rPr lang="en-US" altLang="en-US" dirty="0" smtClean="0">
+                <a:latin typeface="Arial" charset="0"/>
+                <a:cs typeface="Arial" charset="0"/>
+              </a:rPr>
+              <a:t>olutions. </a:t>
+            </a:r>
           </a:p>
         </p:txBody>
       </p:sp>
@@ -4604,7 +7277,7 @@
       </p:grpSpPr>
       <p:sp>
         <p:nvSpPr>
-          <p:cNvPr id="21505" name="Title 1"/>
+          <p:cNvPr id="20481" name="Title 1"/>
           <p:cNvSpPr>
             <a:spLocks noGrp="1"/>
           </p:cNvSpPr>
@@ -4622,124 +7295,96 @@
                 <a:latin typeface="Arial" charset="0"/>
                 <a:cs typeface="Arial" charset="0"/>
               </a:rPr>
-              <a:t>Conceptual Approach</a:t>
-            </a:r>
-          </a:p>
-        </p:txBody>
-      </p:sp>
-      <p:sp>
-        <p:nvSpPr>
-          <p:cNvPr id="21506" name="Content Placeholder 2"/>
-          <p:cNvSpPr>
-            <a:spLocks noGrp="1"/>
-          </p:cNvSpPr>
-          <p:nvPr>
-            <p:ph idx="1"/>
-          </p:nvPr>
-        </p:nvSpPr>
-        <p:spPr/>
-        <p:txBody>
-          <a:bodyPr/>
+              <a:t>High Level Model Overview</a:t>
+            </a:r>
+          </a:p>
+        </p:txBody>
+      </p:sp>
+      <p:pic>
+        <p:nvPicPr>
+          <p:cNvPr id="2" name="Picture 1"/>
+          <p:cNvPicPr>
+            <a:picLocks noChangeAspect="1"/>
+          </p:cNvPicPr>
+          <p:nvPr/>
+        </p:nvPicPr>
+        <p:blipFill>
+          <a:blip r:embed="rId2">
+            <a:extLst>
+              <a:ext uri="{28A0092B-C50C-407E-A947-70E740481C1C}">
+                <a14:useLocalDpi xmlns:a14="http://schemas.microsoft.com/office/drawing/2010/main" val="0"/>
+              </a:ext>
+            </a:extLst>
+          </a:blip>
+          <a:stretch>
+            <a:fillRect/>
+          </a:stretch>
+        </p:blipFill>
+        <p:spPr>
+          <a:xfrm>
+            <a:off x="1151536" y="1239128"/>
+            <a:ext cx="9431520" cy="4562065"/>
+          </a:xfrm>
+          <a:prstGeom prst="rect">
+            <a:avLst/>
+          </a:prstGeom>
+        </p:spPr>
+      </p:pic>
+      <p:sp>
+        <p:nvSpPr>
+          <p:cNvPr id="3" name="Rectangle 2"/>
+          <p:cNvSpPr/>
+          <p:nvPr/>
+        </p:nvSpPr>
+        <p:spPr>
+          <a:xfrm>
+            <a:off x="3847606" y="3075710"/>
+            <a:ext cx="1284575" cy="1107996"/>
+          </a:xfrm>
+          <a:prstGeom prst="rect">
+            <a:avLst/>
+          </a:prstGeom>
+          <a:noFill/>
+        </p:spPr>
+        <p:txBody>
+          <a:bodyPr wrap="square" lIns="91440" tIns="45720" rIns="91440" bIns="45720">
+            <a:spAutoFit/>
+          </a:bodyPr>
           <a:lstStyle/>
           <a:p>
-            <a:r>
-              <a:rPr lang="en-US" altLang="en-US" dirty="0">
-                <a:latin typeface="Arial" charset="0"/>
-                <a:cs typeface="Arial" charset="0"/>
+            <a:pPr algn="ctr"/>
+            <a:r>
+              <a:rPr lang="en-US" sz="6600" b="1" cap="none" spc="0" dirty="0" smtClean="0">
+                <a:ln w="22225">
+                  <a:solidFill>
+                    <a:schemeClr val="accent2"/>
+                  </a:solidFill>
+                  <a:prstDash val="solid"/>
+                </a:ln>
+                <a:solidFill>
+                  <a:schemeClr val="accent2">
+                    <a:lumMod val="40000"/>
+                    <a:lumOff val="60000"/>
+                  </a:schemeClr>
+                </a:solidFill>
+                <a:effectLst/>
               </a:rPr>
-              <a:t>Requirements: </a:t>
-            </a:r>
-          </a:p>
-          <a:p>
-            <a:pPr lvl="1"/>
-            <a:r>
-              <a:rPr lang="en-US" altLang="en-US" dirty="0">
-                <a:latin typeface="Arial" charset="0"/>
-                <a:cs typeface="Arial" charset="0"/>
-              </a:rPr>
-              <a:t>Demonstrate applicability to internal GSA contracts as well as BICs</a:t>
-            </a:r>
-          </a:p>
-          <a:p>
-            <a:pPr lvl="1"/>
-            <a:r>
-              <a:rPr lang="en-US" altLang="en-US" dirty="0">
-                <a:latin typeface="Arial" charset="0"/>
-                <a:cs typeface="Arial" charset="0"/>
-              </a:rPr>
-              <a:t>Apply PSC-NAICS bucketing as the minimum level of granularity when mapping transactions to markets</a:t>
-            </a:r>
-          </a:p>
-          <a:p>
-            <a:pPr lvl="1"/>
-            <a:r>
-              <a:rPr lang="en-US" altLang="en-US" dirty="0">
-                <a:latin typeface="Arial" charset="0"/>
-                <a:cs typeface="Arial" charset="0"/>
-              </a:rPr>
-              <a:t>Extend the definition of a market to </a:t>
-            </a:r>
-            <a:r>
-              <a:rPr lang="en-US" altLang="en-US" dirty="0" smtClean="0">
-                <a:latin typeface="Arial" charset="0"/>
-                <a:cs typeface="Arial" charset="0"/>
-              </a:rPr>
-              <a:t>encompass socio-economic </a:t>
-            </a:r>
-            <a:r>
-              <a:rPr lang="en-US" altLang="en-US" dirty="0">
-                <a:latin typeface="Arial" charset="0"/>
-                <a:cs typeface="Arial" charset="0"/>
-              </a:rPr>
-              <a:t>factors</a:t>
-            </a:r>
-          </a:p>
-          <a:p>
-            <a:pPr lvl="1"/>
-            <a:r>
-              <a:rPr lang="en-US" altLang="en-US" dirty="0">
-                <a:latin typeface="Arial" charset="0"/>
-                <a:cs typeface="Arial" charset="0"/>
-              </a:rPr>
-              <a:t>Mitigate the impact of erroneous transaction coding errors due to data entry</a:t>
-            </a:r>
-          </a:p>
-          <a:p>
-            <a:pPr lvl="1"/>
-            <a:r>
-              <a:rPr lang="en-US" altLang="en-US" dirty="0">
-                <a:latin typeface="Arial" charset="0"/>
-                <a:cs typeface="Arial" charset="0"/>
-              </a:rPr>
-              <a:t>Provide mechanism for augmenting transaction history in the generation of the addressability matrix such that internal contract solution market initiatives are observed. </a:t>
-            </a:r>
-            <a:endParaRPr lang="en-US" altLang="en-US" dirty="0" smtClean="0">
-              <a:latin typeface="Arial" charset="0"/>
-              <a:cs typeface="Arial" charset="0"/>
-            </a:endParaRPr>
-          </a:p>
-          <a:p>
-            <a:pPr lvl="2"/>
-            <a:r>
-              <a:rPr lang="en-US" altLang="en-US" dirty="0" smtClean="0">
-                <a:latin typeface="Arial" charset="0"/>
-                <a:cs typeface="Arial" charset="0"/>
-              </a:rPr>
-              <a:t>a) contract solution venture in to new or untapped market</a:t>
-            </a:r>
-          </a:p>
-          <a:p>
-            <a:pPr lvl="2"/>
-            <a:r>
-              <a:rPr lang="en-US" altLang="en-US" dirty="0" smtClean="0">
-                <a:latin typeface="Arial" charset="0"/>
-                <a:cs typeface="Arial" charset="0"/>
-              </a:rPr>
-              <a:t>b) new contract solution</a:t>
-            </a:r>
-            <a:endParaRPr lang="en-US" altLang="en-US" dirty="0">
-              <a:latin typeface="Arial" charset="0"/>
-              <a:cs typeface="Arial" charset="0"/>
+              <a:t>X</a:t>
+            </a:r>
+            <a:endParaRPr lang="en-US" sz="6600" b="1" cap="none" spc="0" dirty="0">
+              <a:ln w="22225">
+                <a:solidFill>
+                  <a:schemeClr val="accent2"/>
+                </a:solidFill>
+                <a:prstDash val="solid"/>
+              </a:ln>
+              <a:solidFill>
+                <a:schemeClr val="accent2">
+                  <a:lumMod val="40000"/>
+                  <a:lumOff val="60000"/>
+                </a:schemeClr>
+              </a:solidFill>
+              <a:effectLst/>
             </a:endParaRPr>
           </a:p>
         </p:txBody>
@@ -4778,7 +7423,7 @@
       </p:grpSpPr>
       <p:sp>
         <p:nvSpPr>
-          <p:cNvPr id="22529" name="Title 1"/>
+          <p:cNvPr id="21505" name="Title 1"/>
           <p:cNvSpPr>
             <a:spLocks noGrp="1"/>
           </p:cNvSpPr>
@@ -4792,146 +7437,129 @@
           <a:lstStyle/>
           <a:p>
             <a:r>
+              <a:rPr lang="en-US" altLang="en-US">
+                <a:latin typeface="Arial" charset="0"/>
+                <a:cs typeface="Arial" charset="0"/>
+              </a:rPr>
+              <a:t>Conceptual Approach</a:t>
+            </a:r>
+          </a:p>
+        </p:txBody>
+      </p:sp>
+      <p:sp>
+        <p:nvSpPr>
+          <p:cNvPr id="21506" name="Content Placeholder 2"/>
+          <p:cNvSpPr>
+            <a:spLocks noGrp="1"/>
+          </p:cNvSpPr>
+          <p:nvPr>
+            <p:ph idx="1"/>
+          </p:nvPr>
+        </p:nvSpPr>
+        <p:spPr/>
+        <p:txBody>
+          <a:bodyPr/>
+          <a:lstStyle/>
+          <a:p>
+            <a:r>
+              <a:rPr lang="en-US" altLang="en-US" dirty="0">
+                <a:latin typeface="Arial" charset="0"/>
+                <a:cs typeface="Arial" charset="0"/>
+              </a:rPr>
+              <a:t>Requirements: </a:t>
+            </a:r>
+          </a:p>
+          <a:p>
+            <a:pPr lvl="1"/>
+            <a:r>
+              <a:rPr lang="en-US" altLang="en-US" dirty="0">
+                <a:latin typeface="Arial" charset="0"/>
+                <a:cs typeface="Arial" charset="0"/>
+              </a:rPr>
+              <a:t>Demonstrate applicability to internal GSA contracts as well as BICs</a:t>
+            </a:r>
+          </a:p>
+          <a:p>
+            <a:pPr lvl="1"/>
+            <a:r>
+              <a:rPr lang="en-US" altLang="en-US" dirty="0">
+                <a:latin typeface="Arial" charset="0"/>
+                <a:cs typeface="Arial" charset="0"/>
+              </a:rPr>
+              <a:t>Apply PSC-NAICS bucketing as the minimum level of granularity when mapping transactions to markets</a:t>
+            </a:r>
+          </a:p>
+          <a:p>
+            <a:pPr lvl="1"/>
+            <a:r>
+              <a:rPr lang="en-US" altLang="en-US" dirty="0">
+                <a:latin typeface="Arial" charset="0"/>
+                <a:cs typeface="Arial" charset="0"/>
+              </a:rPr>
+              <a:t>Extend the definition of a market to </a:t>
+            </a:r>
+            <a:r>
               <a:rPr lang="en-US" altLang="en-US" dirty="0" smtClean="0">
                 <a:latin typeface="Arial" charset="0"/>
                 <a:cs typeface="Arial" charset="0"/>
               </a:rPr>
-              <a:t>The Addressability Matrix	</a:t>
+              <a:t>encompass socio-economic </a:t>
+            </a:r>
+            <a:r>
+              <a:rPr lang="en-US" altLang="en-US" dirty="0">
+                <a:latin typeface="Arial" charset="0"/>
+                <a:cs typeface="Arial" charset="0"/>
+              </a:rPr>
+              <a:t>factors</a:t>
+            </a:r>
+          </a:p>
+          <a:p>
+            <a:pPr lvl="1"/>
+            <a:r>
+              <a:rPr lang="en-US" altLang="en-US" dirty="0">
+                <a:latin typeface="Arial" charset="0"/>
+                <a:cs typeface="Arial" charset="0"/>
+              </a:rPr>
+              <a:t>Mitigate the impact of erroneous transaction coding errors due to data entry</a:t>
+            </a:r>
+          </a:p>
+          <a:p>
+            <a:pPr lvl="1"/>
+            <a:r>
+              <a:rPr lang="en-US" altLang="en-US" dirty="0">
+                <a:latin typeface="Arial" charset="0"/>
+                <a:cs typeface="Arial" charset="0"/>
+              </a:rPr>
+              <a:t>Provide mechanism for augmenting transaction history in the generation of the addressability matrix such that internal contract solution market initiatives are observed. </a:t>
+            </a:r>
+            <a:endParaRPr lang="en-US" altLang="en-US" dirty="0" smtClean="0">
+              <a:latin typeface="Arial" charset="0"/>
+              <a:cs typeface="Arial" charset="0"/>
+            </a:endParaRPr>
+          </a:p>
+          <a:p>
+            <a:pPr lvl="2"/>
+            <a:r>
+              <a:rPr lang="en-US" altLang="en-US" dirty="0" smtClean="0">
+                <a:latin typeface="Arial" charset="0"/>
+                <a:cs typeface="Arial" charset="0"/>
+              </a:rPr>
+              <a:t>a) contract solution venture in to new or untapped market</a:t>
+            </a:r>
+          </a:p>
+          <a:p>
+            <a:pPr lvl="2"/>
+            <a:r>
+              <a:rPr lang="en-US" altLang="en-US" dirty="0" smtClean="0">
+                <a:latin typeface="Arial" charset="0"/>
+                <a:cs typeface="Arial" charset="0"/>
+              </a:rPr>
+              <a:t>b) new contract solution</a:t>
             </a:r>
             <a:endParaRPr lang="en-US" altLang="en-US" dirty="0">
               <a:latin typeface="Arial" charset="0"/>
               <a:cs typeface="Arial" charset="0"/>
             </a:endParaRPr>
-          </a:p>
-        </p:txBody>
-      </p:sp>
-      <p:sp>
-        <p:nvSpPr>
-          <p:cNvPr id="5" name="TextBox 4"/>
-          <p:cNvSpPr txBox="1"/>
-          <p:nvPr/>
-        </p:nvSpPr>
-        <p:spPr>
-          <a:xfrm>
-            <a:off x="427511" y="1187534"/>
-            <a:ext cx="10842171" cy="3785652"/>
-          </a:xfrm>
-          <a:prstGeom prst="rect">
-            <a:avLst/>
-          </a:prstGeom>
-          <a:noFill/>
-        </p:spPr>
-        <p:txBody>
-          <a:bodyPr wrap="square" rtlCol="0">
-            <a:spAutoFit/>
-          </a:bodyPr>
-          <a:lstStyle/>
-          <a:p>
-            <a:pPr marL="285750" indent="-285750">
-              <a:buFont typeface="Arial" charset="0"/>
-              <a:buChar char="•"/>
-            </a:pPr>
-            <a:r>
-              <a:rPr lang="en-US" sz="2000" dirty="0" smtClean="0"/>
-              <a:t>List of unique transaction type specific signatures used characterize the internal markets of a contract solution</a:t>
-            </a:r>
-          </a:p>
-          <a:p>
-            <a:pPr marL="742950" lvl="1" indent="-285750">
-              <a:buFont typeface="Arial" charset="0"/>
-              <a:buChar char="•"/>
-            </a:pPr>
-            <a:r>
-              <a:rPr lang="en-US" sz="2000" dirty="0" smtClean="0"/>
-              <a:t>Tabular attribute based characterization of a contract solutions market. </a:t>
-            </a:r>
-          </a:p>
-          <a:p>
-            <a:pPr marL="742950" lvl="1" indent="-285750">
-              <a:buFont typeface="Arial" charset="0"/>
-              <a:buChar char="•"/>
-            </a:pPr>
-            <a:r>
-              <a:rPr lang="en-US" sz="2000" dirty="0" smtClean="0"/>
-              <a:t>Used to generalize addressable obligations against a subsequent subject year to produce addressable obligations.</a:t>
-            </a:r>
-          </a:p>
-          <a:p>
-            <a:pPr marL="285750" indent="-285750">
-              <a:buFont typeface="Arial" charset="0"/>
-              <a:buChar char="•"/>
-            </a:pPr>
-            <a:r>
-              <a:rPr lang="en-US" sz="2000" dirty="0" smtClean="0"/>
-              <a:t>Uses FPDS transaction attributes to identify the market in which a transaction lies</a:t>
-            </a:r>
-          </a:p>
-          <a:p>
-            <a:pPr marL="742950" lvl="1" indent="-285750">
-              <a:buFont typeface="Arial" charset="0"/>
-              <a:buChar char="•"/>
-            </a:pPr>
-            <a:r>
-              <a:rPr lang="en-US" sz="2000" dirty="0" smtClean="0"/>
-              <a:t>FPDS attributes selected for this proposal can and should be adjusted as necessary by acquisition SMEs.</a:t>
-            </a:r>
-          </a:p>
-          <a:p>
-            <a:pPr marL="742950" lvl="1" indent="-285750">
-              <a:buFont typeface="Arial" charset="0"/>
-              <a:buChar char="•"/>
-            </a:pPr>
-            <a:r>
-              <a:rPr lang="en-US" sz="2000" dirty="0" smtClean="0"/>
-              <a:t>Pilot factors: PSC, NAICs, small business </a:t>
-            </a:r>
-            <a:r>
-              <a:rPr lang="en-US" sz="2000" dirty="0" err="1" smtClean="0"/>
-              <a:t>goaling</a:t>
-            </a:r>
-            <a:r>
-              <a:rPr lang="en-US" sz="2000" dirty="0" smtClean="0"/>
-              <a:t> flag, </a:t>
-            </a:r>
-            <a:r>
-              <a:rPr lang="en-US" sz="2000" dirty="0" err="1" smtClean="0"/>
-              <a:t>women_owned_flag</a:t>
-            </a:r>
-            <a:r>
-              <a:rPr lang="en-US" sz="2000" dirty="0" smtClean="0"/>
-              <a:t>, </a:t>
-            </a:r>
-            <a:r>
-              <a:rPr lang="en-US" sz="2000" dirty="0" err="1" smtClean="0"/>
-              <a:t>veteran_owned_flag</a:t>
-            </a:r>
-            <a:r>
-              <a:rPr lang="en-US" sz="2000" dirty="0" smtClean="0"/>
-              <a:t>, </a:t>
-            </a:r>
-            <a:r>
-              <a:rPr lang="en-US" sz="2000" dirty="0" err="1" smtClean="0"/>
-              <a:t>minority_owned_business_flag</a:t>
-            </a:r>
-            <a:r>
-              <a:rPr lang="en-US" sz="2000" dirty="0" smtClean="0"/>
-              <a:t>, </a:t>
-            </a:r>
-            <a:r>
-              <a:rPr lang="en-US" sz="2000" dirty="0" err="1" smtClean="0"/>
-              <a:t>foreign_government</a:t>
-            </a:r>
-            <a:endParaRPr lang="en-US" sz="2000" dirty="0" smtClean="0"/>
-          </a:p>
-          <a:p>
-            <a:pPr marL="742950" lvl="1" indent="-285750">
-              <a:buFont typeface="Arial" charset="0"/>
-              <a:buChar char="•"/>
-            </a:pPr>
-            <a:r>
-              <a:rPr lang="en-US" sz="2000" dirty="0" smtClean="0"/>
-              <a:t>The addressability key serves as the filtering element that is unique to each factor combination within a contract solution </a:t>
-            </a:r>
           </a:p>
         </p:txBody>
       </p:sp>
@@ -4951,6 +7579,197 @@
 </file>
 
 <file path=ppt/slides/slide6.xml><?xml version="1.0" encoding="utf-8"?>
+<p:sld xmlns:a="http://schemas.openxmlformats.org/drawingml/2006/main" xmlns:r="http://schemas.openxmlformats.org/officeDocument/2006/relationships" xmlns:p="http://schemas.openxmlformats.org/presentationml/2006/main">
+  <p:cSld>
+    <p:spTree>
+      <p:nvGrpSpPr>
+        <p:cNvPr id="1" name=""/>
+        <p:cNvGrpSpPr/>
+        <p:nvPr/>
+      </p:nvGrpSpPr>
+      <p:grpSpPr>
+        <a:xfrm>
+          <a:off x="0" y="0"/>
+          <a:ext cx="0" cy="0"/>
+          <a:chOff x="0" y="0"/>
+          <a:chExt cx="0" cy="0"/>
+        </a:xfrm>
+      </p:grpSpPr>
+      <p:sp>
+        <p:nvSpPr>
+          <p:cNvPr id="22529" name="Title 1"/>
+          <p:cNvSpPr>
+            <a:spLocks noGrp="1"/>
+          </p:cNvSpPr>
+          <p:nvPr>
+            <p:ph type="title"/>
+          </p:nvPr>
+        </p:nvSpPr>
+        <p:spPr/>
+        <p:txBody>
+          <a:bodyPr/>
+          <a:lstStyle/>
+          <a:p>
+            <a:r>
+              <a:rPr lang="en-US" altLang="en-US" dirty="0" smtClean="0">
+                <a:latin typeface="Arial" charset="0"/>
+                <a:cs typeface="Arial" charset="0"/>
+              </a:rPr>
+              <a:t>The Addressability Matrix	</a:t>
+            </a:r>
+            <a:endParaRPr lang="en-US" altLang="en-US" dirty="0">
+              <a:latin typeface="Arial" charset="0"/>
+              <a:cs typeface="Arial" charset="0"/>
+            </a:endParaRPr>
+          </a:p>
+        </p:txBody>
+      </p:sp>
+      <p:sp>
+        <p:nvSpPr>
+          <p:cNvPr id="5" name="TextBox 4"/>
+          <p:cNvSpPr txBox="1"/>
+          <p:nvPr/>
+        </p:nvSpPr>
+        <p:spPr>
+          <a:xfrm>
+            <a:off x="427511" y="1187534"/>
+            <a:ext cx="10842171" cy="3785652"/>
+          </a:xfrm>
+          <a:prstGeom prst="rect">
+            <a:avLst/>
+          </a:prstGeom>
+          <a:noFill/>
+        </p:spPr>
+        <p:txBody>
+          <a:bodyPr wrap="square" rtlCol="0">
+            <a:spAutoFit/>
+          </a:bodyPr>
+          <a:lstStyle/>
+          <a:p>
+            <a:pPr marL="285750" indent="-285750">
+              <a:buFont typeface="Arial" charset="0"/>
+              <a:buChar char="•"/>
+            </a:pPr>
+            <a:r>
+              <a:rPr lang="en-US" sz="2000" dirty="0" smtClean="0"/>
+              <a:t>List of unique transaction type specific signatures used characterize the internal markets of a contract solution</a:t>
+            </a:r>
+          </a:p>
+          <a:p>
+            <a:pPr marL="742950" lvl="1" indent="-285750">
+              <a:buFont typeface="Arial" charset="0"/>
+              <a:buChar char="•"/>
+            </a:pPr>
+            <a:r>
+              <a:rPr lang="en-US" sz="2000" dirty="0" smtClean="0"/>
+              <a:t>Tabular attribute based characterization of a contract solutions market. </a:t>
+            </a:r>
+          </a:p>
+          <a:p>
+            <a:pPr marL="742950" lvl="1" indent="-285750">
+              <a:buFont typeface="Arial" charset="0"/>
+              <a:buChar char="•"/>
+            </a:pPr>
+            <a:r>
+              <a:rPr lang="en-US" sz="2000" dirty="0" smtClean="0"/>
+              <a:t>Used to generalize addressable obligations against a subsequent subject year to produce addressable obligations.</a:t>
+            </a:r>
+          </a:p>
+          <a:p>
+            <a:pPr marL="285750" indent="-285750">
+              <a:buFont typeface="Arial" charset="0"/>
+              <a:buChar char="•"/>
+            </a:pPr>
+            <a:r>
+              <a:rPr lang="en-US" sz="2000" dirty="0" smtClean="0"/>
+              <a:t>Uses FPDS transaction attributes to identify the market in which a transaction lies</a:t>
+            </a:r>
+          </a:p>
+          <a:p>
+            <a:pPr marL="742950" lvl="1" indent="-285750">
+              <a:buFont typeface="Arial" charset="0"/>
+              <a:buChar char="•"/>
+            </a:pPr>
+            <a:r>
+              <a:rPr lang="en-US" sz="2000" b="1" u="sng" dirty="0" smtClean="0"/>
+              <a:t>FPDS attributes selected for this proposal can and should be adjusted as necessary by acquisition SMEs.</a:t>
+            </a:r>
+          </a:p>
+          <a:p>
+            <a:pPr marL="742950" lvl="1" indent="-285750">
+              <a:buFont typeface="Arial" charset="0"/>
+              <a:buChar char="•"/>
+            </a:pPr>
+            <a:r>
+              <a:rPr lang="en-US" sz="2000" dirty="0" smtClean="0"/>
+              <a:t>Pilot factors: PSC, NAICs, small business </a:t>
+            </a:r>
+            <a:r>
+              <a:rPr lang="en-US" sz="2000" dirty="0" err="1" smtClean="0"/>
+              <a:t>goaling</a:t>
+            </a:r>
+            <a:r>
+              <a:rPr lang="en-US" sz="2000" dirty="0" smtClean="0"/>
+              <a:t> flag, </a:t>
+            </a:r>
+            <a:r>
+              <a:rPr lang="en-US" sz="2000" dirty="0" err="1" smtClean="0"/>
+              <a:t>women_owned_flag</a:t>
+            </a:r>
+            <a:r>
+              <a:rPr lang="en-US" sz="2000" dirty="0" smtClean="0"/>
+              <a:t>, </a:t>
+            </a:r>
+            <a:r>
+              <a:rPr lang="en-US" sz="2000" dirty="0" err="1" smtClean="0"/>
+              <a:t>veteran_owned_flag</a:t>
+            </a:r>
+            <a:r>
+              <a:rPr lang="en-US" sz="2000" dirty="0" smtClean="0"/>
+              <a:t>, </a:t>
+            </a:r>
+            <a:r>
+              <a:rPr lang="en-US" sz="2000" dirty="0" err="1" smtClean="0"/>
+              <a:t>minority_owned_business_flag</a:t>
+            </a:r>
+            <a:r>
+              <a:rPr lang="en-US" sz="2000" dirty="0" smtClean="0"/>
+              <a:t>, </a:t>
+            </a:r>
+            <a:r>
+              <a:rPr lang="en-US" sz="2000" dirty="0" err="1" smtClean="0"/>
+              <a:t>foreign_government</a:t>
+            </a:r>
+            <a:endParaRPr lang="en-US" sz="2000" dirty="0" smtClean="0"/>
+          </a:p>
+          <a:p>
+            <a:pPr marL="742950" lvl="1" indent="-285750">
+              <a:buFont typeface="Arial" charset="0"/>
+              <a:buChar char="•"/>
+            </a:pPr>
+            <a:r>
+              <a:rPr lang="en-US" sz="2000" dirty="0" smtClean="0"/>
+              <a:t>The addressability key serves as the filtering element that is unique to each factor combination within a contract solution </a:t>
+            </a:r>
+          </a:p>
+        </p:txBody>
+      </p:sp>
+    </p:spTree>
+  </p:cSld>
+  <p:clrMapOvr>
+    <a:masterClrMapping/>
+  </p:clrMapOvr>
+  <p:timing>
+    <p:tnLst>
+      <p:par>
+        <p:cTn id="1" dur="indefinite" restart="never" nodeType="tmRoot"/>
+      </p:par>
+    </p:tnLst>
+  </p:timing>
+</p:sld>
+</file>
+
+<file path=ppt/slides/slide7.xml><?xml version="1.0" encoding="utf-8"?>
 <p:sld xmlns:a="http://schemas.openxmlformats.org/drawingml/2006/main" xmlns:r="http://schemas.openxmlformats.org/officeDocument/2006/relationships" xmlns:p="http://schemas.openxmlformats.org/presentationml/2006/main">
   <p:cSld>
     <p:spTree>
@@ -5040,10 +7859,17 @@
   <p:clrMapOvr>
     <a:masterClrMapping/>
   </p:clrMapOvr>
+  <p:timing>
+    <p:tnLst>
+      <p:par>
+        <p:cTn id="1" dur="indefinite" restart="never" nodeType="tmRoot"/>
+      </p:par>
+    </p:tnLst>
+  </p:timing>
 </p:sld>
 </file>
 
-<file path=ppt/slides/slide7.xml><?xml version="1.0" encoding="utf-8"?>
+<file path=ppt/slides/slide8.xml><?xml version="1.0" encoding="utf-8"?>
 <p:sld xmlns:a="http://schemas.openxmlformats.org/drawingml/2006/main" xmlns:r="http://schemas.openxmlformats.org/officeDocument/2006/relationships" xmlns:p="http://schemas.openxmlformats.org/presentationml/2006/main">
   <p:cSld>
     <p:spTree>
@@ -5153,7 +7979,7 @@
           <p:nvPr/>
         </p:nvPicPr>
         <p:blipFill>
-          <a:blip r:embed="rId2">
+          <a:blip r:embed="rId3">
             <a:extLst>
               <a:ext uri="{28A0092B-C50C-407E-A947-70E740481C1C}">
                 <a14:useLocalDpi xmlns:a14="http://schemas.microsoft.com/office/drawing/2010/main" val="0"/>
@@ -5184,186 +8010,13 @@
   <p:clrMapOvr>
     <a:masterClrMapping/>
   </p:clrMapOvr>
-</p:sld>
-</file>
-
-<file path=ppt/slides/slide8.xml><?xml version="1.0" encoding="utf-8"?>
-<p:sld xmlns:a="http://schemas.openxmlformats.org/drawingml/2006/main" xmlns:r="http://schemas.openxmlformats.org/officeDocument/2006/relationships" xmlns:p="http://schemas.openxmlformats.org/presentationml/2006/main">
-  <p:cSld>
-    <p:spTree>
-      <p:nvGrpSpPr>
-        <p:cNvPr id="1" name=""/>
-        <p:cNvGrpSpPr/>
-        <p:nvPr/>
-      </p:nvGrpSpPr>
-      <p:grpSpPr>
-        <a:xfrm>
-          <a:off x="0" y="0"/>
-          <a:ext cx="0" cy="0"/>
-          <a:chOff x="0" y="0"/>
-          <a:chExt cx="0" cy="0"/>
-        </a:xfrm>
-      </p:grpSpPr>
-      <p:sp>
-        <p:nvSpPr>
-          <p:cNvPr id="2" name="Title 1"/>
-          <p:cNvSpPr>
-            <a:spLocks noGrp="1"/>
-          </p:cNvSpPr>
-          <p:nvPr>
-            <p:ph type="title"/>
-          </p:nvPr>
-        </p:nvSpPr>
-        <p:spPr/>
-        <p:txBody>
-          <a:bodyPr/>
-          <a:lstStyle/>
-          <a:p>
-            <a:r>
-              <a:rPr lang="en-US" dirty="0" smtClean="0"/>
-              <a:t>Addressability Matrix Frequency Filtering</a:t>
-            </a:r>
-            <a:endParaRPr lang="en-US" dirty="0"/>
-          </a:p>
-        </p:txBody>
-      </p:sp>
-      <p:sp>
-        <p:nvSpPr>
-          <p:cNvPr id="3" name="Content Placeholder 2"/>
-          <p:cNvSpPr>
-            <a:spLocks noGrp="1"/>
-          </p:cNvSpPr>
-          <p:nvPr>
-            <p:ph idx="1"/>
-          </p:nvPr>
-        </p:nvSpPr>
-        <p:spPr>
-          <a:xfrm>
-            <a:off x="838200" y="1203694"/>
-            <a:ext cx="10515600" cy="4414838"/>
-          </a:xfrm>
-        </p:spPr>
-        <p:txBody>
-          <a:bodyPr/>
-          <a:lstStyle/>
-          <a:p>
-            <a:r>
-              <a:rPr lang="en-US" sz="2000" dirty="0" smtClean="0"/>
-              <a:t>Use-Case: When using PSC/NAICS as the only FPDS coding attributes, erroneous addressability signatures can be introduced.</a:t>
-            </a:r>
-          </a:p>
-          <a:p>
-            <a:pPr lvl="1"/>
-            <a:r>
-              <a:rPr lang="en-US" sz="2000" dirty="0" smtClean="0"/>
-              <a:t>Results in creation of addressability signature that should not exist</a:t>
-            </a:r>
-          </a:p>
-          <a:p>
-            <a:pPr lvl="1"/>
-            <a:r>
-              <a:rPr lang="en-US" sz="2000" dirty="0" smtClean="0"/>
-              <a:t>Addressability projection for subject year will be over-inflated. </a:t>
-            </a:r>
-          </a:p>
-          <a:p>
-            <a:r>
-              <a:rPr lang="en-US" sz="2000" dirty="0" smtClean="0"/>
-              <a:t>Alternatives:</a:t>
-            </a:r>
-          </a:p>
-          <a:p>
-            <a:pPr lvl="1"/>
-            <a:r>
-              <a:rPr lang="en-US" sz="2000" dirty="0" smtClean="0"/>
-              <a:t>Identify low frequency </a:t>
-            </a:r>
-            <a:r>
-              <a:rPr lang="en-US" sz="2000" dirty="0" err="1" smtClean="0"/>
-              <a:t>psc</a:t>
-            </a:r>
-            <a:r>
-              <a:rPr lang="en-US" sz="2000" dirty="0" smtClean="0"/>
-              <a:t>/</a:t>
-            </a:r>
-            <a:r>
-              <a:rPr lang="en-US" sz="2000" dirty="0" err="1" smtClean="0"/>
-              <a:t>naics</a:t>
-            </a:r>
-            <a:r>
-              <a:rPr lang="en-US" sz="2000" dirty="0" smtClean="0"/>
-              <a:t> buckets as erroneous and filter from the addressability matrix. </a:t>
-            </a:r>
-          </a:p>
-          <a:p>
-            <a:pPr lvl="1"/>
-            <a:r>
-              <a:rPr lang="en-US" sz="2000" dirty="0" smtClean="0"/>
-              <a:t>Increase the number of attributes that represent the bucket or market space by n attributes.</a:t>
-            </a:r>
-          </a:p>
-          <a:p>
-            <a:pPr lvl="2"/>
-            <a:r>
-              <a:rPr lang="en-US" sz="1800" dirty="0" smtClean="0"/>
-              <a:t>A truly unique combination of these attributes can remain in the addressability calculation and is n^2 times less likely to generalized from in the testing phase. </a:t>
-            </a:r>
-          </a:p>
-          <a:p>
-            <a:pPr lvl="2"/>
-            <a:r>
-              <a:rPr lang="en-US" sz="1800" dirty="0" smtClean="0"/>
-              <a:t>Due to the fact the the attribute combinations identify a market space </a:t>
-            </a:r>
-            <a:r>
-              <a:rPr lang="en-US" sz="2400" dirty="0"/>
-              <a:t>n^2 = 25 </a:t>
-            </a:r>
-            <a:r>
-              <a:rPr lang="en-US" sz="2400" dirty="0" smtClean="0"/>
-              <a:t>times </a:t>
-            </a:r>
-            <a:r>
-              <a:rPr lang="en-US" sz="1800" dirty="0" smtClean="0"/>
-              <a:t>more specific than </a:t>
-            </a:r>
-            <a:r>
-              <a:rPr lang="en-US" sz="1800" dirty="0" err="1" smtClean="0"/>
-              <a:t>psc</a:t>
-            </a:r>
-            <a:r>
-              <a:rPr lang="en-US" sz="1800" dirty="0" smtClean="0"/>
-              <a:t> </a:t>
-            </a:r>
-            <a:r>
-              <a:rPr lang="en-US" sz="1800" dirty="0" err="1" smtClean="0"/>
-              <a:t>naics</a:t>
-            </a:r>
-            <a:r>
-              <a:rPr lang="en-US" sz="1800" dirty="0" smtClean="0"/>
-              <a:t>, a high volume of signatures have low test data set frequencies.</a:t>
-            </a:r>
-          </a:p>
-          <a:p>
-            <a:pPr lvl="2"/>
-            <a:r>
-              <a:rPr lang="en-US" sz="1800" dirty="0" smtClean="0"/>
-              <a:t>Omission of these signatures would produce an erroneous result.</a:t>
-            </a:r>
-            <a:endParaRPr lang="en-US" sz="1800" dirty="0"/>
-          </a:p>
-        </p:txBody>
-      </p:sp>
-    </p:spTree>
-    <p:extLst>
-      <p:ext uri="{BB962C8B-B14F-4D97-AF65-F5344CB8AC3E}">
-        <p14:creationId xmlns:p14="http://schemas.microsoft.com/office/powerpoint/2010/main" val="464316923"/>
-      </p:ext>
-    </p:extLst>
-  </p:cSld>
-  <p:clrMapOvr>
-    <a:masterClrMapping/>
-  </p:clrMapOvr>
+  <p:timing>
+    <p:tnLst>
+      <p:par>
+        <p:cTn id="1" dur="indefinite" restart="never" nodeType="tmRoot"/>
+      </p:par>
+    </p:tnLst>
+  </p:timing>
 </p:sld>
 </file>
 
@@ -5401,52 +8054,156 @@
           <a:p>
             <a:r>
               <a:rPr lang="en-US" dirty="0" smtClean="0"/>
-              <a:t>BIC Addressability vs Obligations</a:t>
+              <a:t>Addressability Matrix Frequency Filtering</a:t>
             </a:r>
             <a:endParaRPr lang="en-US" dirty="0"/>
           </a:p>
         </p:txBody>
       </p:sp>
-      <p:pic>
-        <p:nvPicPr>
-          <p:cNvPr id="4" name="Picture 3"/>
-          <p:cNvPicPr>
-            <a:picLocks noChangeAspect="1"/>
-          </p:cNvPicPr>
-          <p:nvPr/>
-        </p:nvPicPr>
-        <p:blipFill>
-          <a:blip r:embed="rId2">
-            <a:extLst>
-              <a:ext uri="{28A0092B-C50C-407E-A947-70E740481C1C}">
-                <a14:useLocalDpi xmlns:a14="http://schemas.microsoft.com/office/drawing/2010/main" val="0"/>
-              </a:ext>
-            </a:extLst>
-          </a:blip>
-          <a:stretch>
-            <a:fillRect/>
-          </a:stretch>
-        </p:blipFill>
+      <p:sp>
+        <p:nvSpPr>
+          <p:cNvPr id="3" name="Content Placeholder 2"/>
+          <p:cNvSpPr>
+            <a:spLocks noGrp="1"/>
+          </p:cNvSpPr>
+          <p:nvPr>
+            <p:ph idx="1"/>
+          </p:nvPr>
+        </p:nvSpPr>
         <p:spPr>
           <a:xfrm>
-            <a:off x="1436543" y="1282968"/>
-            <a:ext cx="9318914" cy="4405313"/>
+            <a:off x="838200" y="1203694"/>
+            <a:ext cx="10515600" cy="4662716"/>
           </a:xfrm>
-          <a:prstGeom prst="rect">
-            <a:avLst/>
-          </a:prstGeom>
         </p:spPr>
-      </p:pic>
+        <p:txBody>
+          <a:bodyPr/>
+          <a:lstStyle/>
+          <a:p>
+            <a:r>
+              <a:rPr lang="en-US" sz="2000" dirty="0" smtClean="0"/>
+              <a:t>Use-Case: When using PSC/NAICS as the only FPDS coding attributes, erroneous addressability signatures can be introduced.</a:t>
+            </a:r>
+          </a:p>
+          <a:p>
+            <a:pPr lvl="1"/>
+            <a:r>
+              <a:rPr lang="en-US" sz="2000" dirty="0" smtClean="0"/>
+              <a:t>Results in creation of addressability signature that should not exist</a:t>
+            </a:r>
+          </a:p>
+          <a:p>
+            <a:pPr lvl="1"/>
+            <a:r>
+              <a:rPr lang="en-US" sz="2000" dirty="0" smtClean="0"/>
+              <a:t>Addressability projection for subject year will be over-inflated. </a:t>
+            </a:r>
+          </a:p>
+          <a:p>
+            <a:r>
+              <a:rPr lang="en-US" sz="2000" dirty="0" smtClean="0"/>
+              <a:t>Alternatives:</a:t>
+            </a:r>
+          </a:p>
+          <a:p>
+            <a:pPr lvl="1"/>
+            <a:r>
+              <a:rPr lang="en-US" sz="2000" dirty="0" smtClean="0"/>
+              <a:t>Identify low frequency </a:t>
+            </a:r>
+            <a:r>
+              <a:rPr lang="en-US" sz="2000" dirty="0" err="1" smtClean="0"/>
+              <a:t>psc</a:t>
+            </a:r>
+            <a:r>
+              <a:rPr lang="en-US" sz="2000" dirty="0" smtClean="0"/>
+              <a:t>/</a:t>
+            </a:r>
+            <a:r>
+              <a:rPr lang="en-US" sz="2000" dirty="0" err="1" smtClean="0"/>
+              <a:t>naics</a:t>
+            </a:r>
+            <a:r>
+              <a:rPr lang="en-US" sz="2000" dirty="0" smtClean="0"/>
+              <a:t> buckets as erroneous and filter from the addressability matrix. </a:t>
+            </a:r>
+          </a:p>
+          <a:p>
+            <a:pPr lvl="1"/>
+            <a:r>
+              <a:rPr lang="en-US" sz="2000" dirty="0" smtClean="0"/>
+              <a:t>Increase the number of attributes that represent the bucket or market space by n attributes.</a:t>
+            </a:r>
+          </a:p>
+          <a:p>
+            <a:pPr lvl="2"/>
+            <a:r>
+              <a:rPr lang="en-US" sz="1800" dirty="0" smtClean="0"/>
+              <a:t>A truly unique combination of these attributes can remain in the addressability calculation and is n^2 times less likely to generalized from in the testing phase. </a:t>
+            </a:r>
+          </a:p>
+          <a:p>
+            <a:pPr lvl="2"/>
+            <a:r>
+              <a:rPr lang="en-US" sz="1800" dirty="0" smtClean="0"/>
+              <a:t>Due to the fact the the attribute combinations identify a market space </a:t>
+            </a:r>
+            <a:r>
+              <a:rPr lang="en-US" sz="2400" dirty="0"/>
+              <a:t>n^2 = 25 </a:t>
+            </a:r>
+            <a:r>
+              <a:rPr lang="en-US" sz="2400" dirty="0" smtClean="0"/>
+              <a:t>times </a:t>
+            </a:r>
+            <a:r>
+              <a:rPr lang="en-US" sz="1800" dirty="0" smtClean="0"/>
+              <a:t>more specific than </a:t>
+            </a:r>
+            <a:r>
+              <a:rPr lang="en-US" sz="1800" dirty="0" err="1" smtClean="0"/>
+              <a:t>psc</a:t>
+            </a:r>
+            <a:r>
+              <a:rPr lang="en-US" sz="1800" dirty="0" smtClean="0"/>
+              <a:t> </a:t>
+            </a:r>
+            <a:r>
+              <a:rPr lang="en-US" sz="1800" dirty="0" err="1" smtClean="0"/>
+              <a:t>naics</a:t>
+            </a:r>
+            <a:r>
+              <a:rPr lang="en-US" sz="1800" dirty="0" smtClean="0"/>
+              <a:t>, a high volume of signatures have low test data set frequencies.</a:t>
+            </a:r>
+          </a:p>
+          <a:p>
+            <a:pPr lvl="2"/>
+            <a:r>
+              <a:rPr lang="en-US" sz="1800" dirty="0" smtClean="0"/>
+              <a:t>Omission of these signatures would produce an erroneous result.</a:t>
+            </a:r>
+            <a:endParaRPr lang="en-US" sz="1800" dirty="0"/>
+          </a:p>
+        </p:txBody>
+      </p:sp>
     </p:spTree>
     <p:extLst>
       <p:ext uri="{BB962C8B-B14F-4D97-AF65-F5344CB8AC3E}">
-        <p14:creationId xmlns:p14="http://schemas.microsoft.com/office/powerpoint/2010/main" val="781273429"/>
+        <p14:creationId xmlns:p14="http://schemas.microsoft.com/office/powerpoint/2010/main" val="464316923"/>
       </p:ext>
     </p:extLst>
   </p:cSld>
   <p:clrMapOvr>
     <a:masterClrMapping/>
   </p:clrMapOvr>
+  <p:timing>
+    <p:tnLst>
+      <p:par>
+        <p:cTn id="1" dur="indefinite" restart="never" nodeType="tmRoot"/>
+      </p:par>
+    </p:tnLst>
+  </p:timing>
 </p:sld>
 </file>
 
